--- a/代码生成图集.pptx
+++ b/代码生成图集.pptx
@@ -210,7 +210,7 @@
           <a:p>
             <a:fld id="{687CFD2B-D79F-4CCE-BAFE-DDCACA127A82}" type="datetimeFigureOut">
               <a:rPr lang="zh-CN" altLang="en-US" smtClean="0"/>
-              <a:t>2018/5/8</a:t>
+              <a:t>2018/5/12</a:t>
             </a:fld>
             <a:endParaRPr lang="zh-CN" altLang="en-US"/>
           </a:p>
@@ -790,7 +790,7 @@
           <a:p>
             <a:fld id="{E2CA65C4-BDD0-48CB-A392-6FBE1F864096}" type="datetimeFigureOut">
               <a:rPr lang="zh-CN" altLang="en-US" smtClean="0"/>
-              <a:t>2018/5/8</a:t>
+              <a:t>2018/5/12</a:t>
             </a:fld>
             <a:endParaRPr lang="zh-CN" altLang="en-US"/>
           </a:p>
@@ -955,7 +955,7 @@
           <a:p>
             <a:fld id="{E2CA65C4-BDD0-48CB-A392-6FBE1F864096}" type="datetimeFigureOut">
               <a:rPr lang="zh-CN" altLang="en-US" smtClean="0"/>
-              <a:t>2018/5/8</a:t>
+              <a:t>2018/5/12</a:t>
             </a:fld>
             <a:endParaRPr lang="zh-CN" altLang="en-US"/>
           </a:p>
@@ -1130,7 +1130,7 @@
           <a:p>
             <a:fld id="{E2CA65C4-BDD0-48CB-A392-6FBE1F864096}" type="datetimeFigureOut">
               <a:rPr lang="zh-CN" altLang="en-US" smtClean="0"/>
-              <a:t>2018/5/8</a:t>
+              <a:t>2018/5/12</a:t>
             </a:fld>
             <a:endParaRPr lang="zh-CN" altLang="en-US"/>
           </a:p>
@@ -1295,7 +1295,7 @@
           <a:p>
             <a:fld id="{E2CA65C4-BDD0-48CB-A392-6FBE1F864096}" type="datetimeFigureOut">
               <a:rPr lang="zh-CN" altLang="en-US" smtClean="0"/>
-              <a:t>2018/5/8</a:t>
+              <a:t>2018/5/12</a:t>
             </a:fld>
             <a:endParaRPr lang="zh-CN" altLang="en-US"/>
           </a:p>
@@ -1536,7 +1536,7 @@
           <a:p>
             <a:fld id="{E2CA65C4-BDD0-48CB-A392-6FBE1F864096}" type="datetimeFigureOut">
               <a:rPr lang="zh-CN" altLang="en-US" smtClean="0"/>
-              <a:t>2018/5/8</a:t>
+              <a:t>2018/5/12</a:t>
             </a:fld>
             <a:endParaRPr lang="zh-CN" altLang="en-US"/>
           </a:p>
@@ -1763,7 +1763,7 @@
           <a:p>
             <a:fld id="{E2CA65C4-BDD0-48CB-A392-6FBE1F864096}" type="datetimeFigureOut">
               <a:rPr lang="zh-CN" altLang="en-US" smtClean="0"/>
-              <a:t>2018/5/8</a:t>
+              <a:t>2018/5/12</a:t>
             </a:fld>
             <a:endParaRPr lang="zh-CN" altLang="en-US"/>
           </a:p>
@@ -2125,7 +2125,7 @@
           <a:p>
             <a:fld id="{E2CA65C4-BDD0-48CB-A392-6FBE1F864096}" type="datetimeFigureOut">
               <a:rPr lang="zh-CN" altLang="en-US" smtClean="0"/>
-              <a:t>2018/5/8</a:t>
+              <a:t>2018/5/12</a:t>
             </a:fld>
             <a:endParaRPr lang="zh-CN" altLang="en-US"/>
           </a:p>
@@ -2238,7 +2238,7 @@
           <a:p>
             <a:fld id="{E2CA65C4-BDD0-48CB-A392-6FBE1F864096}" type="datetimeFigureOut">
               <a:rPr lang="zh-CN" altLang="en-US" smtClean="0"/>
-              <a:t>2018/5/8</a:t>
+              <a:t>2018/5/12</a:t>
             </a:fld>
             <a:endParaRPr lang="zh-CN" altLang="en-US"/>
           </a:p>
@@ -2328,7 +2328,7 @@
           <a:p>
             <a:fld id="{E2CA65C4-BDD0-48CB-A392-6FBE1F864096}" type="datetimeFigureOut">
               <a:rPr lang="zh-CN" altLang="en-US" smtClean="0"/>
-              <a:t>2018/5/8</a:t>
+              <a:t>2018/5/12</a:t>
             </a:fld>
             <a:endParaRPr lang="zh-CN" altLang="en-US"/>
           </a:p>
@@ -2600,7 +2600,7 @@
           <a:p>
             <a:fld id="{E2CA65C4-BDD0-48CB-A392-6FBE1F864096}" type="datetimeFigureOut">
               <a:rPr lang="zh-CN" altLang="en-US" smtClean="0"/>
-              <a:t>2018/5/8</a:t>
+              <a:t>2018/5/12</a:t>
             </a:fld>
             <a:endParaRPr lang="zh-CN" altLang="en-US"/>
           </a:p>
@@ -2848,7 +2848,7 @@
           <a:p>
             <a:fld id="{E2CA65C4-BDD0-48CB-A392-6FBE1F864096}" type="datetimeFigureOut">
               <a:rPr lang="zh-CN" altLang="en-US" smtClean="0"/>
-              <a:t>2018/5/8</a:t>
+              <a:t>2018/5/12</a:t>
             </a:fld>
             <a:endParaRPr lang="zh-CN" altLang="en-US"/>
           </a:p>
@@ -3056,7 +3056,7 @@
           <a:p>
             <a:fld id="{E2CA65C4-BDD0-48CB-A392-6FBE1F864096}" type="datetimeFigureOut">
               <a:rPr lang="zh-CN" altLang="en-US" smtClean="0"/>
-              <a:t>2018/5/8</a:t>
+              <a:t>2018/5/12</a:t>
             </a:fld>
             <a:endParaRPr lang="zh-CN" altLang="en-US"/>
           </a:p>
@@ -9620,7 +9620,7 @@
         </p:nvSpPr>
         <p:spPr>
           <a:xfrm rot="10800000">
-            <a:off x="8896306" y="982507"/>
+            <a:off x="8686556" y="942296"/>
             <a:ext cx="183833" cy="2843347"/>
           </a:xfrm>
           <a:prstGeom prst="leftBrace">
@@ -9668,7 +9668,7 @@
         </p:nvSpPr>
         <p:spPr>
           <a:xfrm>
-            <a:off x="9266831" y="2382095"/>
+            <a:off x="8945032" y="2194461"/>
             <a:ext cx="815340" cy="369332"/>
           </a:xfrm>
           <a:prstGeom prst="rect">
@@ -9704,7 +9704,7 @@
         </p:nvSpPr>
         <p:spPr>
           <a:xfrm>
-            <a:off x="553394" y="2146371"/>
+            <a:off x="692916" y="2151267"/>
             <a:ext cx="468402" cy="369332"/>
           </a:xfrm>
           <a:prstGeom prst="rect">
@@ -9740,7 +9740,7 @@
         </p:nvSpPr>
         <p:spPr>
           <a:xfrm>
-            <a:off x="1065652" y="942296"/>
+            <a:off x="1148740" y="958655"/>
             <a:ext cx="347032" cy="2840943"/>
           </a:xfrm>
           <a:prstGeom prst="leftBrace">
@@ -25887,7 +25887,7 @@
         </p:nvSpPr>
         <p:spPr>
           <a:xfrm>
-            <a:off x="501963" y="2407589"/>
+            <a:off x="678171" y="2364138"/>
             <a:ext cx="815340" cy="369332"/>
           </a:xfrm>
           <a:prstGeom prst="rect">
@@ -25923,7 +25923,7 @@
         </p:nvSpPr>
         <p:spPr>
           <a:xfrm>
-            <a:off x="1282067" y="1037624"/>
+            <a:off x="1338257" y="1025766"/>
             <a:ext cx="232410" cy="3112584"/>
           </a:xfrm>
           <a:prstGeom prst="leftBrace">
@@ -26096,7 +26096,7 @@
           </a:bodyPr>
           <a:lstStyle/>
           <a:p>
-            <a:pPr marL="285750" indent="-285750">
+            <a:pPr marL="285750" indent="-285750" algn="ctr">
               <a:buFont typeface="Arial" panose="020B0604020202020204" pitchFamily="34" charset="0"/>
               <a:buChar char="•"/>
             </a:pPr>
@@ -26132,7 +26132,7 @@
           </a:bodyPr>
           <a:lstStyle/>
           <a:p>
-            <a:pPr marL="285750" indent="-285750">
+            <a:pPr marL="285750" indent="-285750" algn="ctr">
               <a:buFont typeface="Arial" panose="020B0604020202020204" pitchFamily="34" charset="0"/>
               <a:buChar char="•"/>
             </a:pPr>
@@ -26168,7 +26168,7 @@
           </a:bodyPr>
           <a:lstStyle/>
           <a:p>
-            <a:pPr marL="285750" indent="-285750">
+            <a:pPr marL="285750" indent="-285750" algn="ctr">
               <a:buFont typeface="Arial" panose="020B0604020202020204" pitchFamily="34" charset="0"/>
               <a:buChar char="•"/>
             </a:pPr>
@@ -26620,15 +26620,15 @@
         <p:nvCxnSpPr>
           <p:cNvPr id="40" name="Straight Arrow Connector 39"/>
           <p:cNvCxnSpPr>
-            <a:stCxn id="44" idx="3"/>
+            <a:cxnSpLocks/>
             <a:endCxn id="45" idx="1"/>
           </p:cNvCxnSpPr>
           <p:nvPr/>
         </p:nvCxnSpPr>
         <p:spPr>
-          <a:xfrm flipV="1">
-            <a:off x="3628072" y="2926082"/>
-            <a:ext cx="1378585" cy="92710"/>
+          <a:xfrm>
+            <a:off x="3628072" y="2926080"/>
+            <a:ext cx="1378268" cy="0"/>
           </a:xfrm>
           <a:prstGeom prst="straightConnector1">
             <a:avLst/>
@@ -26758,7 +26758,7 @@
         </p:nvSpPr>
         <p:spPr>
           <a:xfrm rot="10800000">
-            <a:off x="7154233" y="1039992"/>
+            <a:off x="6977065" y="1060995"/>
             <a:ext cx="183833" cy="3155254"/>
           </a:xfrm>
           <a:prstGeom prst="leftBrace">
@@ -26806,7 +26806,7 @@
         </p:nvSpPr>
         <p:spPr>
           <a:xfrm>
-            <a:off x="7524757" y="2439580"/>
+            <a:off x="7193474" y="2413861"/>
             <a:ext cx="815340" cy="369332"/>
           </a:xfrm>
           <a:prstGeom prst="rect">
@@ -29107,8 +29107,8 @@
         </p:nvSpPr>
         <p:spPr>
           <a:xfrm>
-            <a:off x="2953427" y="1362535"/>
-            <a:ext cx="536789" cy="1844528"/>
+            <a:off x="2953427" y="1314450"/>
+            <a:ext cx="536789" cy="2114550"/>
           </a:xfrm>
           <a:prstGeom prst="rect">
             <a:avLst/>
@@ -29201,9 +29201,9 @@
           <p:nvPr/>
         </p:nvSpPr>
         <p:spPr>
-          <a:xfrm>
-            <a:off x="3030855" y="1478280"/>
-            <a:ext cx="381000" cy="1568450"/>
+          <a:xfrm rot="5400000">
+            <a:off x="2219037" y="2227996"/>
+            <a:ext cx="1972239" cy="307777"/>
           </a:xfrm>
           <a:prstGeom prst="rect">
             <a:avLst/>
@@ -29226,41 +29226,33 @@
           </a:bodyPr>
           <a:lstStyle/>
           <a:p>
-            <a:r>
-              <a:rPr lang="zh-CN" altLang="en-US" sz="1600">
-                <a:latin typeface="仿宋" panose="02010609060101010101" pitchFamily="49" charset="-122"/>
-                <a:ea typeface="仿宋" panose="02010609060101010101" pitchFamily="49" charset="-122"/>
-              </a:rPr>
-              <a:t>输入接口模块</a:t>
-            </a:r>
-          </a:p>
-        </p:txBody>
-      </p:sp>
-      <p:sp>
-        <p:nvSpPr>
-          <p:cNvPr id="20" name="TextBox 19"/>
+            <a:pPr algn="ctr"/>
+            <a:r>
+              <a:rPr lang="en-US" altLang="zh-CN" sz="1400"/>
+              <a:t>Input interface module</a:t>
+            </a:r>
+            <a:endParaRPr lang="zh-CN" altLang="en-US" sz="1200">
+              <a:latin typeface="仿宋" panose="02010609060101010101" pitchFamily="49" charset="-122"/>
+              <a:ea typeface="仿宋" panose="02010609060101010101" pitchFamily="49" charset="-122"/>
+            </a:endParaRPr>
+          </a:p>
+        </p:txBody>
+      </p:sp>
+      <p:sp>
+        <p:nvSpPr>
+          <p:cNvPr id="23" name="TextBox 22"/>
           <p:cNvSpPr txBox="1"/>
           <p:nvPr/>
         </p:nvSpPr>
         <p:spPr>
           <a:xfrm>
-            <a:off x="5702496" y="1481535"/>
-            <a:ext cx="381000" cy="1569660"/>
+            <a:off x="3811089" y="976254"/>
+            <a:ext cx="1494789" cy="307777"/>
           </a:xfrm>
           <a:prstGeom prst="rect">
             <a:avLst/>
           </a:prstGeom>
-          <a:solidFill>
-            <a:schemeClr val="accent2">
-              <a:lumMod val="40000"/>
-              <a:lumOff val="60000"/>
-            </a:schemeClr>
-          </a:solidFill>
-          <a:ln w="6350">
-            <a:solidFill>
-              <a:schemeClr val="tx1"/>
-            </a:solidFill>
-          </a:ln>
+          <a:noFill/>
         </p:spPr>
         <p:txBody>
           <a:bodyPr wrap="square" rtlCol="0">
@@ -29268,44 +29260,12 @@
           </a:bodyPr>
           <a:lstStyle/>
           <a:p>
-            <a:r>
-              <a:rPr lang="zh-CN" altLang="en-US" sz="1600">
+            <a:pPr algn="ctr"/>
+            <a:r>
+              <a:rPr lang="en-US" sz="1400" b="1">
                 <a:latin typeface="仿宋" panose="02010609060101010101" pitchFamily="49" charset="-122"/>
                 <a:ea typeface="仿宋" panose="02010609060101010101" pitchFamily="49" charset="-122"/>
               </a:rPr>
-              <a:t>输出接口模块</a:t>
-            </a:r>
-          </a:p>
-        </p:txBody>
-      </p:sp>
-      <p:sp>
-        <p:nvSpPr>
-          <p:cNvPr id="23" name="TextBox 22"/>
-          <p:cNvSpPr txBox="1"/>
-          <p:nvPr/>
-        </p:nvSpPr>
-        <p:spPr>
-          <a:xfrm>
-            <a:off x="3811089" y="976254"/>
-            <a:ext cx="1494789" cy="368300"/>
-          </a:xfrm>
-          <a:prstGeom prst="rect">
-            <a:avLst/>
-          </a:prstGeom>
-          <a:noFill/>
-        </p:spPr>
-        <p:txBody>
-          <a:bodyPr wrap="square" rtlCol="0">
-            <a:spAutoFit/>
-          </a:bodyPr>
-          <a:lstStyle/>
-          <a:p>
-            <a:pPr algn="ctr"/>
-            <a:r>
-              <a:rPr lang="en-US" b="1">
-                <a:latin typeface="仿宋" panose="02010609060101010101" pitchFamily="49" charset="-122"/>
-                <a:ea typeface="仿宋" panose="02010609060101010101" pitchFamily="49" charset="-122"/>
-              </a:rPr>
               <a:t>CPU</a:t>
             </a:r>
           </a:p>
@@ -29319,8 +29279,8 @@
         </p:nvSpPr>
         <p:spPr>
           <a:xfrm>
-            <a:off x="2843530" y="983615"/>
-            <a:ext cx="3386455" cy="3232150"/>
+            <a:off x="2843530" y="983614"/>
+            <a:ext cx="3386455" cy="3303159"/>
           </a:xfrm>
           <a:prstGeom prst="rect">
             <a:avLst/>
@@ -29405,14 +29365,16 @@
         <p:nvCxnSpPr>
           <p:cNvPr id="42" name="Straight Arrow Connector 41"/>
           <p:cNvCxnSpPr>
-            <a:stCxn id="19" idx="3"/>
+            <a:cxnSpLocks/>
+            <a:stCxn id="19" idx="0"/>
+            <a:endCxn id="216" idx="1"/>
           </p:cNvCxnSpPr>
           <p:nvPr/>
         </p:nvCxnSpPr>
         <p:spPr>
           <a:xfrm>
-            <a:off x="3411855" y="2262505"/>
-            <a:ext cx="320675" cy="3175"/>
+            <a:off x="3359045" y="2381885"/>
+            <a:ext cx="429365" cy="0"/>
           </a:xfrm>
           <a:prstGeom prst="straightConnector1">
             <a:avLst/>
@@ -29446,15 +29408,16 @@
         <p:nvCxnSpPr>
           <p:cNvPr id="44" name="Straight Arrow Connector 43"/>
           <p:cNvCxnSpPr>
+            <a:cxnSpLocks/>
             <a:stCxn id="26" idx="3"/>
-            <a:endCxn id="20" idx="1"/>
+            <a:endCxn id="61" idx="2"/>
           </p:cNvCxnSpPr>
           <p:nvPr/>
         </p:nvCxnSpPr>
         <p:spPr>
           <a:xfrm flipV="1">
-            <a:off x="5427268" y="2266433"/>
-            <a:ext cx="274955" cy="121285"/>
+            <a:off x="5427345" y="2385310"/>
+            <a:ext cx="294431" cy="2290"/>
           </a:xfrm>
           <a:prstGeom prst="straightConnector1">
             <a:avLst/>
@@ -29487,13 +29450,15 @@
       <p:cxnSp>
         <p:nvCxnSpPr>
           <p:cNvPr id="56" name="Straight Arrow Connector 55"/>
-          <p:cNvCxnSpPr/>
+          <p:cNvCxnSpPr>
+            <a:cxnSpLocks/>
+          </p:cNvCxnSpPr>
           <p:nvPr/>
         </p:nvCxnSpPr>
         <p:spPr>
-          <a:xfrm flipH="1">
-            <a:off x="4535528" y="3743301"/>
-            <a:ext cx="1270" cy="64135"/>
+          <a:xfrm>
+            <a:off x="4518750" y="3742690"/>
+            <a:ext cx="0" cy="167386"/>
           </a:xfrm>
           <a:prstGeom prst="straightConnector1">
             <a:avLst/>
@@ -29523,66 +29488,6 @@
           </a:fontRef>
         </p:style>
       </p:cxnSp>
-      <p:cxnSp>
-        <p:nvCxnSpPr>
-          <p:cNvPr id="92" name="Straight Connector 91"/>
-          <p:cNvCxnSpPr/>
-          <p:nvPr/>
-        </p:nvCxnSpPr>
-        <p:spPr>
-          <a:xfrm flipH="1">
-            <a:off x="3957935" y="3807668"/>
-            <a:ext cx="1677" cy="271341"/>
-          </a:xfrm>
-          <a:prstGeom prst="line">
-            <a:avLst/>
-          </a:prstGeom>
-        </p:spPr>
-        <p:style>
-          <a:lnRef idx="1">
-            <a:schemeClr val="accent1"/>
-          </a:lnRef>
-          <a:fillRef idx="0">
-            <a:schemeClr val="accent1"/>
-          </a:fillRef>
-          <a:effectRef idx="0">
-            <a:schemeClr val="accent1"/>
-          </a:effectRef>
-          <a:fontRef idx="minor">
-            <a:schemeClr val="tx1"/>
-          </a:fontRef>
-        </p:style>
-      </p:cxnSp>
-      <p:cxnSp>
-        <p:nvCxnSpPr>
-          <p:cNvPr id="95" name="Straight Connector 94"/>
-          <p:cNvCxnSpPr/>
-          <p:nvPr/>
-        </p:nvCxnSpPr>
-        <p:spPr>
-          <a:xfrm flipH="1">
-            <a:off x="4388240" y="3807668"/>
-            <a:ext cx="1677" cy="271341"/>
-          </a:xfrm>
-          <a:prstGeom prst="line">
-            <a:avLst/>
-          </a:prstGeom>
-        </p:spPr>
-        <p:style>
-          <a:lnRef idx="1">
-            <a:schemeClr val="accent1"/>
-          </a:lnRef>
-          <a:fillRef idx="0">
-            <a:schemeClr val="accent1"/>
-          </a:fillRef>
-          <a:effectRef idx="0">
-            <a:schemeClr val="accent1"/>
-          </a:effectRef>
-          <a:fontRef idx="minor">
-            <a:schemeClr val="tx1"/>
-          </a:fontRef>
-        </p:style>
-      </p:cxnSp>
       <p:sp>
         <p:nvSpPr>
           <p:cNvPr id="141" name="Rectangle 140"/>
@@ -29591,8 +29496,8 @@
         </p:nvSpPr>
         <p:spPr>
           <a:xfrm>
-            <a:off x="5632672" y="1344120"/>
-            <a:ext cx="520950" cy="1844528"/>
+            <a:off x="5660857" y="1314450"/>
+            <a:ext cx="445780" cy="2134870"/>
           </a:xfrm>
           <a:prstGeom prst="rect">
             <a:avLst/>
@@ -29638,8 +29543,8 @@
         </p:nvSpPr>
         <p:spPr>
           <a:xfrm>
-            <a:off x="3619023" y="3808038"/>
-            <a:ext cx="1799652" cy="1344755"/>
+            <a:off x="3619022" y="3853423"/>
+            <a:ext cx="1838389" cy="400170"/>
           </a:xfrm>
           <a:prstGeom prst="rect">
             <a:avLst/>
@@ -29730,14 +29635,15 @@
         <p:nvCxnSpPr>
           <p:cNvPr id="150" name="Connector: Elbow 149"/>
           <p:cNvCxnSpPr>
+            <a:cxnSpLocks/>
             <a:stCxn id="141" idx="0"/>
           </p:cNvCxnSpPr>
           <p:nvPr/>
         </p:nvCxnSpPr>
         <p:spPr>
           <a:xfrm rot="5400000" flipH="1" flipV="1">
-            <a:off x="6311727" y="731765"/>
-            <a:ext cx="193141" cy="1031571"/>
+            <a:off x="6322181" y="712548"/>
+            <a:ext cx="163468" cy="1040337"/>
           </a:xfrm>
           <a:prstGeom prst="bentConnector2">
             <a:avLst/>
@@ -29768,7 +29674,9 @@
       <p:cxnSp>
         <p:nvCxnSpPr>
           <p:cNvPr id="152" name="Connector: Elbow 151"/>
-          <p:cNvCxnSpPr/>
+          <p:cNvCxnSpPr>
+            <a:cxnSpLocks/>
+          </p:cNvCxnSpPr>
           <p:nvPr/>
         </p:nvCxnSpPr>
         <p:spPr>
@@ -29778,7 +29686,7 @@
           </a:xfrm>
           <a:prstGeom prst="bentConnector3">
             <a:avLst>
-              <a:gd name="adj1" fmla="val 5858"/>
+              <a:gd name="adj1" fmla="val 9288"/>
             </a:avLst>
           </a:prstGeom>
           <a:ln>
@@ -29808,14 +29716,15 @@
         <p:nvCxnSpPr>
           <p:cNvPr id="154" name="Connector: Elbow 153"/>
           <p:cNvCxnSpPr>
+            <a:cxnSpLocks/>
             <a:stCxn id="130" idx="0"/>
           </p:cNvCxnSpPr>
           <p:nvPr/>
         </p:nvCxnSpPr>
         <p:spPr>
           <a:xfrm rot="5400000" flipH="1" flipV="1">
-            <a:off x="4827957" y="-718686"/>
-            <a:ext cx="475086" cy="3687357"/>
+            <a:off x="4852000" y="-742728"/>
+            <a:ext cx="427000" cy="3687356"/>
           </a:xfrm>
           <a:prstGeom prst="bentConnector2">
             <a:avLst/>
@@ -29888,7 +29797,13 @@
           <p:cNvGraphicFramePr>
             <a:graphicFrameLocks noGrp="1"/>
           </p:cNvGraphicFramePr>
-          <p:nvPr/>
+          <p:nvPr>
+            <p:extLst>
+              <p:ext uri="{D42A27DB-BD31-4B8C-83A1-F6EECF244321}">
+                <p14:modId xmlns:p14="http://schemas.microsoft.com/office/powerpoint/2010/main" val="3026488316"/>
+              </p:ext>
+            </p:extLst>
+          </p:nvPr>
         </p:nvGraphicFramePr>
         <p:xfrm>
           <a:off x="3788410" y="1314450"/>
@@ -30131,7 +30046,7 @@
         </p:nvSpPr>
         <p:spPr>
           <a:xfrm>
-            <a:off x="1595862" y="2279119"/>
+            <a:off x="1807271" y="2388810"/>
             <a:ext cx="815340" cy="369332"/>
           </a:xfrm>
           <a:prstGeom prst="rect">
@@ -30150,7 +30065,7 @@
                 <a:latin typeface="楷体" panose="02010609060101010101" pitchFamily="49" charset="-122"/>
                 <a:ea typeface="楷体" panose="02010609060101010101" pitchFamily="49" charset="-122"/>
               </a:rPr>
-              <a:t>FPGA</a:t>
+              <a:t>PLC</a:t>
             </a:r>
             <a:endParaRPr lang="zh-CN" altLang="en-US">
               <a:latin typeface="楷体" panose="02010609060101010101" pitchFamily="49" charset="-122"/>
@@ -30167,8 +30082,8 @@
         </p:nvSpPr>
         <p:spPr>
           <a:xfrm>
-            <a:off x="2375966" y="909154"/>
-            <a:ext cx="232410" cy="3112584"/>
+            <a:off x="2410474" y="940923"/>
+            <a:ext cx="232410" cy="3312669"/>
           </a:xfrm>
           <a:prstGeom prst="leftBrace">
             <a:avLst/>
@@ -30215,7 +30130,7 @@
         </p:nvSpPr>
         <p:spPr>
           <a:xfrm rot="10800000">
-            <a:off x="9288942" y="868107"/>
+            <a:off x="9044151" y="856438"/>
             <a:ext cx="183833" cy="3155254"/>
           </a:xfrm>
           <a:prstGeom prst="leftBrace">
@@ -30263,7 +30178,7 @@
         </p:nvSpPr>
         <p:spPr>
           <a:xfrm>
-            <a:off x="9659466" y="2267695"/>
+            <a:off x="9285708" y="2238374"/>
             <a:ext cx="815340" cy="369332"/>
           </a:xfrm>
           <a:prstGeom prst="rect">
@@ -30291,353 +30206,49 @@
           </a:p>
         </p:txBody>
       </p:sp>
-      <p:grpSp>
-        <p:nvGrpSpPr>
-          <p:cNvPr id="16" name="组合 15"/>
-          <p:cNvGrpSpPr/>
-          <p:nvPr/>
-        </p:nvGrpSpPr>
-        <p:grpSpPr>
-          <a:xfrm>
-            <a:off x="3708400" y="3843020"/>
-            <a:ext cx="1924050" cy="1309986"/>
-            <a:chOff x="5840" y="5469"/>
-            <a:chExt cx="3030" cy="2063"/>
-          </a:xfrm>
-        </p:grpSpPr>
-        <p:sp>
-          <p:nvSpPr>
-            <p:cNvPr id="98" name="TextBox 97"/>
-            <p:cNvSpPr txBox="1"/>
-            <p:nvPr/>
-          </p:nvSpPr>
-          <p:spPr>
-            <a:xfrm>
-              <a:off x="6002" y="6403"/>
-              <a:ext cx="375" cy="872"/>
-            </a:xfrm>
-            <a:prstGeom prst="rect">
-              <a:avLst/>
-            </a:prstGeom>
-            <a:noFill/>
-          </p:spPr>
-          <p:txBody>
-            <a:bodyPr wrap="square" rtlCol="0">
-              <a:spAutoFit/>
-            </a:bodyPr>
-            <a:lstStyle/>
-            <a:p>
-              <a:r>
-                <a:rPr lang="zh-CN" altLang="en-US" sz="1000">
-                  <a:latin typeface="宋体" panose="02010600030101010101" pitchFamily="2" charset="-122"/>
-                  <a:ea typeface="宋体" panose="02010600030101010101" pitchFamily="2" charset="-122"/>
-                </a:rPr>
-                <a:t>编</a:t>
-              </a:r>
-              <a:endParaRPr lang="en-US" altLang="zh-CN" sz="1000">
-                <a:latin typeface="宋体" panose="02010600030101010101" pitchFamily="2" charset="-122"/>
-                <a:ea typeface="宋体" panose="02010600030101010101" pitchFamily="2" charset="-122"/>
-              </a:endParaRPr>
-            </a:p>
-            <a:p>
-              <a:r>
-                <a:rPr lang="zh-CN" altLang="en-US" sz="1000">
-                  <a:latin typeface="宋体" panose="02010600030101010101" pitchFamily="2" charset="-122"/>
-                  <a:ea typeface="宋体" panose="02010600030101010101" pitchFamily="2" charset="-122"/>
-                </a:rPr>
-                <a:t>程</a:t>
-              </a:r>
-              <a:endParaRPr lang="en-US" altLang="zh-CN" sz="1000">
-                <a:latin typeface="宋体" panose="02010600030101010101" pitchFamily="2" charset="-122"/>
-                <a:ea typeface="宋体" panose="02010600030101010101" pitchFamily="2" charset="-122"/>
-              </a:endParaRPr>
-            </a:p>
-            <a:p>
-              <a:r>
-                <a:rPr lang="zh-CN" altLang="en-US" sz="1000">
-                  <a:latin typeface="宋体" panose="02010600030101010101" pitchFamily="2" charset="-122"/>
-                  <a:ea typeface="宋体" panose="02010600030101010101" pitchFamily="2" charset="-122"/>
-                </a:rPr>
-                <a:t>器</a:t>
-              </a:r>
-            </a:p>
-          </p:txBody>
-        </p:sp>
-        <p:sp>
-          <p:nvSpPr>
-            <p:cNvPr id="99" name="TextBox 98"/>
-            <p:cNvSpPr txBox="1"/>
-            <p:nvPr/>
-          </p:nvSpPr>
-          <p:spPr>
-            <a:xfrm>
-              <a:off x="6739" y="6417"/>
-              <a:ext cx="347" cy="872"/>
-            </a:xfrm>
-            <a:prstGeom prst="rect">
-              <a:avLst/>
-            </a:prstGeom>
-            <a:noFill/>
-          </p:spPr>
-          <p:txBody>
-            <a:bodyPr wrap="square" rtlCol="0">
-              <a:spAutoFit/>
-            </a:bodyPr>
-            <a:lstStyle/>
-            <a:p>
-              <a:r>
-                <a:rPr lang="zh-CN" altLang="en-US" sz="1000">
-                  <a:latin typeface="宋体" panose="02010600030101010101" pitchFamily="2" charset="-122"/>
-                  <a:ea typeface="宋体" panose="02010600030101010101" pitchFamily="2" charset="-122"/>
-                </a:rPr>
-                <a:t>机械臂</a:t>
-              </a:r>
-            </a:p>
-          </p:txBody>
-        </p:sp>
-        <p:sp>
-          <p:nvSpPr>
-            <p:cNvPr id="100" name="TextBox 99"/>
-            <p:cNvSpPr txBox="1"/>
-            <p:nvPr/>
-          </p:nvSpPr>
-          <p:spPr>
-            <a:xfrm>
-              <a:off x="7286" y="6402"/>
-              <a:ext cx="347" cy="1115"/>
-            </a:xfrm>
-            <a:prstGeom prst="rect">
-              <a:avLst/>
-            </a:prstGeom>
-            <a:noFill/>
-          </p:spPr>
-          <p:txBody>
-            <a:bodyPr wrap="square" rtlCol="0">
-              <a:spAutoFit/>
-            </a:bodyPr>
-            <a:lstStyle/>
-            <a:p>
-              <a:r>
-                <a:rPr lang="zh-CN" altLang="en-US" sz="1000">
-                  <a:latin typeface="宋体" panose="02010600030101010101" pitchFamily="2" charset="-122"/>
-                  <a:ea typeface="宋体" panose="02010600030101010101" pitchFamily="2" charset="-122"/>
-                </a:rPr>
-                <a:t>监控系统</a:t>
-              </a:r>
-            </a:p>
-          </p:txBody>
-        </p:sp>
-        <p:sp>
-          <p:nvSpPr>
-            <p:cNvPr id="101" name="TextBox 100"/>
-            <p:cNvSpPr txBox="1"/>
-            <p:nvPr/>
-          </p:nvSpPr>
-          <p:spPr>
-            <a:xfrm>
-              <a:off x="7934" y="6417"/>
-              <a:ext cx="347" cy="1115"/>
-            </a:xfrm>
-            <a:prstGeom prst="rect">
-              <a:avLst/>
-            </a:prstGeom>
-            <a:noFill/>
-          </p:spPr>
-          <p:txBody>
-            <a:bodyPr wrap="square" rtlCol="0">
-              <a:spAutoFit/>
-            </a:bodyPr>
-            <a:lstStyle/>
-            <a:p>
-              <a:r>
-                <a:rPr lang="zh-CN" altLang="en-US" sz="1000">
-                  <a:latin typeface="宋体" panose="02010600030101010101" pitchFamily="2" charset="-122"/>
-                  <a:ea typeface="宋体" panose="02010600030101010101" pitchFamily="2" charset="-122"/>
-                </a:rPr>
-                <a:t>遥控设备</a:t>
-              </a:r>
-            </a:p>
-          </p:txBody>
-        </p:sp>
-        <p:grpSp>
-          <p:nvGrpSpPr>
-            <p:cNvPr id="6" name="组合 5"/>
-            <p:cNvGrpSpPr/>
-            <p:nvPr/>
-          </p:nvGrpSpPr>
-          <p:grpSpPr>
-            <a:xfrm>
-              <a:off x="5840" y="5469"/>
-              <a:ext cx="3030" cy="956"/>
-              <a:chOff x="5840" y="5469"/>
-              <a:chExt cx="3030" cy="956"/>
-            </a:xfrm>
-          </p:grpSpPr>
-          <p:cxnSp>
-            <p:nvCxnSpPr>
-              <p:cNvPr id="96" name="Straight Connector 95"/>
-              <p:cNvCxnSpPr/>
-              <p:nvPr/>
-            </p:nvCxnSpPr>
-            <p:spPr>
-              <a:xfrm flipH="1">
-                <a:off x="7529" y="5996"/>
-                <a:ext cx="3" cy="427"/>
-              </a:xfrm>
-              <a:prstGeom prst="line">
-                <a:avLst/>
-              </a:prstGeom>
-            </p:spPr>
-            <p:style>
-              <a:lnRef idx="1">
-                <a:schemeClr val="accent1"/>
-              </a:lnRef>
-              <a:fillRef idx="0">
-                <a:schemeClr val="accent1"/>
-              </a:fillRef>
-              <a:effectRef idx="0">
-                <a:schemeClr val="accent1"/>
-              </a:effectRef>
-              <a:fontRef idx="minor">
-                <a:schemeClr val="tx1"/>
-              </a:fontRef>
-            </p:style>
-          </p:cxnSp>
-          <p:cxnSp>
-            <p:nvCxnSpPr>
-              <p:cNvPr id="97" name="Straight Connector 96"/>
-              <p:cNvCxnSpPr/>
-              <p:nvPr/>
-            </p:nvCxnSpPr>
-            <p:spPr>
-              <a:xfrm flipH="1">
-                <a:off x="8145" y="5996"/>
-                <a:ext cx="3" cy="427"/>
-              </a:xfrm>
-              <a:prstGeom prst="line">
-                <a:avLst/>
-              </a:prstGeom>
-            </p:spPr>
-            <p:style>
-              <a:lnRef idx="1">
-                <a:schemeClr val="accent1"/>
-              </a:lnRef>
-              <a:fillRef idx="0">
-                <a:schemeClr val="accent1"/>
-              </a:fillRef>
-              <a:effectRef idx="0">
-                <a:schemeClr val="accent1"/>
-              </a:effectRef>
-              <a:fontRef idx="minor">
-                <a:schemeClr val="tx1"/>
-              </a:fontRef>
-            </p:style>
-          </p:cxnSp>
-          <p:sp>
-            <p:nvSpPr>
-              <p:cNvPr id="3" name="TextBox 21"/>
-              <p:cNvSpPr txBox="1"/>
-              <p:nvPr/>
-            </p:nvSpPr>
-            <p:spPr>
-              <a:xfrm>
-                <a:off x="5840" y="5469"/>
-                <a:ext cx="3030" cy="531"/>
-              </a:xfrm>
-              <a:prstGeom prst="rect">
-                <a:avLst/>
-              </a:prstGeom>
-              <a:solidFill>
-                <a:schemeClr val="accent2">
-                  <a:lumMod val="40000"/>
-                  <a:lumOff val="60000"/>
-                </a:schemeClr>
-              </a:solidFill>
-              <a:ln w="6350">
-                <a:solidFill>
-                  <a:schemeClr val="tx1"/>
-                </a:solidFill>
-              </a:ln>
-            </p:spPr>
-            <p:txBody>
-              <a:bodyPr wrap="square" rtlCol="0">
-                <a:spAutoFit/>
-              </a:bodyPr>
-              <a:lstStyle/>
-              <a:p>
-                <a:pPr algn="ctr"/>
-                <a:r>
-                  <a:rPr lang="zh-CN" altLang="en-US" sz="1600">
-                    <a:latin typeface="仿宋" panose="02010609060101010101" pitchFamily="49" charset="-122"/>
-                    <a:ea typeface="仿宋" panose="02010609060101010101" pitchFamily="49" charset="-122"/>
-                  </a:rPr>
-                  <a:t>external device</a:t>
-                </a:r>
-              </a:p>
-            </p:txBody>
-          </p:sp>
-          <p:cxnSp>
-            <p:nvCxnSpPr>
-              <p:cNvPr id="4" name="Straight Connector 91"/>
-              <p:cNvCxnSpPr/>
-              <p:nvPr/>
-            </p:nvCxnSpPr>
-            <p:spPr>
-              <a:xfrm flipH="1">
-                <a:off x="6233" y="5997"/>
-                <a:ext cx="3" cy="427"/>
-              </a:xfrm>
-              <a:prstGeom prst="line">
-                <a:avLst/>
-              </a:prstGeom>
-            </p:spPr>
-            <p:style>
-              <a:lnRef idx="1">
-                <a:schemeClr val="accent1"/>
-              </a:lnRef>
-              <a:fillRef idx="0">
-                <a:schemeClr val="accent1"/>
-              </a:fillRef>
-              <a:effectRef idx="0">
-                <a:schemeClr val="accent1"/>
-              </a:effectRef>
-              <a:fontRef idx="minor">
-                <a:schemeClr val="tx1"/>
-              </a:fontRef>
-            </p:style>
-          </p:cxnSp>
-          <p:cxnSp>
-            <p:nvCxnSpPr>
-              <p:cNvPr id="5" name="Straight Connector 94"/>
-              <p:cNvCxnSpPr/>
-              <p:nvPr/>
-            </p:nvCxnSpPr>
-            <p:spPr>
-              <a:xfrm flipH="1">
-                <a:off x="6911" y="5997"/>
-                <a:ext cx="3" cy="427"/>
-              </a:xfrm>
-              <a:prstGeom prst="line">
-                <a:avLst/>
-              </a:prstGeom>
-            </p:spPr>
-            <p:style>
-              <a:lnRef idx="1">
-                <a:schemeClr val="accent1"/>
-              </a:lnRef>
-              <a:fillRef idx="0">
-                <a:schemeClr val="accent1"/>
-              </a:fillRef>
-              <a:effectRef idx="0">
-                <a:schemeClr val="accent1"/>
-              </a:effectRef>
-              <a:fontRef idx="minor">
-                <a:schemeClr val="tx1"/>
-              </a:fontRef>
-            </p:style>
-          </p:cxnSp>
-        </p:grpSp>
-      </p:grpSp>
+      <p:sp>
+        <p:nvSpPr>
+          <p:cNvPr id="3" name="TextBox 21"/>
+          <p:cNvSpPr txBox="1"/>
+          <p:nvPr/>
+        </p:nvSpPr>
+        <p:spPr>
+          <a:xfrm>
+            <a:off x="3644823" y="3901846"/>
+            <a:ext cx="1782445" cy="307777"/>
+          </a:xfrm>
+          <a:prstGeom prst="rect">
+            <a:avLst/>
+          </a:prstGeom>
+          <a:solidFill>
+            <a:schemeClr val="accent2">
+              <a:lumMod val="40000"/>
+              <a:lumOff val="60000"/>
+            </a:schemeClr>
+          </a:solidFill>
+          <a:ln w="6350">
+            <a:solidFill>
+              <a:schemeClr val="tx1"/>
+            </a:solidFill>
+          </a:ln>
+        </p:spPr>
+        <p:txBody>
+          <a:bodyPr wrap="square" rtlCol="0">
+            <a:spAutoFit/>
+          </a:bodyPr>
+          <a:lstStyle/>
+          <a:p>
+            <a:pPr algn="ctr"/>
+            <a:r>
+              <a:rPr lang="zh-CN" altLang="en-US" sz="1400">
+                <a:latin typeface="仿宋" panose="02010609060101010101" pitchFamily="49" charset="-122"/>
+                <a:ea typeface="仿宋" panose="02010609060101010101" pitchFamily="49" charset="-122"/>
+              </a:rPr>
+              <a:t>external device</a:t>
+            </a:r>
+          </a:p>
+        </p:txBody>
+      </p:sp>
       <p:grpSp>
         <p:nvGrpSpPr>
           <p:cNvPr id="36" name="组合 35"/>
@@ -31312,6 +30923,56 @@
           </p:sp>
         </p:grpSp>
       </p:grpSp>
+      <p:sp>
+        <p:nvSpPr>
+          <p:cNvPr id="61" name="TextBox 60">
+            <a:extLst>
+              <a:ext uri="{FF2B5EF4-FFF2-40B4-BE49-F238E27FC236}">
+                <a16:creationId xmlns:a16="http://schemas.microsoft.com/office/drawing/2014/main" id="{6C2D5DB8-2AB0-46BE-BD25-FF58462AA514}"/>
+              </a:ext>
+            </a:extLst>
+          </p:cNvPr>
+          <p:cNvSpPr txBox="1"/>
+          <p:nvPr/>
+        </p:nvSpPr>
+        <p:spPr>
+          <a:xfrm rot="5400000">
+            <a:off x="4889545" y="2231421"/>
+            <a:ext cx="1972239" cy="307777"/>
+          </a:xfrm>
+          <a:prstGeom prst="rect">
+            <a:avLst/>
+          </a:prstGeom>
+          <a:solidFill>
+            <a:schemeClr val="accent2">
+              <a:lumMod val="40000"/>
+              <a:lumOff val="60000"/>
+            </a:schemeClr>
+          </a:solidFill>
+          <a:ln w="6350">
+            <a:solidFill>
+              <a:schemeClr val="tx1"/>
+            </a:solidFill>
+          </a:ln>
+        </p:spPr>
+        <p:txBody>
+          <a:bodyPr wrap="square" rtlCol="0">
+            <a:spAutoFit/>
+          </a:bodyPr>
+          <a:lstStyle/>
+          <a:p>
+            <a:pPr algn="ctr"/>
+            <a:r>
+              <a:rPr lang="en-US" altLang="zh-CN" sz="1400"/>
+              <a:t>Input interface module</a:t>
+            </a:r>
+            <a:endParaRPr lang="zh-CN" altLang="en-US" sz="1200">
+              <a:latin typeface="仿宋" panose="02010609060101010101" pitchFamily="49" charset="-122"/>
+              <a:ea typeface="仿宋" panose="02010609060101010101" pitchFamily="49" charset="-122"/>
+            </a:endParaRPr>
+          </a:p>
+        </p:txBody>
+      </p:sp>
     </p:spTree>
   </p:cSld>
   <p:clrMapOvr>

--- a/代码生成图集.pptx
+++ b/代码生成图集.pptx
@@ -5,7 +5,7 @@
     <p:sldMasterId id="2147483648" r:id="rId1"/>
   </p:sldMasterIdLst>
   <p:notesMasterIdLst>
-    <p:notesMasterId r:id="rId16"/>
+    <p:notesMasterId r:id="rId18"/>
   </p:notesMasterIdLst>
   <p:sldIdLst>
     <p:sldId id="256" r:id="rId2"/>
@@ -22,6 +22,8 @@
     <p:sldId id="265" r:id="rId13"/>
     <p:sldId id="266" r:id="rId14"/>
     <p:sldId id="281" r:id="rId15"/>
+    <p:sldId id="287" r:id="rId16"/>
+    <p:sldId id="288" r:id="rId17"/>
   </p:sldIdLst>
   <p:sldSz cx="12192000" cy="6858000"/>
   <p:notesSz cx="6858000" cy="9144000"/>
@@ -210,7 +212,7 @@
           <a:p>
             <a:fld id="{687CFD2B-D79F-4CCE-BAFE-DDCACA127A82}" type="datetimeFigureOut">
               <a:rPr lang="zh-CN" altLang="en-US" smtClean="0"/>
-              <a:t>2018/5/12</a:t>
+              <a:t>2018/5/17</a:t>
             </a:fld>
             <a:endParaRPr lang="zh-CN" altLang="en-US"/>
           </a:p>
@@ -790,7 +792,7 @@
           <a:p>
             <a:fld id="{E2CA65C4-BDD0-48CB-A392-6FBE1F864096}" type="datetimeFigureOut">
               <a:rPr lang="zh-CN" altLang="en-US" smtClean="0"/>
-              <a:t>2018/5/12</a:t>
+              <a:t>2018/5/17</a:t>
             </a:fld>
             <a:endParaRPr lang="zh-CN" altLang="en-US"/>
           </a:p>
@@ -955,7 +957,7 @@
           <a:p>
             <a:fld id="{E2CA65C4-BDD0-48CB-A392-6FBE1F864096}" type="datetimeFigureOut">
               <a:rPr lang="zh-CN" altLang="en-US" smtClean="0"/>
-              <a:t>2018/5/12</a:t>
+              <a:t>2018/5/17</a:t>
             </a:fld>
             <a:endParaRPr lang="zh-CN" altLang="en-US"/>
           </a:p>
@@ -1130,7 +1132,7 @@
           <a:p>
             <a:fld id="{E2CA65C4-BDD0-48CB-A392-6FBE1F864096}" type="datetimeFigureOut">
               <a:rPr lang="zh-CN" altLang="en-US" smtClean="0"/>
-              <a:t>2018/5/12</a:t>
+              <a:t>2018/5/17</a:t>
             </a:fld>
             <a:endParaRPr lang="zh-CN" altLang="en-US"/>
           </a:p>
@@ -1295,7 +1297,7 @@
           <a:p>
             <a:fld id="{E2CA65C4-BDD0-48CB-A392-6FBE1F864096}" type="datetimeFigureOut">
               <a:rPr lang="zh-CN" altLang="en-US" smtClean="0"/>
-              <a:t>2018/5/12</a:t>
+              <a:t>2018/5/17</a:t>
             </a:fld>
             <a:endParaRPr lang="zh-CN" altLang="en-US"/>
           </a:p>
@@ -1536,7 +1538,7 @@
           <a:p>
             <a:fld id="{E2CA65C4-BDD0-48CB-A392-6FBE1F864096}" type="datetimeFigureOut">
               <a:rPr lang="zh-CN" altLang="en-US" smtClean="0"/>
-              <a:t>2018/5/12</a:t>
+              <a:t>2018/5/17</a:t>
             </a:fld>
             <a:endParaRPr lang="zh-CN" altLang="en-US"/>
           </a:p>
@@ -1763,7 +1765,7 @@
           <a:p>
             <a:fld id="{E2CA65C4-BDD0-48CB-A392-6FBE1F864096}" type="datetimeFigureOut">
               <a:rPr lang="zh-CN" altLang="en-US" smtClean="0"/>
-              <a:t>2018/5/12</a:t>
+              <a:t>2018/5/17</a:t>
             </a:fld>
             <a:endParaRPr lang="zh-CN" altLang="en-US"/>
           </a:p>
@@ -2125,7 +2127,7 @@
           <a:p>
             <a:fld id="{E2CA65C4-BDD0-48CB-A392-6FBE1F864096}" type="datetimeFigureOut">
               <a:rPr lang="zh-CN" altLang="en-US" smtClean="0"/>
-              <a:t>2018/5/12</a:t>
+              <a:t>2018/5/17</a:t>
             </a:fld>
             <a:endParaRPr lang="zh-CN" altLang="en-US"/>
           </a:p>
@@ -2238,7 +2240,7 @@
           <a:p>
             <a:fld id="{E2CA65C4-BDD0-48CB-A392-6FBE1F864096}" type="datetimeFigureOut">
               <a:rPr lang="zh-CN" altLang="en-US" smtClean="0"/>
-              <a:t>2018/5/12</a:t>
+              <a:t>2018/5/17</a:t>
             </a:fld>
             <a:endParaRPr lang="zh-CN" altLang="en-US"/>
           </a:p>
@@ -2328,7 +2330,7 @@
           <a:p>
             <a:fld id="{E2CA65C4-BDD0-48CB-A392-6FBE1F864096}" type="datetimeFigureOut">
               <a:rPr lang="zh-CN" altLang="en-US" smtClean="0"/>
-              <a:t>2018/5/12</a:t>
+              <a:t>2018/5/17</a:t>
             </a:fld>
             <a:endParaRPr lang="zh-CN" altLang="en-US"/>
           </a:p>
@@ -2600,7 +2602,7 @@
           <a:p>
             <a:fld id="{E2CA65C4-BDD0-48CB-A392-6FBE1F864096}" type="datetimeFigureOut">
               <a:rPr lang="zh-CN" altLang="en-US" smtClean="0"/>
-              <a:t>2018/5/12</a:t>
+              <a:t>2018/5/17</a:t>
             </a:fld>
             <a:endParaRPr lang="zh-CN" altLang="en-US"/>
           </a:p>
@@ -2848,7 +2850,7 @@
           <a:p>
             <a:fld id="{E2CA65C4-BDD0-48CB-A392-6FBE1F864096}" type="datetimeFigureOut">
               <a:rPr lang="zh-CN" altLang="en-US" smtClean="0"/>
-              <a:t>2018/5/12</a:t>
+              <a:t>2018/5/17</a:t>
             </a:fld>
             <a:endParaRPr lang="zh-CN" altLang="en-US"/>
           </a:p>
@@ -3056,7 +3058,7 @@
           <a:p>
             <a:fld id="{E2CA65C4-BDD0-48CB-A392-6FBE1F864096}" type="datetimeFigureOut">
               <a:rPr lang="zh-CN" altLang="en-US" smtClean="0"/>
-              <a:t>2018/5/12</a:t>
+              <a:t>2018/5/17</a:t>
             </a:fld>
             <a:endParaRPr lang="zh-CN" altLang="en-US"/>
           </a:p>
@@ -14624,6 +14626,1626 @@
 </p:sld>
 </file>
 
+<file path=ppt/slides/slide15.xml><?xml version="1.0" encoding="utf-8"?>
+<p:sld xmlns:a="http://schemas.openxmlformats.org/drawingml/2006/main" xmlns:r="http://schemas.openxmlformats.org/officeDocument/2006/relationships" xmlns:p="http://schemas.openxmlformats.org/presentationml/2006/main">
+  <p:cSld>
+    <p:spTree>
+      <p:nvGrpSpPr>
+        <p:cNvPr id="1" name=""/>
+        <p:cNvGrpSpPr/>
+        <p:nvPr/>
+      </p:nvGrpSpPr>
+      <p:grpSpPr>
+        <a:xfrm>
+          <a:off x="0" y="0"/>
+          <a:ext cx="0" cy="0"/>
+          <a:chOff x="0" y="0"/>
+          <a:chExt cx="0" cy="0"/>
+        </a:xfrm>
+      </p:grpSpPr>
+      <p:sp>
+        <p:nvSpPr>
+          <p:cNvPr id="6" name="TextBox 5">
+            <a:extLst>
+              <a:ext uri="{FF2B5EF4-FFF2-40B4-BE49-F238E27FC236}">
+                <a16:creationId xmlns:a16="http://schemas.microsoft.com/office/drawing/2014/main" id="{C03950F1-726E-4250-B269-1C85A6331CC5}"/>
+              </a:ext>
+            </a:extLst>
+          </p:cNvPr>
+          <p:cNvSpPr txBox="1"/>
+          <p:nvPr/>
+        </p:nvSpPr>
+        <p:spPr>
+          <a:xfrm>
+            <a:off x="4208928" y="1492622"/>
+            <a:ext cx="2004749" cy="338554"/>
+          </a:xfrm>
+          <a:prstGeom prst="rect">
+            <a:avLst/>
+          </a:prstGeom>
+          <a:noFill/>
+          <a:ln w="3175">
+            <a:solidFill>
+              <a:schemeClr val="accent1">
+                <a:lumMod val="60000"/>
+                <a:lumOff val="40000"/>
+              </a:schemeClr>
+            </a:solidFill>
+          </a:ln>
+        </p:spPr>
+        <p:txBody>
+          <a:bodyPr wrap="square" rtlCol="0">
+            <a:spAutoFit/>
+          </a:bodyPr>
+          <a:lstStyle/>
+          <a:p>
+            <a:pPr algn="ctr"/>
+            <a:r>
+              <a:rPr lang="en-US" altLang="zh-CN" sz="1600">
+                <a:solidFill>
+                  <a:srgbClr val="00B050"/>
+                </a:solidFill>
+              </a:rPr>
+              <a:t>{ varA, numA, result }</a:t>
+            </a:r>
+            <a:endParaRPr lang="zh-CN" altLang="en-US" sz="1600">
+              <a:solidFill>
+                <a:srgbClr val="00B050"/>
+              </a:solidFill>
+            </a:endParaRPr>
+          </a:p>
+        </p:txBody>
+      </p:sp>
+      <p:sp>
+        <p:nvSpPr>
+          <p:cNvPr id="7" name="TextBox 6">
+            <a:extLst>
+              <a:ext uri="{FF2B5EF4-FFF2-40B4-BE49-F238E27FC236}">
+                <a16:creationId xmlns:a16="http://schemas.microsoft.com/office/drawing/2014/main" id="{7439C299-6B3B-46E5-99F5-B6D0E1F2FCF2}"/>
+              </a:ext>
+            </a:extLst>
+          </p:cNvPr>
+          <p:cNvSpPr txBox="1"/>
+          <p:nvPr/>
+        </p:nvSpPr>
+        <p:spPr>
+          <a:xfrm>
+            <a:off x="2539577" y="3381961"/>
+            <a:ext cx="1529381" cy="369332"/>
+          </a:xfrm>
+          <a:prstGeom prst="rect">
+            <a:avLst/>
+          </a:prstGeom>
+          <a:noFill/>
+          <a:ln w="3175">
+            <a:solidFill>
+              <a:schemeClr val="accent1">
+                <a:lumMod val="60000"/>
+                <a:lumOff val="40000"/>
+              </a:schemeClr>
+            </a:solidFill>
+          </a:ln>
+        </p:spPr>
+        <p:txBody>
+          <a:bodyPr wrap="square" rtlCol="0">
+            <a:spAutoFit/>
+          </a:bodyPr>
+          <a:lstStyle/>
+          <a:p>
+            <a:pPr algn="ctr"/>
+            <a:r>
+              <a:rPr lang="en-US" altLang="zh-CN">
+                <a:solidFill>
+                  <a:srgbClr val="00B050"/>
+                </a:solidFill>
+              </a:rPr>
+              <a:t>{ varC, result }</a:t>
+            </a:r>
+            <a:endParaRPr lang="zh-CN" altLang="en-US">
+              <a:solidFill>
+                <a:srgbClr val="00B050"/>
+              </a:solidFill>
+            </a:endParaRPr>
+          </a:p>
+        </p:txBody>
+      </p:sp>
+      <p:sp>
+        <p:nvSpPr>
+          <p:cNvPr id="8" name="TextBox 7">
+            <a:extLst>
+              <a:ext uri="{FF2B5EF4-FFF2-40B4-BE49-F238E27FC236}">
+                <a16:creationId xmlns:a16="http://schemas.microsoft.com/office/drawing/2014/main" id="{A702C915-7722-49FA-8A9C-A4C6B1975BE9}"/>
+              </a:ext>
+            </a:extLst>
+          </p:cNvPr>
+          <p:cNvSpPr txBox="1"/>
+          <p:nvPr/>
+        </p:nvSpPr>
+        <p:spPr>
+          <a:xfrm>
+            <a:off x="5597741" y="3381961"/>
+            <a:ext cx="1663671" cy="369332"/>
+          </a:xfrm>
+          <a:prstGeom prst="rect">
+            <a:avLst/>
+          </a:prstGeom>
+          <a:noFill/>
+          <a:ln w="3175">
+            <a:solidFill>
+              <a:schemeClr val="accent1">
+                <a:lumMod val="60000"/>
+                <a:lumOff val="40000"/>
+              </a:schemeClr>
+            </a:solidFill>
+          </a:ln>
+        </p:spPr>
+        <p:txBody>
+          <a:bodyPr wrap="square" rtlCol="0">
+            <a:spAutoFit/>
+          </a:bodyPr>
+          <a:lstStyle/>
+          <a:p>
+            <a:pPr algn="ctr"/>
+            <a:r>
+              <a:rPr lang="en-US" altLang="zh-CN">
+                <a:solidFill>
+                  <a:srgbClr val="00B050"/>
+                </a:solidFill>
+              </a:rPr>
+              <a:t>{ varB, result }</a:t>
+            </a:r>
+            <a:endParaRPr lang="zh-CN" altLang="en-US">
+              <a:solidFill>
+                <a:srgbClr val="00B050"/>
+              </a:solidFill>
+            </a:endParaRPr>
+          </a:p>
+        </p:txBody>
+      </p:sp>
+      <p:cxnSp>
+        <p:nvCxnSpPr>
+          <p:cNvPr id="21" name="Connector: Curved 20">
+            <a:extLst>
+              <a:ext uri="{FF2B5EF4-FFF2-40B4-BE49-F238E27FC236}">
+                <a16:creationId xmlns:a16="http://schemas.microsoft.com/office/drawing/2014/main" id="{8B743A28-3303-4FBE-AE35-E201D68BC32D}"/>
+              </a:ext>
+            </a:extLst>
+          </p:cNvPr>
+          <p:cNvCxnSpPr>
+            <a:cxnSpLocks/>
+            <a:stCxn id="6" idx="1"/>
+          </p:cNvCxnSpPr>
+          <p:nvPr/>
+        </p:nvCxnSpPr>
+        <p:spPr>
+          <a:xfrm rot="10800000" flipV="1">
+            <a:off x="3012140" y="1661899"/>
+            <a:ext cx="1196788" cy="1733506"/>
+          </a:xfrm>
+          <a:prstGeom prst="curvedConnector2">
+            <a:avLst/>
+          </a:prstGeom>
+          <a:ln>
+            <a:tailEnd type="triangle"/>
+          </a:ln>
+        </p:spPr>
+        <p:style>
+          <a:lnRef idx="1">
+            <a:schemeClr val="accent1"/>
+          </a:lnRef>
+          <a:fillRef idx="0">
+            <a:schemeClr val="accent1"/>
+          </a:fillRef>
+          <a:effectRef idx="0">
+            <a:schemeClr val="accent1"/>
+          </a:effectRef>
+          <a:fontRef idx="minor">
+            <a:schemeClr val="tx1"/>
+          </a:fontRef>
+        </p:style>
+      </p:cxnSp>
+      <p:cxnSp>
+        <p:nvCxnSpPr>
+          <p:cNvPr id="32" name="Connector: Curved 31">
+            <a:extLst>
+              <a:ext uri="{FF2B5EF4-FFF2-40B4-BE49-F238E27FC236}">
+                <a16:creationId xmlns:a16="http://schemas.microsoft.com/office/drawing/2014/main" id="{C136C0E3-E297-4B1B-8D36-9B613C2E8BB5}"/>
+              </a:ext>
+            </a:extLst>
+          </p:cNvPr>
+          <p:cNvCxnSpPr>
+            <a:cxnSpLocks/>
+            <a:stCxn id="6" idx="3"/>
+          </p:cNvCxnSpPr>
+          <p:nvPr/>
+        </p:nvCxnSpPr>
+        <p:spPr>
+          <a:xfrm>
+            <a:off x="6213677" y="1661899"/>
+            <a:ext cx="805688" cy="1733509"/>
+          </a:xfrm>
+          <a:prstGeom prst="curvedConnector2">
+            <a:avLst/>
+          </a:prstGeom>
+          <a:ln>
+            <a:tailEnd type="triangle"/>
+          </a:ln>
+        </p:spPr>
+        <p:style>
+          <a:lnRef idx="1">
+            <a:schemeClr val="accent1"/>
+          </a:lnRef>
+          <a:fillRef idx="0">
+            <a:schemeClr val="accent1"/>
+          </a:fillRef>
+          <a:effectRef idx="0">
+            <a:schemeClr val="accent1"/>
+          </a:effectRef>
+          <a:fontRef idx="minor">
+            <a:schemeClr val="tx1"/>
+          </a:fontRef>
+        </p:style>
+      </p:cxnSp>
+      <p:cxnSp>
+        <p:nvCxnSpPr>
+          <p:cNvPr id="65" name="Connector: Curved 64">
+            <a:extLst>
+              <a:ext uri="{FF2B5EF4-FFF2-40B4-BE49-F238E27FC236}">
+                <a16:creationId xmlns:a16="http://schemas.microsoft.com/office/drawing/2014/main" id="{B6F344F2-3DCC-48E6-AD3D-AEC6C831E65F}"/>
+              </a:ext>
+            </a:extLst>
+          </p:cNvPr>
+          <p:cNvCxnSpPr>
+            <a:cxnSpLocks/>
+            <a:stCxn id="8" idx="0"/>
+            <a:endCxn id="6" idx="2"/>
+          </p:cNvCxnSpPr>
+          <p:nvPr/>
+        </p:nvCxnSpPr>
+        <p:spPr>
+          <a:xfrm rot="16200000" flipV="1">
+            <a:off x="5045048" y="1997432"/>
+            <a:ext cx="1550785" cy="1218274"/>
+          </a:xfrm>
+          <a:prstGeom prst="curvedConnector3">
+            <a:avLst>
+              <a:gd name="adj1" fmla="val -58"/>
+            </a:avLst>
+          </a:prstGeom>
+          <a:ln w="3175">
+            <a:tailEnd type="triangle"/>
+          </a:ln>
+        </p:spPr>
+        <p:style>
+          <a:lnRef idx="1">
+            <a:schemeClr val="accent1"/>
+          </a:lnRef>
+          <a:fillRef idx="0">
+            <a:schemeClr val="accent1"/>
+          </a:fillRef>
+          <a:effectRef idx="0">
+            <a:schemeClr val="accent1"/>
+          </a:effectRef>
+          <a:fontRef idx="minor">
+            <a:schemeClr val="tx1"/>
+          </a:fontRef>
+        </p:style>
+      </p:cxnSp>
+      <p:sp>
+        <p:nvSpPr>
+          <p:cNvPr id="76" name="TextBox 75">
+            <a:extLst>
+              <a:ext uri="{FF2B5EF4-FFF2-40B4-BE49-F238E27FC236}">
+                <a16:creationId xmlns:a16="http://schemas.microsoft.com/office/drawing/2014/main" id="{776F8798-CB6A-42CC-A5FE-C836EC0E27C7}"/>
+              </a:ext>
+            </a:extLst>
+          </p:cNvPr>
+          <p:cNvSpPr txBox="1"/>
+          <p:nvPr/>
+        </p:nvSpPr>
+        <p:spPr>
+          <a:xfrm>
+            <a:off x="3552501" y="2078340"/>
+            <a:ext cx="922543" cy="400110"/>
+          </a:xfrm>
+          <a:prstGeom prst="rect">
+            <a:avLst/>
+          </a:prstGeom>
+          <a:noFill/>
+        </p:spPr>
+        <p:txBody>
+          <a:bodyPr wrap="square" rtlCol="0">
+            <a:spAutoFit/>
+          </a:bodyPr>
+          <a:lstStyle/>
+          <a:p>
+            <a:r>
+              <a:rPr lang="en-US" altLang="zh-CN" sz="2000"/>
+              <a:t>SPI</a:t>
+            </a:r>
+            <a:endParaRPr lang="zh-CN" altLang="en-US" sz="2000"/>
+          </a:p>
+        </p:txBody>
+      </p:sp>
+      <p:sp>
+        <p:nvSpPr>
+          <p:cNvPr id="77" name="TextBox 76">
+            <a:extLst>
+              <a:ext uri="{FF2B5EF4-FFF2-40B4-BE49-F238E27FC236}">
+                <a16:creationId xmlns:a16="http://schemas.microsoft.com/office/drawing/2014/main" id="{FB275A14-80F4-4D7A-A72A-411D120CE12F}"/>
+              </a:ext>
+            </a:extLst>
+          </p:cNvPr>
+          <p:cNvSpPr txBox="1"/>
+          <p:nvPr/>
+        </p:nvSpPr>
+        <p:spPr>
+          <a:xfrm>
+            <a:off x="5583049" y="2268013"/>
+            <a:ext cx="1025901" cy="400110"/>
+          </a:xfrm>
+          <a:prstGeom prst="rect">
+            <a:avLst/>
+          </a:prstGeom>
+          <a:noFill/>
+        </p:spPr>
+        <p:txBody>
+          <a:bodyPr wrap="square" rtlCol="0">
+            <a:spAutoFit/>
+          </a:bodyPr>
+          <a:lstStyle/>
+          <a:p>
+            <a:r>
+              <a:rPr lang="en-US" altLang="zh-CN" sz="2000"/>
+              <a:t>UART</a:t>
+            </a:r>
+            <a:endParaRPr lang="zh-CN" altLang="en-US" sz="2000"/>
+          </a:p>
+        </p:txBody>
+      </p:sp>
+      <p:sp>
+        <p:nvSpPr>
+          <p:cNvPr id="80" name="TextBox 79">
+            <a:extLst>
+              <a:ext uri="{FF2B5EF4-FFF2-40B4-BE49-F238E27FC236}">
+                <a16:creationId xmlns:a16="http://schemas.microsoft.com/office/drawing/2014/main" id="{877C9696-31D2-4456-99A3-A7FC72E15E17}"/>
+              </a:ext>
+            </a:extLst>
+          </p:cNvPr>
+          <p:cNvSpPr txBox="1"/>
+          <p:nvPr/>
+        </p:nvSpPr>
+        <p:spPr>
+          <a:xfrm>
+            <a:off x="6213677" y="1948051"/>
+            <a:ext cx="2597846" cy="369332"/>
+          </a:xfrm>
+          <a:prstGeom prst="rect">
+            <a:avLst/>
+          </a:prstGeom>
+          <a:noFill/>
+        </p:spPr>
+        <p:txBody>
+          <a:bodyPr wrap="square" rtlCol="0">
+            <a:spAutoFit/>
+          </a:bodyPr>
+          <a:lstStyle/>
+          <a:p>
+            <a:r>
+              <a:rPr lang="en-US" altLang="zh-CN">
+                <a:solidFill>
+                  <a:schemeClr val="accent2">
+                    <a:lumMod val="75000"/>
+                  </a:schemeClr>
+                </a:solidFill>
+              </a:rPr>
+              <a:t>&lt;channel.DD.2, result&gt;</a:t>
+            </a:r>
+            <a:endParaRPr lang="zh-CN" altLang="en-US">
+              <a:solidFill>
+                <a:schemeClr val="accent2">
+                  <a:lumMod val="75000"/>
+                </a:schemeClr>
+              </a:solidFill>
+            </a:endParaRPr>
+          </a:p>
+        </p:txBody>
+      </p:sp>
+      <p:sp>
+        <p:nvSpPr>
+          <p:cNvPr id="81" name="TextBox 80">
+            <a:extLst>
+              <a:ext uri="{FF2B5EF4-FFF2-40B4-BE49-F238E27FC236}">
+                <a16:creationId xmlns:a16="http://schemas.microsoft.com/office/drawing/2014/main" id="{B6E09CD6-C5D6-4A2F-9FBA-FAFE3FE6F475}"/>
+              </a:ext>
+            </a:extLst>
+          </p:cNvPr>
+          <p:cNvSpPr txBox="1"/>
+          <p:nvPr/>
+        </p:nvSpPr>
+        <p:spPr>
+          <a:xfrm>
+            <a:off x="4134226" y="2865149"/>
+            <a:ext cx="2597846" cy="369332"/>
+          </a:xfrm>
+          <a:prstGeom prst="rect">
+            <a:avLst/>
+          </a:prstGeom>
+          <a:noFill/>
+        </p:spPr>
+        <p:txBody>
+          <a:bodyPr wrap="square" rtlCol="0">
+            <a:spAutoFit/>
+          </a:bodyPr>
+          <a:lstStyle/>
+          <a:p>
+            <a:r>
+              <a:rPr lang="en-US" altLang="zh-CN">
+                <a:solidFill>
+                  <a:schemeClr val="accent2">
+                    <a:lumMod val="75000"/>
+                  </a:schemeClr>
+                </a:solidFill>
+              </a:rPr>
+              <a:t>&lt;channel.DD.1, result&gt;</a:t>
+            </a:r>
+            <a:endParaRPr lang="zh-CN" altLang="en-US">
+              <a:solidFill>
+                <a:schemeClr val="accent2">
+                  <a:lumMod val="75000"/>
+                </a:schemeClr>
+              </a:solidFill>
+            </a:endParaRPr>
+          </a:p>
+        </p:txBody>
+      </p:sp>
+      <p:sp>
+        <p:nvSpPr>
+          <p:cNvPr id="82" name="TextBox 81">
+            <a:extLst>
+              <a:ext uri="{FF2B5EF4-FFF2-40B4-BE49-F238E27FC236}">
+                <a16:creationId xmlns:a16="http://schemas.microsoft.com/office/drawing/2014/main" id="{72FBDCC7-F466-40E4-AA92-6AE7A0072F63}"/>
+              </a:ext>
+            </a:extLst>
+          </p:cNvPr>
+          <p:cNvSpPr txBox="1"/>
+          <p:nvPr/>
+        </p:nvSpPr>
+        <p:spPr>
+          <a:xfrm>
+            <a:off x="1483357" y="2552821"/>
+            <a:ext cx="2597846" cy="369332"/>
+          </a:xfrm>
+          <a:prstGeom prst="rect">
+            <a:avLst/>
+          </a:prstGeom>
+          <a:noFill/>
+        </p:spPr>
+        <p:txBody>
+          <a:bodyPr wrap="square" rtlCol="0">
+            <a:spAutoFit/>
+          </a:bodyPr>
+          <a:lstStyle/>
+          <a:p>
+            <a:r>
+              <a:rPr lang="en-US" altLang="zh-CN">
+                <a:solidFill>
+                  <a:schemeClr val="accent2">
+                    <a:lumMod val="75000"/>
+                  </a:schemeClr>
+                </a:solidFill>
+              </a:rPr>
+              <a:t>&lt;channel.DD.3, result&gt;</a:t>
+            </a:r>
+            <a:endParaRPr lang="zh-CN" altLang="en-US">
+              <a:solidFill>
+                <a:schemeClr val="accent2">
+                  <a:lumMod val="75000"/>
+                </a:schemeClr>
+              </a:solidFill>
+            </a:endParaRPr>
+          </a:p>
+        </p:txBody>
+      </p:sp>
+      <p:sp>
+        <p:nvSpPr>
+          <p:cNvPr id="89" name="Rectangle 88">
+            <a:extLst>
+              <a:ext uri="{FF2B5EF4-FFF2-40B4-BE49-F238E27FC236}">
+                <a16:creationId xmlns:a16="http://schemas.microsoft.com/office/drawing/2014/main" id="{005C8935-30B9-49C3-BA54-453D8CE78F25}"/>
+              </a:ext>
+            </a:extLst>
+          </p:cNvPr>
+          <p:cNvSpPr/>
+          <p:nvPr/>
+        </p:nvSpPr>
+        <p:spPr>
+          <a:xfrm>
+            <a:off x="4617703" y="1024777"/>
+            <a:ext cx="906017" cy="461665"/>
+          </a:xfrm>
+          <a:prstGeom prst="rect">
+            <a:avLst/>
+          </a:prstGeom>
+        </p:spPr>
+        <p:txBody>
+          <a:bodyPr wrap="none">
+            <a:spAutoFit/>
+          </a:bodyPr>
+          <a:lstStyle/>
+          <a:p>
+            <a:pPr algn="ctr"/>
+            <a:r>
+              <a:rPr lang="en-US" altLang="zh-CN" sz="2400">
+                <a:solidFill>
+                  <a:schemeClr val="accent1"/>
+                </a:solidFill>
+              </a:rPr>
+              <a:t>FPGA</a:t>
+            </a:r>
+            <a:endParaRPr lang="zh-CN" altLang="en-US" sz="2400">
+              <a:solidFill>
+                <a:schemeClr val="accent1"/>
+              </a:solidFill>
+            </a:endParaRPr>
+          </a:p>
+        </p:txBody>
+      </p:sp>
+      <p:sp>
+        <p:nvSpPr>
+          <p:cNvPr id="91" name="Rectangle 90">
+            <a:extLst>
+              <a:ext uri="{FF2B5EF4-FFF2-40B4-BE49-F238E27FC236}">
+                <a16:creationId xmlns:a16="http://schemas.microsoft.com/office/drawing/2014/main" id="{1AAFF964-F549-4A3A-980F-EDF7459AD1CE}"/>
+              </a:ext>
+            </a:extLst>
+          </p:cNvPr>
+          <p:cNvSpPr/>
+          <p:nvPr/>
+        </p:nvSpPr>
+        <p:spPr>
+          <a:xfrm>
+            <a:off x="6213677" y="3782107"/>
+            <a:ext cx="688010" cy="461665"/>
+          </a:xfrm>
+          <a:prstGeom prst="rect">
+            <a:avLst/>
+          </a:prstGeom>
+        </p:spPr>
+        <p:txBody>
+          <a:bodyPr wrap="none">
+            <a:spAutoFit/>
+          </a:bodyPr>
+          <a:lstStyle/>
+          <a:p>
+            <a:pPr algn="ctr"/>
+            <a:r>
+              <a:rPr lang="en-US" altLang="zh-CN" sz="2400">
+                <a:solidFill>
+                  <a:schemeClr val="accent1"/>
+                </a:solidFill>
+              </a:rPr>
+              <a:t>PLC</a:t>
+            </a:r>
+            <a:endParaRPr lang="zh-CN" altLang="en-US" sz="2400">
+              <a:solidFill>
+                <a:schemeClr val="accent1"/>
+              </a:solidFill>
+            </a:endParaRPr>
+          </a:p>
+        </p:txBody>
+      </p:sp>
+      <p:sp>
+        <p:nvSpPr>
+          <p:cNvPr id="92" name="Rectangle 91">
+            <a:extLst>
+              <a:ext uri="{FF2B5EF4-FFF2-40B4-BE49-F238E27FC236}">
+                <a16:creationId xmlns:a16="http://schemas.microsoft.com/office/drawing/2014/main" id="{3D284410-6D79-41F2-B3D5-282464B1DEFF}"/>
+              </a:ext>
+            </a:extLst>
+          </p:cNvPr>
+          <p:cNvSpPr/>
+          <p:nvPr/>
+        </p:nvSpPr>
+        <p:spPr>
+          <a:xfrm>
+            <a:off x="2935825" y="3811341"/>
+            <a:ext cx="545342" cy="461665"/>
+          </a:xfrm>
+          <a:prstGeom prst="rect">
+            <a:avLst/>
+          </a:prstGeom>
+        </p:spPr>
+        <p:txBody>
+          <a:bodyPr wrap="none">
+            <a:spAutoFit/>
+          </a:bodyPr>
+          <a:lstStyle/>
+          <a:p>
+            <a:pPr algn="ctr"/>
+            <a:r>
+              <a:rPr lang="en-US" altLang="zh-CN" sz="2400">
+                <a:solidFill>
+                  <a:schemeClr val="accent1"/>
+                </a:solidFill>
+              </a:rPr>
+              <a:t>PC</a:t>
+            </a:r>
+            <a:endParaRPr lang="zh-CN" altLang="en-US" sz="2400">
+              <a:solidFill>
+                <a:schemeClr val="accent1"/>
+              </a:solidFill>
+            </a:endParaRPr>
+          </a:p>
+        </p:txBody>
+      </p:sp>
+    </p:spTree>
+    <p:extLst>
+      <p:ext uri="{BB962C8B-B14F-4D97-AF65-F5344CB8AC3E}">
+        <p14:creationId xmlns:p14="http://schemas.microsoft.com/office/powerpoint/2010/main" val="2139908786"/>
+      </p:ext>
+    </p:extLst>
+  </p:cSld>
+  <p:clrMapOvr>
+    <a:masterClrMapping/>
+  </p:clrMapOvr>
+</p:sld>
+</file>
+
+<file path=ppt/slides/slide16.xml><?xml version="1.0" encoding="utf-8"?>
+<p:sld xmlns:a="http://schemas.openxmlformats.org/drawingml/2006/main" xmlns:r="http://schemas.openxmlformats.org/officeDocument/2006/relationships" xmlns:p="http://schemas.openxmlformats.org/presentationml/2006/main">
+  <p:cSld>
+    <p:spTree>
+      <p:nvGrpSpPr>
+        <p:cNvPr id="1" name=""/>
+        <p:cNvGrpSpPr/>
+        <p:nvPr/>
+      </p:nvGrpSpPr>
+      <p:grpSpPr>
+        <a:xfrm>
+          <a:off x="0" y="0"/>
+          <a:ext cx="0" cy="0"/>
+          <a:chOff x="0" y="0"/>
+          <a:chExt cx="0" cy="0"/>
+        </a:xfrm>
+      </p:grpSpPr>
+      <p:sp>
+        <p:nvSpPr>
+          <p:cNvPr id="4" name="Rectangle 3">
+            <a:extLst>
+              <a:ext uri="{FF2B5EF4-FFF2-40B4-BE49-F238E27FC236}">
+                <a16:creationId xmlns:a16="http://schemas.microsoft.com/office/drawing/2014/main" id="{5521B7FA-14B0-40B2-BB96-918A7F867327}"/>
+              </a:ext>
+            </a:extLst>
+          </p:cNvPr>
+          <p:cNvSpPr/>
+          <p:nvPr/>
+        </p:nvSpPr>
+        <p:spPr>
+          <a:xfrm>
+            <a:off x="684810" y="351892"/>
+            <a:ext cx="2105891" cy="2470100"/>
+          </a:xfrm>
+          <a:prstGeom prst="rect">
+            <a:avLst/>
+          </a:prstGeom>
+        </p:spPr>
+        <p:txBody>
+          <a:bodyPr wrap="square">
+            <a:spAutoFit/>
+          </a:bodyPr>
+          <a:lstStyle/>
+          <a:p>
+            <a:pPr algn="just">
+              <a:lnSpc>
+                <a:spcPct val="115000"/>
+              </a:lnSpc>
+              <a:spcAft>
+                <a:spcPts val="0"/>
+              </a:spcAft>
+            </a:pPr>
+            <a:r>
+              <a:rPr lang="en-US" altLang="zh-CN" sz="900" kern="100">
+                <a:solidFill>
+                  <a:srgbClr val="000000"/>
+                </a:solidFill>
+                <a:latin typeface="仿宋" panose="02010609060101010101" pitchFamily="49" charset="-122"/>
+                <a:cs typeface="Times New Roman" panose="02020603050405020304" pitchFamily="18" charset="0"/>
+              </a:rPr>
+              <a:t>program:FPGA(..)[..]</a:t>
+            </a:r>
+            <a:endParaRPr lang="zh-CN" altLang="zh-CN" sz="900" kern="100">
+              <a:latin typeface="等线" panose="02010600030101010101" pitchFamily="2" charset="-122"/>
+              <a:cs typeface="Times New Roman" panose="02020603050405020304" pitchFamily="18" charset="0"/>
+            </a:endParaRPr>
+          </a:p>
+          <a:p>
+            <a:pPr algn="just">
+              <a:lnSpc>
+                <a:spcPct val="115000"/>
+              </a:lnSpc>
+              <a:spcAft>
+                <a:spcPts val="0"/>
+              </a:spcAft>
+            </a:pPr>
+            <a:r>
+              <a:rPr lang="en-US" altLang="zh-CN" sz="900" kern="100">
+                <a:solidFill>
+                  <a:srgbClr val="000000"/>
+                </a:solidFill>
+                <a:latin typeface="仿宋" panose="02010609060101010101" pitchFamily="49" charset="-122"/>
+                <a:cs typeface="Times New Roman" panose="02020603050405020304" pitchFamily="18" charset="0"/>
+              </a:rPr>
+              <a:t>{</a:t>
+            </a:r>
+            <a:endParaRPr lang="zh-CN" altLang="zh-CN" sz="900" kern="100">
+              <a:latin typeface="等线" panose="02010600030101010101" pitchFamily="2" charset="-122"/>
+              <a:cs typeface="Times New Roman" panose="02020603050405020304" pitchFamily="18" charset="0"/>
+            </a:endParaRPr>
+          </a:p>
+          <a:p>
+            <a:pPr algn="just">
+              <a:lnSpc>
+                <a:spcPct val="115000"/>
+              </a:lnSpc>
+              <a:spcAft>
+                <a:spcPts val="0"/>
+              </a:spcAft>
+            </a:pPr>
+            <a:r>
+              <a:rPr lang="en-US" altLang="zh-CN" sz="900" kern="100">
+                <a:solidFill>
+                  <a:srgbClr val="000000"/>
+                </a:solidFill>
+                <a:latin typeface="仿宋" panose="02010609060101010101" pitchFamily="49" charset="-122"/>
+                <a:cs typeface="Times New Roman" panose="02020603050405020304" pitchFamily="18" charset="0"/>
+              </a:rPr>
+              <a:t>    TRIGGER(TRUE)</a:t>
+            </a:r>
+            <a:endParaRPr lang="zh-CN" altLang="zh-CN" sz="900" kern="100">
+              <a:latin typeface="等线" panose="02010600030101010101" pitchFamily="2" charset="-122"/>
+              <a:cs typeface="Times New Roman" panose="02020603050405020304" pitchFamily="18" charset="0"/>
+            </a:endParaRPr>
+          </a:p>
+          <a:p>
+            <a:pPr algn="just">
+              <a:lnSpc>
+                <a:spcPct val="115000"/>
+              </a:lnSpc>
+              <a:spcAft>
+                <a:spcPts val="0"/>
+              </a:spcAft>
+            </a:pPr>
+            <a:r>
+              <a:rPr lang="en-US" altLang="zh-CN" sz="900" kern="100">
+                <a:solidFill>
+                  <a:srgbClr val="000000"/>
+                </a:solidFill>
+                <a:latin typeface="仿宋" panose="02010609060101010101" pitchFamily="49" charset="-122"/>
+                <a:cs typeface="Times New Roman" panose="02020603050405020304" pitchFamily="18" charset="0"/>
+              </a:rPr>
+              <a:t>    {</a:t>
+            </a:r>
+            <a:endParaRPr lang="zh-CN" altLang="zh-CN" sz="900" kern="100">
+              <a:latin typeface="等线" panose="02010600030101010101" pitchFamily="2" charset="-122"/>
+              <a:cs typeface="Times New Roman" panose="02020603050405020304" pitchFamily="18" charset="0"/>
+            </a:endParaRPr>
+          </a:p>
+          <a:p>
+            <a:pPr algn="just">
+              <a:lnSpc>
+                <a:spcPct val="115000"/>
+              </a:lnSpc>
+              <a:spcAft>
+                <a:spcPts val="0"/>
+              </a:spcAft>
+            </a:pPr>
+            <a:r>
+              <a:rPr lang="en-US" altLang="zh-CN" sz="900" kern="100">
+                <a:solidFill>
+                  <a:srgbClr val="000000"/>
+                </a:solidFill>
+                <a:latin typeface="仿宋" panose="02010609060101010101" pitchFamily="49" charset="-122"/>
+                <a:cs typeface="Times New Roman" panose="02020603050405020304" pitchFamily="18" charset="0"/>
+              </a:rPr>
+              <a:t>        CHANNEL.CD.!2;</a:t>
+            </a:r>
+            <a:endParaRPr lang="zh-CN" altLang="zh-CN" sz="900" kern="100">
+              <a:latin typeface="等线" panose="02010600030101010101" pitchFamily="2" charset="-122"/>
+              <a:cs typeface="Times New Roman" panose="02020603050405020304" pitchFamily="18" charset="0"/>
+            </a:endParaRPr>
+          </a:p>
+          <a:p>
+            <a:pPr algn="just">
+              <a:lnSpc>
+                <a:spcPct val="115000"/>
+              </a:lnSpc>
+              <a:spcAft>
+                <a:spcPts val="0"/>
+              </a:spcAft>
+            </a:pPr>
+            <a:r>
+              <a:rPr lang="en-US" altLang="zh-CN" sz="900" kern="100">
+                <a:solidFill>
+                  <a:srgbClr val="000000"/>
+                </a:solidFill>
+                <a:latin typeface="仿宋" panose="02010609060101010101" pitchFamily="49" charset="-122"/>
+                <a:cs typeface="Times New Roman" panose="02020603050405020304" pitchFamily="18" charset="0"/>
+              </a:rPr>
+              <a:t>        CHANNEL.CD.!1;</a:t>
+            </a:r>
+            <a:endParaRPr lang="zh-CN" altLang="zh-CN" sz="900" kern="100">
+              <a:latin typeface="等线" panose="02010600030101010101" pitchFamily="2" charset="-122"/>
+              <a:cs typeface="Times New Roman" panose="02020603050405020304" pitchFamily="18" charset="0"/>
+            </a:endParaRPr>
+          </a:p>
+          <a:p>
+            <a:pPr algn="just">
+              <a:lnSpc>
+                <a:spcPct val="115000"/>
+              </a:lnSpc>
+              <a:spcAft>
+                <a:spcPts val="0"/>
+              </a:spcAft>
+            </a:pPr>
+            <a:r>
+              <a:rPr lang="en-US" altLang="zh-CN" sz="900" kern="100">
+                <a:solidFill>
+                  <a:srgbClr val="000000"/>
+                </a:solidFill>
+                <a:latin typeface="仿宋" panose="02010609060101010101" pitchFamily="49" charset="-122"/>
+                <a:cs typeface="Times New Roman" panose="02020603050405020304" pitchFamily="18" charset="0"/>
+              </a:rPr>
+              <a:t>        varA:=a;</a:t>
+            </a:r>
+            <a:endParaRPr lang="zh-CN" altLang="zh-CN" sz="900" kern="100">
+              <a:latin typeface="等线" panose="02010600030101010101" pitchFamily="2" charset="-122"/>
+              <a:cs typeface="Times New Roman" panose="02020603050405020304" pitchFamily="18" charset="0"/>
+            </a:endParaRPr>
+          </a:p>
+          <a:p>
+            <a:pPr algn="just">
+              <a:lnSpc>
+                <a:spcPct val="115000"/>
+              </a:lnSpc>
+              <a:spcAft>
+                <a:spcPts val="0"/>
+              </a:spcAft>
+            </a:pPr>
+            <a:r>
+              <a:rPr lang="en-US" altLang="zh-CN" sz="900" kern="100">
+                <a:solidFill>
+                  <a:srgbClr val="000000"/>
+                </a:solidFill>
+                <a:latin typeface="仿宋" panose="02010609060101010101" pitchFamily="49" charset="-122"/>
+                <a:cs typeface="Times New Roman" panose="02020603050405020304" pitchFamily="18" charset="0"/>
+              </a:rPr>
+              <a:t>        numA:=aa;</a:t>
+            </a:r>
+            <a:endParaRPr lang="zh-CN" altLang="zh-CN" sz="900" kern="100">
+              <a:latin typeface="等线" panose="02010600030101010101" pitchFamily="2" charset="-122"/>
+              <a:cs typeface="Times New Roman" panose="02020603050405020304" pitchFamily="18" charset="0"/>
+            </a:endParaRPr>
+          </a:p>
+          <a:p>
+            <a:pPr algn="just">
+              <a:lnSpc>
+                <a:spcPct val="115000"/>
+              </a:lnSpc>
+              <a:spcAft>
+                <a:spcPts val="0"/>
+              </a:spcAft>
+            </a:pPr>
+            <a:r>
+              <a:rPr lang="en-US" altLang="zh-CN" sz="900" kern="100">
+                <a:solidFill>
+                  <a:srgbClr val="000000"/>
+                </a:solidFill>
+                <a:latin typeface="仿宋" panose="02010609060101010101" pitchFamily="49" charset="-122"/>
+                <a:cs typeface="Times New Roman" panose="02020603050405020304" pitchFamily="18" charset="0"/>
+              </a:rPr>
+              <a:t>        result:=numA;</a:t>
+            </a:r>
+            <a:endParaRPr lang="zh-CN" altLang="zh-CN" sz="900" kern="100">
+              <a:latin typeface="等线" panose="02010600030101010101" pitchFamily="2" charset="-122"/>
+              <a:cs typeface="Times New Roman" panose="02020603050405020304" pitchFamily="18" charset="0"/>
+            </a:endParaRPr>
+          </a:p>
+          <a:p>
+            <a:pPr algn="just">
+              <a:lnSpc>
+                <a:spcPct val="115000"/>
+              </a:lnSpc>
+              <a:spcAft>
+                <a:spcPts val="0"/>
+              </a:spcAft>
+            </a:pPr>
+            <a:r>
+              <a:rPr lang="en-US" altLang="zh-CN" sz="900" kern="100">
+                <a:solidFill>
+                  <a:srgbClr val="000000"/>
+                </a:solidFill>
+                <a:latin typeface="仿宋" panose="02010609060101010101" pitchFamily="49" charset="-122"/>
+                <a:cs typeface="Times New Roman" panose="02020603050405020304" pitchFamily="18" charset="0"/>
+              </a:rPr>
+              <a:t>        CHANNEL.DD.!2:result;</a:t>
+            </a:r>
+            <a:endParaRPr lang="zh-CN" altLang="zh-CN" sz="900" kern="100">
+              <a:latin typeface="等线" panose="02010600030101010101" pitchFamily="2" charset="-122"/>
+              <a:cs typeface="Times New Roman" panose="02020603050405020304" pitchFamily="18" charset="0"/>
+            </a:endParaRPr>
+          </a:p>
+          <a:p>
+            <a:pPr algn="just">
+              <a:lnSpc>
+                <a:spcPct val="115000"/>
+              </a:lnSpc>
+              <a:spcAft>
+                <a:spcPts val="0"/>
+              </a:spcAft>
+            </a:pPr>
+            <a:r>
+              <a:rPr lang="en-US" altLang="zh-CN" sz="900" kern="100">
+                <a:solidFill>
+                  <a:srgbClr val="000000"/>
+                </a:solidFill>
+                <a:latin typeface="仿宋" panose="02010609060101010101" pitchFamily="49" charset="-122"/>
+                <a:cs typeface="Times New Roman" panose="02020603050405020304" pitchFamily="18" charset="0"/>
+              </a:rPr>
+              <a:t>        CHANNEL.DD.?1:result;</a:t>
+            </a:r>
+            <a:endParaRPr lang="zh-CN" altLang="zh-CN" sz="900" kern="100">
+              <a:latin typeface="等线" panose="02010600030101010101" pitchFamily="2" charset="-122"/>
+              <a:cs typeface="Times New Roman" panose="02020603050405020304" pitchFamily="18" charset="0"/>
+            </a:endParaRPr>
+          </a:p>
+          <a:p>
+            <a:pPr algn="just">
+              <a:lnSpc>
+                <a:spcPct val="115000"/>
+              </a:lnSpc>
+              <a:spcAft>
+                <a:spcPts val="0"/>
+              </a:spcAft>
+            </a:pPr>
+            <a:r>
+              <a:rPr lang="en-US" altLang="zh-CN" sz="900" kern="100">
+                <a:solidFill>
+                  <a:srgbClr val="000000"/>
+                </a:solidFill>
+                <a:latin typeface="仿宋" panose="02010609060101010101" pitchFamily="49" charset="-122"/>
+                <a:cs typeface="Times New Roman" panose="02020603050405020304" pitchFamily="18" charset="0"/>
+              </a:rPr>
+              <a:t>        result:=result*varA;</a:t>
+            </a:r>
+            <a:endParaRPr lang="zh-CN" altLang="zh-CN" sz="900" kern="100">
+              <a:latin typeface="等线" panose="02010600030101010101" pitchFamily="2" charset="-122"/>
+              <a:cs typeface="Times New Roman" panose="02020603050405020304" pitchFamily="18" charset="0"/>
+            </a:endParaRPr>
+          </a:p>
+          <a:p>
+            <a:pPr algn="just">
+              <a:lnSpc>
+                <a:spcPct val="115000"/>
+              </a:lnSpc>
+              <a:spcAft>
+                <a:spcPts val="0"/>
+              </a:spcAft>
+            </a:pPr>
+            <a:r>
+              <a:rPr lang="en-US" altLang="zh-CN" sz="900" kern="100">
+                <a:solidFill>
+                  <a:srgbClr val="000000"/>
+                </a:solidFill>
+                <a:latin typeface="仿宋" panose="02010609060101010101" pitchFamily="49" charset="-122"/>
+                <a:cs typeface="Times New Roman" panose="02020603050405020304" pitchFamily="18" charset="0"/>
+              </a:rPr>
+              <a:t>        CHANNEL.DD.!3:result;</a:t>
+            </a:r>
+            <a:endParaRPr lang="zh-CN" altLang="zh-CN" sz="900" kern="100">
+              <a:latin typeface="等线" panose="02010600030101010101" pitchFamily="2" charset="-122"/>
+              <a:cs typeface="Times New Roman" panose="02020603050405020304" pitchFamily="18" charset="0"/>
+            </a:endParaRPr>
+          </a:p>
+          <a:p>
+            <a:pPr algn="just">
+              <a:lnSpc>
+                <a:spcPct val="115000"/>
+              </a:lnSpc>
+              <a:spcAft>
+                <a:spcPts val="0"/>
+              </a:spcAft>
+            </a:pPr>
+            <a:r>
+              <a:rPr lang="en-US" altLang="zh-CN" sz="900" kern="100">
+                <a:solidFill>
+                  <a:srgbClr val="000000"/>
+                </a:solidFill>
+                <a:latin typeface="仿宋" panose="02010609060101010101" pitchFamily="49" charset="-122"/>
+                <a:cs typeface="Times New Roman" panose="02020603050405020304" pitchFamily="18" charset="0"/>
+              </a:rPr>
+              <a:t>    }</a:t>
+            </a:r>
+            <a:endParaRPr lang="zh-CN" altLang="zh-CN" sz="900" kern="100">
+              <a:latin typeface="等线" panose="02010600030101010101" pitchFamily="2" charset="-122"/>
+              <a:cs typeface="Times New Roman" panose="02020603050405020304" pitchFamily="18" charset="0"/>
+            </a:endParaRPr>
+          </a:p>
+          <a:p>
+            <a:pPr algn="just">
+              <a:lnSpc>
+                <a:spcPct val="115000"/>
+              </a:lnSpc>
+              <a:spcAft>
+                <a:spcPts val="0"/>
+              </a:spcAft>
+            </a:pPr>
+            <a:r>
+              <a:rPr lang="en-US" altLang="zh-CN" sz="900" kern="100">
+                <a:solidFill>
+                  <a:srgbClr val="000000"/>
+                </a:solidFill>
+                <a:latin typeface="仿宋" panose="02010609060101010101" pitchFamily="49" charset="-122"/>
+                <a:cs typeface="Times New Roman" panose="02020603050405020304" pitchFamily="18" charset="0"/>
+              </a:rPr>
+              <a:t>}</a:t>
+            </a:r>
+            <a:endParaRPr lang="zh-CN" altLang="zh-CN" sz="900" kern="100">
+              <a:latin typeface="等线" panose="02010600030101010101" pitchFamily="2" charset="-122"/>
+              <a:cs typeface="Times New Roman" panose="02020603050405020304" pitchFamily="18" charset="0"/>
+            </a:endParaRPr>
+          </a:p>
+        </p:txBody>
+      </p:sp>
+      <p:sp>
+        <p:nvSpPr>
+          <p:cNvPr id="5" name="Rectangle 4">
+            <a:extLst>
+              <a:ext uri="{FF2B5EF4-FFF2-40B4-BE49-F238E27FC236}">
+                <a16:creationId xmlns:a16="http://schemas.microsoft.com/office/drawing/2014/main" id="{C2387430-F6B2-4BEB-B612-0ED0C36CC1E2}"/>
+              </a:ext>
+            </a:extLst>
+          </p:cNvPr>
+          <p:cNvSpPr/>
+          <p:nvPr/>
+        </p:nvSpPr>
+        <p:spPr>
+          <a:xfrm>
+            <a:off x="2790701" y="351892"/>
+            <a:ext cx="2317470" cy="1673728"/>
+          </a:xfrm>
+          <a:prstGeom prst="rect">
+            <a:avLst/>
+          </a:prstGeom>
+        </p:spPr>
+        <p:txBody>
+          <a:bodyPr wrap="square">
+            <a:spAutoFit/>
+          </a:bodyPr>
+          <a:lstStyle/>
+          <a:p>
+            <a:pPr algn="just">
+              <a:lnSpc>
+                <a:spcPct val="115000"/>
+              </a:lnSpc>
+              <a:spcAft>
+                <a:spcPts val="0"/>
+              </a:spcAft>
+            </a:pPr>
+            <a:r>
+              <a:rPr lang="en-US" altLang="zh-CN" sz="900" kern="100">
+                <a:solidFill>
+                  <a:srgbClr val="000000"/>
+                </a:solidFill>
+                <a:latin typeface="仿宋" panose="02010609060101010101" pitchFamily="49" charset="-122"/>
+                <a:cs typeface="Times New Roman" panose="02020603050405020304" pitchFamily="18" charset="0"/>
+              </a:rPr>
+              <a:t>program:PLC(..)[..]</a:t>
+            </a:r>
+            <a:endParaRPr lang="zh-CN" altLang="zh-CN" sz="900" kern="100">
+              <a:latin typeface="等线" panose="02010600030101010101" pitchFamily="2" charset="-122"/>
+              <a:cs typeface="Times New Roman" panose="02020603050405020304" pitchFamily="18" charset="0"/>
+            </a:endParaRPr>
+          </a:p>
+          <a:p>
+            <a:pPr algn="just">
+              <a:lnSpc>
+                <a:spcPct val="115000"/>
+              </a:lnSpc>
+              <a:spcAft>
+                <a:spcPts val="0"/>
+              </a:spcAft>
+            </a:pPr>
+            <a:r>
+              <a:rPr lang="en-US" altLang="zh-CN" sz="900" kern="100">
+                <a:solidFill>
+                  <a:srgbClr val="000000"/>
+                </a:solidFill>
+                <a:latin typeface="仿宋" panose="02010609060101010101" pitchFamily="49" charset="-122"/>
+                <a:cs typeface="Times New Roman" panose="02020603050405020304" pitchFamily="18" charset="0"/>
+              </a:rPr>
+              <a:t>{</a:t>
+            </a:r>
+            <a:endParaRPr lang="zh-CN" altLang="zh-CN" sz="900" kern="100">
+              <a:latin typeface="等线" panose="02010600030101010101" pitchFamily="2" charset="-122"/>
+              <a:cs typeface="Times New Roman" panose="02020603050405020304" pitchFamily="18" charset="0"/>
+            </a:endParaRPr>
+          </a:p>
+          <a:p>
+            <a:pPr algn="just">
+              <a:lnSpc>
+                <a:spcPct val="115000"/>
+              </a:lnSpc>
+              <a:spcAft>
+                <a:spcPts val="0"/>
+              </a:spcAft>
+            </a:pPr>
+            <a:r>
+              <a:rPr lang="en-US" altLang="zh-CN" sz="900" kern="100">
+                <a:solidFill>
+                  <a:srgbClr val="000000"/>
+                </a:solidFill>
+                <a:latin typeface="仿宋" panose="02010609060101010101" pitchFamily="49" charset="-122"/>
+                <a:cs typeface="Times New Roman" panose="02020603050405020304" pitchFamily="18" charset="0"/>
+              </a:rPr>
+              <a:t>    TRIGGER(CHANNEL.CD.?1)</a:t>
+            </a:r>
+            <a:endParaRPr lang="zh-CN" altLang="zh-CN" sz="900" kern="100">
+              <a:latin typeface="等线" panose="02010600030101010101" pitchFamily="2" charset="-122"/>
+              <a:cs typeface="Times New Roman" panose="02020603050405020304" pitchFamily="18" charset="0"/>
+            </a:endParaRPr>
+          </a:p>
+          <a:p>
+            <a:pPr algn="just">
+              <a:lnSpc>
+                <a:spcPct val="115000"/>
+              </a:lnSpc>
+              <a:spcAft>
+                <a:spcPts val="0"/>
+              </a:spcAft>
+            </a:pPr>
+            <a:r>
+              <a:rPr lang="en-US" altLang="zh-CN" sz="900" kern="100">
+                <a:solidFill>
+                  <a:srgbClr val="000000"/>
+                </a:solidFill>
+                <a:latin typeface="仿宋" panose="02010609060101010101" pitchFamily="49" charset="-122"/>
+                <a:cs typeface="Times New Roman" panose="02020603050405020304" pitchFamily="18" charset="0"/>
+              </a:rPr>
+              <a:t>    {</a:t>
+            </a:r>
+            <a:endParaRPr lang="zh-CN" altLang="zh-CN" sz="900" kern="100">
+              <a:latin typeface="等线" panose="02010600030101010101" pitchFamily="2" charset="-122"/>
+              <a:cs typeface="Times New Roman" panose="02020603050405020304" pitchFamily="18" charset="0"/>
+            </a:endParaRPr>
+          </a:p>
+          <a:p>
+            <a:pPr algn="just">
+              <a:lnSpc>
+                <a:spcPct val="115000"/>
+              </a:lnSpc>
+              <a:spcAft>
+                <a:spcPts val="0"/>
+              </a:spcAft>
+            </a:pPr>
+            <a:r>
+              <a:rPr lang="en-US" altLang="zh-CN" sz="900" kern="100">
+                <a:solidFill>
+                  <a:srgbClr val="000000"/>
+                </a:solidFill>
+                <a:latin typeface="仿宋" panose="02010609060101010101" pitchFamily="49" charset="-122"/>
+                <a:cs typeface="Times New Roman" panose="02020603050405020304" pitchFamily="18" charset="0"/>
+              </a:rPr>
+              <a:t>        varB:=b;</a:t>
+            </a:r>
+            <a:endParaRPr lang="zh-CN" altLang="zh-CN" sz="900" kern="100">
+              <a:latin typeface="等线" panose="02010600030101010101" pitchFamily="2" charset="-122"/>
+              <a:cs typeface="Times New Roman" panose="02020603050405020304" pitchFamily="18" charset="0"/>
+            </a:endParaRPr>
+          </a:p>
+          <a:p>
+            <a:pPr algn="just">
+              <a:lnSpc>
+                <a:spcPct val="115000"/>
+              </a:lnSpc>
+              <a:spcAft>
+                <a:spcPts val="0"/>
+              </a:spcAft>
+            </a:pPr>
+            <a:r>
+              <a:rPr lang="en-US" altLang="zh-CN" sz="900" kern="100">
+                <a:solidFill>
+                  <a:srgbClr val="000000"/>
+                </a:solidFill>
+                <a:latin typeface="仿宋" panose="02010609060101010101" pitchFamily="49" charset="-122"/>
+                <a:cs typeface="Times New Roman" panose="02020603050405020304" pitchFamily="18" charset="0"/>
+              </a:rPr>
+              <a:t>        CHANNEL.DD.?2:result;</a:t>
+            </a:r>
+            <a:endParaRPr lang="zh-CN" altLang="zh-CN" sz="900" kern="100">
+              <a:latin typeface="等线" panose="02010600030101010101" pitchFamily="2" charset="-122"/>
+              <a:cs typeface="Times New Roman" panose="02020603050405020304" pitchFamily="18" charset="0"/>
+            </a:endParaRPr>
+          </a:p>
+          <a:p>
+            <a:pPr algn="just">
+              <a:lnSpc>
+                <a:spcPct val="115000"/>
+              </a:lnSpc>
+              <a:spcAft>
+                <a:spcPts val="0"/>
+              </a:spcAft>
+            </a:pPr>
+            <a:r>
+              <a:rPr lang="en-US" altLang="zh-CN" sz="900" kern="100">
+                <a:solidFill>
+                  <a:srgbClr val="000000"/>
+                </a:solidFill>
+                <a:latin typeface="仿宋" panose="02010609060101010101" pitchFamily="49" charset="-122"/>
+                <a:cs typeface="Times New Roman" panose="02020603050405020304" pitchFamily="18" charset="0"/>
+              </a:rPr>
+              <a:t>        result:=result+varB;</a:t>
+            </a:r>
+            <a:endParaRPr lang="zh-CN" altLang="zh-CN" sz="900" kern="100">
+              <a:latin typeface="等线" panose="02010600030101010101" pitchFamily="2" charset="-122"/>
+              <a:cs typeface="Times New Roman" panose="02020603050405020304" pitchFamily="18" charset="0"/>
+            </a:endParaRPr>
+          </a:p>
+          <a:p>
+            <a:pPr algn="just">
+              <a:lnSpc>
+                <a:spcPct val="115000"/>
+              </a:lnSpc>
+              <a:spcAft>
+                <a:spcPts val="0"/>
+              </a:spcAft>
+            </a:pPr>
+            <a:r>
+              <a:rPr lang="en-US" altLang="zh-CN" sz="900" kern="100">
+                <a:solidFill>
+                  <a:srgbClr val="000000"/>
+                </a:solidFill>
+                <a:latin typeface="仿宋" panose="02010609060101010101" pitchFamily="49" charset="-122"/>
+                <a:cs typeface="Times New Roman" panose="02020603050405020304" pitchFamily="18" charset="0"/>
+              </a:rPr>
+              <a:t>        CHANNEL.DD.!1:result;</a:t>
+            </a:r>
+            <a:endParaRPr lang="zh-CN" altLang="zh-CN" sz="900" kern="100">
+              <a:latin typeface="等线" panose="02010600030101010101" pitchFamily="2" charset="-122"/>
+              <a:cs typeface="Times New Roman" panose="02020603050405020304" pitchFamily="18" charset="0"/>
+            </a:endParaRPr>
+          </a:p>
+          <a:p>
+            <a:pPr algn="just">
+              <a:lnSpc>
+                <a:spcPct val="115000"/>
+              </a:lnSpc>
+              <a:spcAft>
+                <a:spcPts val="0"/>
+              </a:spcAft>
+            </a:pPr>
+            <a:r>
+              <a:rPr lang="en-US" altLang="zh-CN" sz="900" kern="100">
+                <a:solidFill>
+                  <a:srgbClr val="000000"/>
+                </a:solidFill>
+                <a:latin typeface="仿宋" panose="02010609060101010101" pitchFamily="49" charset="-122"/>
+                <a:cs typeface="Times New Roman" panose="02020603050405020304" pitchFamily="18" charset="0"/>
+              </a:rPr>
+              <a:t>    }</a:t>
+            </a:r>
+            <a:endParaRPr lang="zh-CN" altLang="zh-CN" sz="900" kern="100">
+              <a:latin typeface="等线" panose="02010600030101010101" pitchFamily="2" charset="-122"/>
+              <a:cs typeface="Times New Roman" panose="02020603050405020304" pitchFamily="18" charset="0"/>
+            </a:endParaRPr>
+          </a:p>
+          <a:p>
+            <a:pPr algn="just">
+              <a:lnSpc>
+                <a:spcPct val="115000"/>
+              </a:lnSpc>
+              <a:spcAft>
+                <a:spcPts val="0"/>
+              </a:spcAft>
+            </a:pPr>
+            <a:r>
+              <a:rPr lang="en-US" altLang="zh-CN" sz="900" kern="100">
+                <a:solidFill>
+                  <a:srgbClr val="000000"/>
+                </a:solidFill>
+                <a:latin typeface="仿宋" panose="02010609060101010101" pitchFamily="49" charset="-122"/>
+                <a:cs typeface="Times New Roman" panose="02020603050405020304" pitchFamily="18" charset="0"/>
+              </a:rPr>
+              <a:t>}</a:t>
+            </a:r>
+            <a:endParaRPr lang="zh-CN" altLang="zh-CN" sz="900" kern="100">
+              <a:latin typeface="等线" panose="02010600030101010101" pitchFamily="2" charset="-122"/>
+              <a:cs typeface="Times New Roman" panose="02020603050405020304" pitchFamily="18" charset="0"/>
+            </a:endParaRPr>
+          </a:p>
+        </p:txBody>
+      </p:sp>
+      <p:sp>
+        <p:nvSpPr>
+          <p:cNvPr id="6" name="Rectangle 5">
+            <a:extLst>
+              <a:ext uri="{FF2B5EF4-FFF2-40B4-BE49-F238E27FC236}">
+                <a16:creationId xmlns:a16="http://schemas.microsoft.com/office/drawing/2014/main" id="{2BE52E6B-0A64-4D1E-BB2F-37F8261622D2}"/>
+              </a:ext>
+            </a:extLst>
+          </p:cNvPr>
+          <p:cNvSpPr/>
+          <p:nvPr/>
+        </p:nvSpPr>
+        <p:spPr>
+          <a:xfrm>
+            <a:off x="4828311" y="351892"/>
+            <a:ext cx="2255520" cy="1673728"/>
+          </a:xfrm>
+          <a:prstGeom prst="rect">
+            <a:avLst/>
+          </a:prstGeom>
+        </p:spPr>
+        <p:txBody>
+          <a:bodyPr wrap="square">
+            <a:spAutoFit/>
+          </a:bodyPr>
+          <a:lstStyle/>
+          <a:p>
+            <a:pPr algn="just">
+              <a:lnSpc>
+                <a:spcPct val="115000"/>
+              </a:lnSpc>
+              <a:spcAft>
+                <a:spcPts val="0"/>
+              </a:spcAft>
+            </a:pPr>
+            <a:r>
+              <a:rPr lang="en-US" altLang="zh-CN" sz="900" kern="100">
+                <a:solidFill>
+                  <a:srgbClr val="000000"/>
+                </a:solidFill>
+                <a:latin typeface="仿宋" panose="02010609060101010101" pitchFamily="49" charset="-122"/>
+                <a:cs typeface="Times New Roman" panose="02020603050405020304" pitchFamily="18" charset="0"/>
+              </a:rPr>
+              <a:t>program:PC(..)[..]</a:t>
+            </a:r>
+            <a:endParaRPr lang="zh-CN" altLang="zh-CN" sz="900" kern="100">
+              <a:latin typeface="等线" panose="02010600030101010101" pitchFamily="2" charset="-122"/>
+              <a:cs typeface="Times New Roman" panose="02020603050405020304" pitchFamily="18" charset="0"/>
+            </a:endParaRPr>
+          </a:p>
+          <a:p>
+            <a:pPr algn="just">
+              <a:lnSpc>
+                <a:spcPct val="115000"/>
+              </a:lnSpc>
+              <a:spcAft>
+                <a:spcPts val="0"/>
+              </a:spcAft>
+            </a:pPr>
+            <a:r>
+              <a:rPr lang="en-US" altLang="zh-CN" sz="900" kern="100">
+                <a:solidFill>
+                  <a:srgbClr val="000000"/>
+                </a:solidFill>
+                <a:latin typeface="仿宋" panose="02010609060101010101" pitchFamily="49" charset="-122"/>
+                <a:cs typeface="Times New Roman" panose="02020603050405020304" pitchFamily="18" charset="0"/>
+              </a:rPr>
+              <a:t>{</a:t>
+            </a:r>
+            <a:endParaRPr lang="zh-CN" altLang="zh-CN" sz="900" kern="100">
+              <a:latin typeface="等线" panose="02010600030101010101" pitchFamily="2" charset="-122"/>
+              <a:cs typeface="Times New Roman" panose="02020603050405020304" pitchFamily="18" charset="0"/>
+            </a:endParaRPr>
+          </a:p>
+          <a:p>
+            <a:pPr algn="just">
+              <a:lnSpc>
+                <a:spcPct val="115000"/>
+              </a:lnSpc>
+              <a:spcAft>
+                <a:spcPts val="0"/>
+              </a:spcAft>
+            </a:pPr>
+            <a:r>
+              <a:rPr lang="en-US" altLang="zh-CN" sz="900" kern="100">
+                <a:solidFill>
+                  <a:srgbClr val="000000"/>
+                </a:solidFill>
+                <a:latin typeface="仿宋" panose="02010609060101010101" pitchFamily="49" charset="-122"/>
+                <a:cs typeface="Times New Roman" panose="02020603050405020304" pitchFamily="18" charset="0"/>
+              </a:rPr>
+              <a:t>    TRIGGER(CHANNEL.CD.?2)</a:t>
+            </a:r>
+            <a:endParaRPr lang="zh-CN" altLang="zh-CN" sz="900" kern="100">
+              <a:latin typeface="等线" panose="02010600030101010101" pitchFamily="2" charset="-122"/>
+              <a:cs typeface="Times New Roman" panose="02020603050405020304" pitchFamily="18" charset="0"/>
+            </a:endParaRPr>
+          </a:p>
+          <a:p>
+            <a:pPr algn="just">
+              <a:lnSpc>
+                <a:spcPct val="115000"/>
+              </a:lnSpc>
+              <a:spcAft>
+                <a:spcPts val="0"/>
+              </a:spcAft>
+            </a:pPr>
+            <a:r>
+              <a:rPr lang="en-US" altLang="zh-CN" sz="900" kern="100">
+                <a:solidFill>
+                  <a:srgbClr val="000000"/>
+                </a:solidFill>
+                <a:latin typeface="仿宋" panose="02010609060101010101" pitchFamily="49" charset="-122"/>
+                <a:cs typeface="Times New Roman" panose="02020603050405020304" pitchFamily="18" charset="0"/>
+              </a:rPr>
+              <a:t>    {</a:t>
+            </a:r>
+            <a:endParaRPr lang="zh-CN" altLang="zh-CN" sz="900" kern="100">
+              <a:latin typeface="等线" panose="02010600030101010101" pitchFamily="2" charset="-122"/>
+              <a:cs typeface="Times New Roman" panose="02020603050405020304" pitchFamily="18" charset="0"/>
+            </a:endParaRPr>
+          </a:p>
+          <a:p>
+            <a:pPr algn="just">
+              <a:lnSpc>
+                <a:spcPct val="115000"/>
+              </a:lnSpc>
+              <a:spcAft>
+                <a:spcPts val="0"/>
+              </a:spcAft>
+            </a:pPr>
+            <a:r>
+              <a:rPr lang="en-US" altLang="zh-CN" sz="900" kern="100">
+                <a:solidFill>
+                  <a:srgbClr val="000000"/>
+                </a:solidFill>
+                <a:latin typeface="仿宋" panose="02010609060101010101" pitchFamily="49" charset="-122"/>
+                <a:cs typeface="Times New Roman" panose="02020603050405020304" pitchFamily="18" charset="0"/>
+              </a:rPr>
+              <a:t>        varC:=c;</a:t>
+            </a:r>
+            <a:endParaRPr lang="zh-CN" altLang="zh-CN" sz="900" kern="100">
+              <a:latin typeface="等线" panose="02010600030101010101" pitchFamily="2" charset="-122"/>
+              <a:cs typeface="Times New Roman" panose="02020603050405020304" pitchFamily="18" charset="0"/>
+            </a:endParaRPr>
+          </a:p>
+          <a:p>
+            <a:pPr algn="just">
+              <a:lnSpc>
+                <a:spcPct val="115000"/>
+              </a:lnSpc>
+              <a:spcAft>
+                <a:spcPts val="0"/>
+              </a:spcAft>
+            </a:pPr>
+            <a:r>
+              <a:rPr lang="en-US" altLang="zh-CN" sz="900" kern="100">
+                <a:solidFill>
+                  <a:srgbClr val="000000"/>
+                </a:solidFill>
+                <a:latin typeface="仿宋" panose="02010609060101010101" pitchFamily="49" charset="-122"/>
+                <a:cs typeface="Times New Roman" panose="02020603050405020304" pitchFamily="18" charset="0"/>
+              </a:rPr>
+              <a:t>        CHANNEL.DD.?3:result;</a:t>
+            </a:r>
+            <a:endParaRPr lang="zh-CN" altLang="zh-CN" sz="900" kern="100">
+              <a:latin typeface="等线" panose="02010600030101010101" pitchFamily="2" charset="-122"/>
+              <a:cs typeface="Times New Roman" panose="02020603050405020304" pitchFamily="18" charset="0"/>
+            </a:endParaRPr>
+          </a:p>
+          <a:p>
+            <a:pPr algn="just">
+              <a:lnSpc>
+                <a:spcPct val="115000"/>
+              </a:lnSpc>
+              <a:spcAft>
+                <a:spcPts val="0"/>
+              </a:spcAft>
+            </a:pPr>
+            <a:r>
+              <a:rPr lang="en-US" altLang="zh-CN" sz="900" kern="100">
+                <a:solidFill>
+                  <a:srgbClr val="000000"/>
+                </a:solidFill>
+                <a:latin typeface="仿宋" panose="02010609060101010101" pitchFamily="49" charset="-122"/>
+                <a:cs typeface="Times New Roman" panose="02020603050405020304" pitchFamily="18" charset="0"/>
+              </a:rPr>
+              <a:t>        result:=result+varC;</a:t>
+            </a:r>
+            <a:endParaRPr lang="zh-CN" altLang="zh-CN" sz="900" kern="100">
+              <a:latin typeface="等线" panose="02010600030101010101" pitchFamily="2" charset="-122"/>
+              <a:cs typeface="Times New Roman" panose="02020603050405020304" pitchFamily="18" charset="0"/>
+            </a:endParaRPr>
+          </a:p>
+          <a:p>
+            <a:pPr algn="just">
+              <a:lnSpc>
+                <a:spcPct val="115000"/>
+              </a:lnSpc>
+              <a:spcAft>
+                <a:spcPts val="0"/>
+              </a:spcAft>
+            </a:pPr>
+            <a:r>
+              <a:rPr lang="en-US" altLang="zh-CN" sz="900" kern="100">
+                <a:solidFill>
+                  <a:srgbClr val="000000"/>
+                </a:solidFill>
+                <a:latin typeface="仿宋" panose="02010609060101010101" pitchFamily="49" charset="-122"/>
+                <a:cs typeface="Times New Roman" panose="02020603050405020304" pitchFamily="18" charset="0"/>
+              </a:rPr>
+              <a:t>        result&gt;&gt;Scream;</a:t>
+            </a:r>
+            <a:endParaRPr lang="zh-CN" altLang="zh-CN" sz="900" kern="100">
+              <a:latin typeface="等线" panose="02010600030101010101" pitchFamily="2" charset="-122"/>
+              <a:cs typeface="Times New Roman" panose="02020603050405020304" pitchFamily="18" charset="0"/>
+            </a:endParaRPr>
+          </a:p>
+          <a:p>
+            <a:pPr algn="just">
+              <a:lnSpc>
+                <a:spcPct val="115000"/>
+              </a:lnSpc>
+              <a:spcAft>
+                <a:spcPts val="0"/>
+              </a:spcAft>
+            </a:pPr>
+            <a:r>
+              <a:rPr lang="en-US" altLang="zh-CN" sz="900" kern="100">
+                <a:solidFill>
+                  <a:srgbClr val="000000"/>
+                </a:solidFill>
+                <a:latin typeface="仿宋" panose="02010609060101010101" pitchFamily="49" charset="-122"/>
+                <a:cs typeface="Times New Roman" panose="02020603050405020304" pitchFamily="18" charset="0"/>
+              </a:rPr>
+              <a:t>    }</a:t>
+            </a:r>
+            <a:endParaRPr lang="zh-CN" altLang="zh-CN" sz="900" kern="100">
+              <a:latin typeface="等线" panose="02010600030101010101" pitchFamily="2" charset="-122"/>
+              <a:cs typeface="Times New Roman" panose="02020603050405020304" pitchFamily="18" charset="0"/>
+            </a:endParaRPr>
+          </a:p>
+          <a:p>
+            <a:pPr algn="just">
+              <a:lnSpc>
+                <a:spcPct val="115000"/>
+              </a:lnSpc>
+              <a:spcAft>
+                <a:spcPts val="0"/>
+              </a:spcAft>
+            </a:pPr>
+            <a:r>
+              <a:rPr lang="en-US" altLang="zh-CN" sz="900" kern="100">
+                <a:solidFill>
+                  <a:srgbClr val="000000"/>
+                </a:solidFill>
+                <a:latin typeface="仿宋" panose="02010609060101010101" pitchFamily="49" charset="-122"/>
+                <a:cs typeface="Times New Roman" panose="02020603050405020304" pitchFamily="18" charset="0"/>
+              </a:rPr>
+              <a:t>}</a:t>
+            </a:r>
+            <a:endParaRPr lang="zh-CN" altLang="zh-CN" sz="900" kern="100">
+              <a:latin typeface="等线" panose="02010600030101010101" pitchFamily="2" charset="-122"/>
+              <a:cs typeface="Times New Roman" panose="02020603050405020304" pitchFamily="18" charset="0"/>
+            </a:endParaRPr>
+          </a:p>
+        </p:txBody>
+      </p:sp>
+    </p:spTree>
+    <p:extLst>
+      <p:ext uri="{BB962C8B-B14F-4D97-AF65-F5344CB8AC3E}">
+        <p14:creationId xmlns:p14="http://schemas.microsoft.com/office/powerpoint/2010/main" val="3357201632"/>
+      </p:ext>
+    </p:extLst>
+  </p:cSld>
+  <p:clrMapOvr>
+    <a:masterClrMapping/>
+  </p:clrMapOvr>
+</p:sld>
+</file>
+
 <file path=ppt/slides/slide2.xml><?xml version="1.0" encoding="utf-8"?>
 <p:sld xmlns:a="http://schemas.openxmlformats.org/drawingml/2006/main" xmlns:r="http://schemas.openxmlformats.org/officeDocument/2006/relationships" xmlns:p="http://schemas.openxmlformats.org/presentationml/2006/main">
   <p:cSld>
@@ -29416,8 +31038,8 @@
         </p:nvCxnSpPr>
         <p:spPr>
           <a:xfrm flipV="1">
-            <a:off x="5427345" y="2385310"/>
-            <a:ext cx="294431" cy="2290"/>
+            <a:off x="5427345" y="2374903"/>
+            <a:ext cx="294431" cy="12697"/>
           </a:xfrm>
           <a:prstGeom prst="straightConnector1">
             <a:avLst/>
@@ -29496,8 +31118,8 @@
         </p:nvSpPr>
         <p:spPr>
           <a:xfrm>
-            <a:off x="5660857" y="1314450"/>
-            <a:ext cx="445780" cy="2134870"/>
+            <a:off x="5660857" y="1284031"/>
+            <a:ext cx="445780" cy="2264270"/>
           </a:xfrm>
           <a:prstGeom prst="rect">
             <a:avLst/>
@@ -29642,8 +31264,8 @@
         </p:nvCxnSpPr>
         <p:spPr>
           <a:xfrm rot="5400000" flipH="1" flipV="1">
-            <a:off x="6322181" y="712548"/>
-            <a:ext cx="163468" cy="1040337"/>
+            <a:off x="6337391" y="697339"/>
+            <a:ext cx="133048" cy="1040336"/>
           </a:xfrm>
           <a:prstGeom prst="bentConnector2">
             <a:avLst/>
@@ -29734,45 +31356,6 @@
               <a:srgbClr val="FF0000"/>
             </a:solidFill>
             <a:prstDash val="dash"/>
-            <a:tailEnd type="triangle"/>
-          </a:ln>
-        </p:spPr>
-        <p:style>
-          <a:lnRef idx="1">
-            <a:schemeClr val="accent1"/>
-          </a:lnRef>
-          <a:fillRef idx="0">
-            <a:schemeClr val="accent1"/>
-          </a:fillRef>
-          <a:effectRef idx="0">
-            <a:schemeClr val="accent1"/>
-          </a:effectRef>
-          <a:fontRef idx="minor">
-            <a:schemeClr val="tx1"/>
-          </a:fontRef>
-        </p:style>
-      </p:cxnSp>
-      <p:cxnSp>
-        <p:nvCxnSpPr>
-          <p:cNvPr id="168" name="Connector: Elbow 167"/>
-          <p:cNvCxnSpPr/>
-          <p:nvPr/>
-        </p:nvCxnSpPr>
-        <p:spPr>
-          <a:xfrm>
-            <a:off x="5173704" y="2326402"/>
-            <a:ext cx="2587738" cy="545173"/>
-          </a:xfrm>
-          <a:prstGeom prst="bentConnector3">
-            <a:avLst>
-              <a:gd name="adj1" fmla="val 82391"/>
-            </a:avLst>
-          </a:prstGeom>
-          <a:ln w="19050">
-            <a:solidFill>
-              <a:srgbClr val="FF0000"/>
-            </a:solidFill>
-            <a:prstDash val="sysDot"/>
             <a:tailEnd type="triangle"/>
           </a:ln>
         </p:spPr>
@@ -30937,8 +32520,8 @@
         </p:nvSpPr>
         <p:spPr>
           <a:xfrm rot="5400000">
-            <a:off x="4889545" y="2231421"/>
-            <a:ext cx="1972239" cy="307777"/>
+            <a:off x="4815214" y="2221014"/>
+            <a:ext cx="2120901" cy="307777"/>
           </a:xfrm>
           <a:prstGeom prst="rect">
             <a:avLst/>
@@ -30964,15 +32547,54 @@
             <a:pPr algn="ctr"/>
             <a:r>
               <a:rPr lang="en-US" altLang="zh-CN" sz="1400"/>
-              <a:t>Input interface module</a:t>
-            </a:r>
-            <a:endParaRPr lang="zh-CN" altLang="en-US" sz="1200">
-              <a:latin typeface="仿宋" panose="02010609060101010101" pitchFamily="49" charset="-122"/>
-              <a:ea typeface="仿宋" panose="02010609060101010101" pitchFamily="49" charset="-122"/>
-            </a:endParaRPr>
-          </a:p>
-        </p:txBody>
-      </p:sp>
+              <a:t>Output interface module</a:t>
+            </a:r>
+            <a:endParaRPr lang="zh-CN" altLang="en-US" sz="1400"/>
+          </a:p>
+        </p:txBody>
+      </p:sp>
+      <p:cxnSp>
+        <p:nvCxnSpPr>
+          <p:cNvPr id="168" name="Connector: Elbow 167"/>
+          <p:cNvCxnSpPr>
+            <a:cxnSpLocks/>
+            <a:endCxn id="129" idx="1"/>
+          </p:cNvCxnSpPr>
+          <p:nvPr/>
+        </p:nvCxnSpPr>
+        <p:spPr>
+          <a:xfrm>
+            <a:off x="5361305" y="2553622"/>
+            <a:ext cx="1689100" cy="112315"/>
+          </a:xfrm>
+          <a:prstGeom prst="bentConnector3">
+            <a:avLst>
+              <a:gd name="adj1" fmla="val 0"/>
+            </a:avLst>
+          </a:prstGeom>
+          <a:ln w="19050">
+            <a:solidFill>
+              <a:srgbClr val="FF0000"/>
+            </a:solidFill>
+            <a:prstDash val="sysDot"/>
+            <a:tailEnd type="triangle"/>
+          </a:ln>
+        </p:spPr>
+        <p:style>
+          <a:lnRef idx="1">
+            <a:schemeClr val="accent1"/>
+          </a:lnRef>
+          <a:fillRef idx="0">
+            <a:schemeClr val="accent1"/>
+          </a:fillRef>
+          <a:effectRef idx="0">
+            <a:schemeClr val="accent1"/>
+          </a:effectRef>
+          <a:fontRef idx="minor">
+            <a:schemeClr val="tx1"/>
+          </a:fontRef>
+        </p:style>
+      </p:cxnSp>
     </p:spTree>
   </p:cSld>
   <p:clrMapOvr>

--- a/代码生成图集.pptx
+++ b/代码生成图集.pptx
@@ -212,7 +212,7 @@
           <a:p>
             <a:fld id="{687CFD2B-D79F-4CCE-BAFE-DDCACA127A82}" type="datetimeFigureOut">
               <a:rPr lang="zh-CN" altLang="en-US" smtClean="0"/>
-              <a:t>2018/5/17</a:t>
+              <a:t>2018/5/18</a:t>
             </a:fld>
             <a:endParaRPr lang="zh-CN" altLang="en-US"/>
           </a:p>
@@ -792,7 +792,7 @@
           <a:p>
             <a:fld id="{E2CA65C4-BDD0-48CB-A392-6FBE1F864096}" type="datetimeFigureOut">
               <a:rPr lang="zh-CN" altLang="en-US" smtClean="0"/>
-              <a:t>2018/5/17</a:t>
+              <a:t>2018/5/18</a:t>
             </a:fld>
             <a:endParaRPr lang="zh-CN" altLang="en-US"/>
           </a:p>
@@ -957,7 +957,7 @@
           <a:p>
             <a:fld id="{E2CA65C4-BDD0-48CB-A392-6FBE1F864096}" type="datetimeFigureOut">
               <a:rPr lang="zh-CN" altLang="en-US" smtClean="0"/>
-              <a:t>2018/5/17</a:t>
+              <a:t>2018/5/18</a:t>
             </a:fld>
             <a:endParaRPr lang="zh-CN" altLang="en-US"/>
           </a:p>
@@ -1132,7 +1132,7 @@
           <a:p>
             <a:fld id="{E2CA65C4-BDD0-48CB-A392-6FBE1F864096}" type="datetimeFigureOut">
               <a:rPr lang="zh-CN" altLang="en-US" smtClean="0"/>
-              <a:t>2018/5/17</a:t>
+              <a:t>2018/5/18</a:t>
             </a:fld>
             <a:endParaRPr lang="zh-CN" altLang="en-US"/>
           </a:p>
@@ -1297,7 +1297,7 @@
           <a:p>
             <a:fld id="{E2CA65C4-BDD0-48CB-A392-6FBE1F864096}" type="datetimeFigureOut">
               <a:rPr lang="zh-CN" altLang="en-US" smtClean="0"/>
-              <a:t>2018/5/17</a:t>
+              <a:t>2018/5/18</a:t>
             </a:fld>
             <a:endParaRPr lang="zh-CN" altLang="en-US"/>
           </a:p>
@@ -1538,7 +1538,7 @@
           <a:p>
             <a:fld id="{E2CA65C4-BDD0-48CB-A392-6FBE1F864096}" type="datetimeFigureOut">
               <a:rPr lang="zh-CN" altLang="en-US" smtClean="0"/>
-              <a:t>2018/5/17</a:t>
+              <a:t>2018/5/18</a:t>
             </a:fld>
             <a:endParaRPr lang="zh-CN" altLang="en-US"/>
           </a:p>
@@ -1765,7 +1765,7 @@
           <a:p>
             <a:fld id="{E2CA65C4-BDD0-48CB-A392-6FBE1F864096}" type="datetimeFigureOut">
               <a:rPr lang="zh-CN" altLang="en-US" smtClean="0"/>
-              <a:t>2018/5/17</a:t>
+              <a:t>2018/5/18</a:t>
             </a:fld>
             <a:endParaRPr lang="zh-CN" altLang="en-US"/>
           </a:p>
@@ -2127,7 +2127,7 @@
           <a:p>
             <a:fld id="{E2CA65C4-BDD0-48CB-A392-6FBE1F864096}" type="datetimeFigureOut">
               <a:rPr lang="zh-CN" altLang="en-US" smtClean="0"/>
-              <a:t>2018/5/17</a:t>
+              <a:t>2018/5/18</a:t>
             </a:fld>
             <a:endParaRPr lang="zh-CN" altLang="en-US"/>
           </a:p>
@@ -2240,7 +2240,7 @@
           <a:p>
             <a:fld id="{E2CA65C4-BDD0-48CB-A392-6FBE1F864096}" type="datetimeFigureOut">
               <a:rPr lang="zh-CN" altLang="en-US" smtClean="0"/>
-              <a:t>2018/5/17</a:t>
+              <a:t>2018/5/18</a:t>
             </a:fld>
             <a:endParaRPr lang="zh-CN" altLang="en-US"/>
           </a:p>
@@ -2330,7 +2330,7 @@
           <a:p>
             <a:fld id="{E2CA65C4-BDD0-48CB-A392-6FBE1F864096}" type="datetimeFigureOut">
               <a:rPr lang="zh-CN" altLang="en-US" smtClean="0"/>
-              <a:t>2018/5/17</a:t>
+              <a:t>2018/5/18</a:t>
             </a:fld>
             <a:endParaRPr lang="zh-CN" altLang="en-US"/>
           </a:p>
@@ -2602,7 +2602,7 @@
           <a:p>
             <a:fld id="{E2CA65C4-BDD0-48CB-A392-6FBE1F864096}" type="datetimeFigureOut">
               <a:rPr lang="zh-CN" altLang="en-US" smtClean="0"/>
-              <a:t>2018/5/17</a:t>
+              <a:t>2018/5/18</a:t>
             </a:fld>
             <a:endParaRPr lang="zh-CN" altLang="en-US"/>
           </a:p>
@@ -2850,7 +2850,7 @@
           <a:p>
             <a:fld id="{E2CA65C4-BDD0-48CB-A392-6FBE1F864096}" type="datetimeFigureOut">
               <a:rPr lang="zh-CN" altLang="en-US" smtClean="0"/>
-              <a:t>2018/5/17</a:t>
+              <a:t>2018/5/18</a:t>
             </a:fld>
             <a:endParaRPr lang="zh-CN" altLang="en-US"/>
           </a:p>
@@ -3058,7 +3058,7 @@
           <a:p>
             <a:fld id="{E2CA65C4-BDD0-48CB-A392-6FBE1F864096}" type="datetimeFigureOut">
               <a:rPr lang="zh-CN" altLang="en-US" smtClean="0"/>
-              <a:t>2018/5/17</a:t>
+              <a:t>2018/5/18</a:t>
             </a:fld>
             <a:endParaRPr lang="zh-CN" altLang="en-US"/>
           </a:p>
@@ -15349,14 +15349,14 @@
                 <a:solidFill>
                   <a:srgbClr val="000000"/>
                 </a:solidFill>
-                <a:latin typeface="仿宋" panose="02010609060101010101" pitchFamily="49" charset="-122"/>
-                <a:cs typeface="Times New Roman" panose="02020603050405020304" pitchFamily="18" charset="0"/>
+                <a:latin typeface="Arial" panose="020B0604020202020204" pitchFamily="34" charset="0"/>
+                <a:cs typeface="Arial" panose="020B0604020202020204" pitchFamily="34" charset="0"/>
               </a:rPr>
               <a:t>program:FPGA(..)[..]</a:t>
             </a:r>
             <a:endParaRPr lang="zh-CN" altLang="zh-CN" sz="900" kern="100">
-              <a:latin typeface="等线" panose="02010600030101010101" pitchFamily="2" charset="-122"/>
-              <a:cs typeface="Times New Roman" panose="02020603050405020304" pitchFamily="18" charset="0"/>
+              <a:latin typeface="Arial" panose="020B0604020202020204" pitchFamily="34" charset="0"/>
+              <a:cs typeface="Arial" panose="020B0604020202020204" pitchFamily="34" charset="0"/>
             </a:endParaRPr>
           </a:p>
           <a:p>
@@ -15373,14 +15373,14 @@
                 <a:solidFill>
                   <a:srgbClr val="000000"/>
                 </a:solidFill>
-                <a:latin typeface="仿宋" panose="02010609060101010101" pitchFamily="49" charset="-122"/>
-                <a:cs typeface="Times New Roman" panose="02020603050405020304" pitchFamily="18" charset="0"/>
+                <a:latin typeface="Arial" panose="020B0604020202020204" pitchFamily="34" charset="0"/>
+                <a:cs typeface="Arial" panose="020B0604020202020204" pitchFamily="34" charset="0"/>
               </a:rPr>
               <a:t>{</a:t>
             </a:r>
             <a:endParaRPr lang="zh-CN" altLang="zh-CN" sz="900" kern="100">
-              <a:latin typeface="等线" panose="02010600030101010101" pitchFamily="2" charset="-122"/>
-              <a:cs typeface="Times New Roman" panose="02020603050405020304" pitchFamily="18" charset="0"/>
+              <a:latin typeface="Arial" panose="020B0604020202020204" pitchFamily="34" charset="0"/>
+              <a:cs typeface="Arial" panose="020B0604020202020204" pitchFamily="34" charset="0"/>
             </a:endParaRPr>
           </a:p>
           <a:p>
@@ -15397,14 +15397,14 @@
                 <a:solidFill>
                   <a:srgbClr val="000000"/>
                 </a:solidFill>
-                <a:latin typeface="仿宋" panose="02010609060101010101" pitchFamily="49" charset="-122"/>
-                <a:cs typeface="Times New Roman" panose="02020603050405020304" pitchFamily="18" charset="0"/>
+                <a:latin typeface="Arial" panose="020B0604020202020204" pitchFamily="34" charset="0"/>
+                <a:cs typeface="Arial" panose="020B0604020202020204" pitchFamily="34" charset="0"/>
               </a:rPr>
               <a:t>    TRIGGER(TRUE)</a:t>
             </a:r>
             <a:endParaRPr lang="zh-CN" altLang="zh-CN" sz="900" kern="100">
-              <a:latin typeface="等线" panose="02010600030101010101" pitchFamily="2" charset="-122"/>
-              <a:cs typeface="Times New Roman" panose="02020603050405020304" pitchFamily="18" charset="0"/>
+              <a:latin typeface="Arial" panose="020B0604020202020204" pitchFamily="34" charset="0"/>
+              <a:cs typeface="Arial" panose="020B0604020202020204" pitchFamily="34" charset="0"/>
             </a:endParaRPr>
           </a:p>
           <a:p>
@@ -15421,14 +15421,14 @@
                 <a:solidFill>
                   <a:srgbClr val="000000"/>
                 </a:solidFill>
-                <a:latin typeface="仿宋" panose="02010609060101010101" pitchFamily="49" charset="-122"/>
-                <a:cs typeface="Times New Roman" panose="02020603050405020304" pitchFamily="18" charset="0"/>
+                <a:latin typeface="Arial" panose="020B0604020202020204" pitchFamily="34" charset="0"/>
+                <a:cs typeface="Arial" panose="020B0604020202020204" pitchFamily="34" charset="0"/>
               </a:rPr>
               <a:t>    {</a:t>
             </a:r>
             <a:endParaRPr lang="zh-CN" altLang="zh-CN" sz="900" kern="100">
-              <a:latin typeface="等线" panose="02010600030101010101" pitchFamily="2" charset="-122"/>
-              <a:cs typeface="Times New Roman" panose="02020603050405020304" pitchFamily="18" charset="0"/>
+              <a:latin typeface="Arial" panose="020B0604020202020204" pitchFamily="34" charset="0"/>
+              <a:cs typeface="Arial" panose="020B0604020202020204" pitchFamily="34" charset="0"/>
             </a:endParaRPr>
           </a:p>
           <a:p>
@@ -15445,14 +15445,14 @@
                 <a:solidFill>
                   <a:srgbClr val="000000"/>
                 </a:solidFill>
-                <a:latin typeface="仿宋" panose="02010609060101010101" pitchFamily="49" charset="-122"/>
-                <a:cs typeface="Times New Roman" panose="02020603050405020304" pitchFamily="18" charset="0"/>
+                <a:latin typeface="Arial" panose="020B0604020202020204" pitchFamily="34" charset="0"/>
+                <a:cs typeface="Arial" panose="020B0604020202020204" pitchFamily="34" charset="0"/>
               </a:rPr>
               <a:t>        CHANNEL.CD.!2;</a:t>
             </a:r>
             <a:endParaRPr lang="zh-CN" altLang="zh-CN" sz="900" kern="100">
-              <a:latin typeface="等线" panose="02010600030101010101" pitchFamily="2" charset="-122"/>
-              <a:cs typeface="Times New Roman" panose="02020603050405020304" pitchFamily="18" charset="0"/>
+              <a:latin typeface="Arial" panose="020B0604020202020204" pitchFamily="34" charset="0"/>
+              <a:cs typeface="Arial" panose="020B0604020202020204" pitchFamily="34" charset="0"/>
             </a:endParaRPr>
           </a:p>
           <a:p>
@@ -15469,14 +15469,14 @@
                 <a:solidFill>
                   <a:srgbClr val="000000"/>
                 </a:solidFill>
-                <a:latin typeface="仿宋" panose="02010609060101010101" pitchFamily="49" charset="-122"/>
-                <a:cs typeface="Times New Roman" panose="02020603050405020304" pitchFamily="18" charset="0"/>
+                <a:latin typeface="Arial" panose="020B0604020202020204" pitchFamily="34" charset="0"/>
+                <a:cs typeface="Arial" panose="020B0604020202020204" pitchFamily="34" charset="0"/>
               </a:rPr>
               <a:t>        CHANNEL.CD.!1;</a:t>
             </a:r>
             <a:endParaRPr lang="zh-CN" altLang="zh-CN" sz="900" kern="100">
-              <a:latin typeface="等线" panose="02010600030101010101" pitchFamily="2" charset="-122"/>
-              <a:cs typeface="Times New Roman" panose="02020603050405020304" pitchFamily="18" charset="0"/>
+              <a:latin typeface="Arial" panose="020B0604020202020204" pitchFamily="34" charset="0"/>
+              <a:cs typeface="Arial" panose="020B0604020202020204" pitchFamily="34" charset="0"/>
             </a:endParaRPr>
           </a:p>
           <a:p>
@@ -15493,14 +15493,14 @@
                 <a:solidFill>
                   <a:srgbClr val="000000"/>
                 </a:solidFill>
-                <a:latin typeface="仿宋" panose="02010609060101010101" pitchFamily="49" charset="-122"/>
-                <a:cs typeface="Times New Roman" panose="02020603050405020304" pitchFamily="18" charset="0"/>
+                <a:latin typeface="Arial" panose="020B0604020202020204" pitchFamily="34" charset="0"/>
+                <a:cs typeface="Arial" panose="020B0604020202020204" pitchFamily="34" charset="0"/>
               </a:rPr>
               <a:t>        varA:=a;</a:t>
             </a:r>
             <a:endParaRPr lang="zh-CN" altLang="zh-CN" sz="900" kern="100">
-              <a:latin typeface="等线" panose="02010600030101010101" pitchFamily="2" charset="-122"/>
-              <a:cs typeface="Times New Roman" panose="02020603050405020304" pitchFamily="18" charset="0"/>
+              <a:latin typeface="Arial" panose="020B0604020202020204" pitchFamily="34" charset="0"/>
+              <a:cs typeface="Arial" panose="020B0604020202020204" pitchFamily="34" charset="0"/>
             </a:endParaRPr>
           </a:p>
           <a:p>
@@ -15517,14 +15517,14 @@
                 <a:solidFill>
                   <a:srgbClr val="000000"/>
                 </a:solidFill>
-                <a:latin typeface="仿宋" panose="02010609060101010101" pitchFamily="49" charset="-122"/>
-                <a:cs typeface="Times New Roman" panose="02020603050405020304" pitchFamily="18" charset="0"/>
+                <a:latin typeface="Arial" panose="020B0604020202020204" pitchFamily="34" charset="0"/>
+                <a:cs typeface="Arial" panose="020B0604020202020204" pitchFamily="34" charset="0"/>
               </a:rPr>
               <a:t>        numA:=aa;</a:t>
             </a:r>
             <a:endParaRPr lang="zh-CN" altLang="zh-CN" sz="900" kern="100">
-              <a:latin typeface="等线" panose="02010600030101010101" pitchFamily="2" charset="-122"/>
-              <a:cs typeface="Times New Roman" panose="02020603050405020304" pitchFamily="18" charset="0"/>
+              <a:latin typeface="Arial" panose="020B0604020202020204" pitchFamily="34" charset="0"/>
+              <a:cs typeface="Arial" panose="020B0604020202020204" pitchFamily="34" charset="0"/>
             </a:endParaRPr>
           </a:p>
           <a:p>
@@ -15541,14 +15541,14 @@
                 <a:solidFill>
                   <a:srgbClr val="000000"/>
                 </a:solidFill>
-                <a:latin typeface="仿宋" panose="02010609060101010101" pitchFamily="49" charset="-122"/>
-                <a:cs typeface="Times New Roman" panose="02020603050405020304" pitchFamily="18" charset="0"/>
+                <a:latin typeface="Arial" panose="020B0604020202020204" pitchFamily="34" charset="0"/>
+                <a:cs typeface="Arial" panose="020B0604020202020204" pitchFamily="34" charset="0"/>
               </a:rPr>
               <a:t>        result:=numA;</a:t>
             </a:r>
             <a:endParaRPr lang="zh-CN" altLang="zh-CN" sz="900" kern="100">
-              <a:latin typeface="等线" panose="02010600030101010101" pitchFamily="2" charset="-122"/>
-              <a:cs typeface="Times New Roman" panose="02020603050405020304" pitchFamily="18" charset="0"/>
+              <a:latin typeface="Arial" panose="020B0604020202020204" pitchFamily="34" charset="0"/>
+              <a:cs typeface="Arial" panose="020B0604020202020204" pitchFamily="34" charset="0"/>
             </a:endParaRPr>
           </a:p>
           <a:p>
@@ -15565,14 +15565,14 @@
                 <a:solidFill>
                   <a:srgbClr val="000000"/>
                 </a:solidFill>
-                <a:latin typeface="仿宋" panose="02010609060101010101" pitchFamily="49" charset="-122"/>
-                <a:cs typeface="Times New Roman" panose="02020603050405020304" pitchFamily="18" charset="0"/>
+                <a:latin typeface="Arial" panose="020B0604020202020204" pitchFamily="34" charset="0"/>
+                <a:cs typeface="Arial" panose="020B0604020202020204" pitchFamily="34" charset="0"/>
               </a:rPr>
               <a:t>        CHANNEL.DD.!2:result;</a:t>
             </a:r>
             <a:endParaRPr lang="zh-CN" altLang="zh-CN" sz="900" kern="100">
-              <a:latin typeface="等线" panose="02010600030101010101" pitchFamily="2" charset="-122"/>
-              <a:cs typeface="Times New Roman" panose="02020603050405020304" pitchFamily="18" charset="0"/>
+              <a:latin typeface="Arial" panose="020B0604020202020204" pitchFamily="34" charset="0"/>
+              <a:cs typeface="Arial" panose="020B0604020202020204" pitchFamily="34" charset="0"/>
             </a:endParaRPr>
           </a:p>
           <a:p>
@@ -15589,14 +15589,14 @@
                 <a:solidFill>
                   <a:srgbClr val="000000"/>
                 </a:solidFill>
-                <a:latin typeface="仿宋" panose="02010609060101010101" pitchFamily="49" charset="-122"/>
-                <a:cs typeface="Times New Roman" panose="02020603050405020304" pitchFamily="18" charset="0"/>
+                <a:latin typeface="Arial" panose="020B0604020202020204" pitchFamily="34" charset="0"/>
+                <a:cs typeface="Arial" panose="020B0604020202020204" pitchFamily="34" charset="0"/>
               </a:rPr>
               <a:t>        CHANNEL.DD.?1:result;</a:t>
             </a:r>
             <a:endParaRPr lang="zh-CN" altLang="zh-CN" sz="900" kern="100">
-              <a:latin typeface="等线" panose="02010600030101010101" pitchFamily="2" charset="-122"/>
-              <a:cs typeface="Times New Roman" panose="02020603050405020304" pitchFamily="18" charset="0"/>
+              <a:latin typeface="Arial" panose="020B0604020202020204" pitchFamily="34" charset="0"/>
+              <a:cs typeface="Arial" panose="020B0604020202020204" pitchFamily="34" charset="0"/>
             </a:endParaRPr>
           </a:p>
           <a:p>
@@ -15613,14 +15613,14 @@
                 <a:solidFill>
                   <a:srgbClr val="000000"/>
                 </a:solidFill>
-                <a:latin typeface="仿宋" panose="02010609060101010101" pitchFamily="49" charset="-122"/>
-                <a:cs typeface="Times New Roman" panose="02020603050405020304" pitchFamily="18" charset="0"/>
+                <a:latin typeface="Arial" panose="020B0604020202020204" pitchFamily="34" charset="0"/>
+                <a:cs typeface="Arial" panose="020B0604020202020204" pitchFamily="34" charset="0"/>
               </a:rPr>
               <a:t>        result:=result*varA;</a:t>
             </a:r>
             <a:endParaRPr lang="zh-CN" altLang="zh-CN" sz="900" kern="100">
-              <a:latin typeface="等线" panose="02010600030101010101" pitchFamily="2" charset="-122"/>
-              <a:cs typeface="Times New Roman" panose="02020603050405020304" pitchFamily="18" charset="0"/>
+              <a:latin typeface="Arial" panose="020B0604020202020204" pitchFamily="34" charset="0"/>
+              <a:cs typeface="Arial" panose="020B0604020202020204" pitchFamily="34" charset="0"/>
             </a:endParaRPr>
           </a:p>
           <a:p>
@@ -15637,14 +15637,14 @@
                 <a:solidFill>
                   <a:srgbClr val="000000"/>
                 </a:solidFill>
-                <a:latin typeface="仿宋" panose="02010609060101010101" pitchFamily="49" charset="-122"/>
-                <a:cs typeface="Times New Roman" panose="02020603050405020304" pitchFamily="18" charset="0"/>
+                <a:latin typeface="Arial" panose="020B0604020202020204" pitchFamily="34" charset="0"/>
+                <a:cs typeface="Arial" panose="020B0604020202020204" pitchFamily="34" charset="0"/>
               </a:rPr>
               <a:t>        CHANNEL.DD.!3:result;</a:t>
             </a:r>
             <a:endParaRPr lang="zh-CN" altLang="zh-CN" sz="900" kern="100">
-              <a:latin typeface="等线" panose="02010600030101010101" pitchFamily="2" charset="-122"/>
-              <a:cs typeface="Times New Roman" panose="02020603050405020304" pitchFamily="18" charset="0"/>
+              <a:latin typeface="Arial" panose="020B0604020202020204" pitchFamily="34" charset="0"/>
+              <a:cs typeface="Arial" panose="020B0604020202020204" pitchFamily="34" charset="0"/>
             </a:endParaRPr>
           </a:p>
           <a:p>
@@ -15661,14 +15661,14 @@
                 <a:solidFill>
                   <a:srgbClr val="000000"/>
                 </a:solidFill>
-                <a:latin typeface="仿宋" panose="02010609060101010101" pitchFamily="49" charset="-122"/>
-                <a:cs typeface="Times New Roman" panose="02020603050405020304" pitchFamily="18" charset="0"/>
+                <a:latin typeface="Arial" panose="020B0604020202020204" pitchFamily="34" charset="0"/>
+                <a:cs typeface="Arial" panose="020B0604020202020204" pitchFamily="34" charset="0"/>
               </a:rPr>
               <a:t>    }</a:t>
             </a:r>
             <a:endParaRPr lang="zh-CN" altLang="zh-CN" sz="900" kern="100">
-              <a:latin typeface="等线" panose="02010600030101010101" pitchFamily="2" charset="-122"/>
-              <a:cs typeface="Times New Roman" panose="02020603050405020304" pitchFamily="18" charset="0"/>
+              <a:latin typeface="Arial" panose="020B0604020202020204" pitchFamily="34" charset="0"/>
+              <a:cs typeface="Arial" panose="020B0604020202020204" pitchFamily="34" charset="0"/>
             </a:endParaRPr>
           </a:p>
           <a:p>
@@ -15685,14 +15685,14 @@
                 <a:solidFill>
                   <a:srgbClr val="000000"/>
                 </a:solidFill>
-                <a:latin typeface="仿宋" panose="02010609060101010101" pitchFamily="49" charset="-122"/>
-                <a:cs typeface="Times New Roman" panose="02020603050405020304" pitchFamily="18" charset="0"/>
+                <a:latin typeface="Arial" panose="020B0604020202020204" pitchFamily="34" charset="0"/>
+                <a:cs typeface="Arial" panose="020B0604020202020204" pitchFamily="34" charset="0"/>
               </a:rPr>
               <a:t>}</a:t>
             </a:r>
             <a:endParaRPr lang="zh-CN" altLang="zh-CN" sz="900" kern="100">
-              <a:latin typeface="等线" panose="02010600030101010101" pitchFamily="2" charset="-122"/>
-              <a:cs typeface="Times New Roman" panose="02020603050405020304" pitchFamily="18" charset="0"/>
+              <a:latin typeface="Arial" panose="020B0604020202020204" pitchFamily="34" charset="0"/>
+              <a:cs typeface="Arial" panose="020B0604020202020204" pitchFamily="34" charset="0"/>
             </a:endParaRPr>
           </a:p>
         </p:txBody>
@@ -15711,7 +15711,7 @@
         </p:nvSpPr>
         <p:spPr>
           <a:xfrm>
-            <a:off x="2790701" y="351892"/>
+            <a:off x="2510841" y="351892"/>
             <a:ext cx="2317470" cy="1673728"/>
           </a:xfrm>
           <a:prstGeom prst="rect">
@@ -15737,14 +15737,14 @@
                 <a:solidFill>
                   <a:srgbClr val="000000"/>
                 </a:solidFill>
-                <a:latin typeface="仿宋" panose="02010609060101010101" pitchFamily="49" charset="-122"/>
-                <a:cs typeface="Times New Roman" panose="02020603050405020304" pitchFamily="18" charset="0"/>
+                <a:latin typeface="Arial" panose="020B0604020202020204" pitchFamily="34" charset="0"/>
+                <a:cs typeface="Arial" panose="020B0604020202020204" pitchFamily="34" charset="0"/>
               </a:rPr>
               <a:t>program:PLC(..)[..]</a:t>
             </a:r>
             <a:endParaRPr lang="zh-CN" altLang="zh-CN" sz="900" kern="100">
-              <a:latin typeface="等线" panose="02010600030101010101" pitchFamily="2" charset="-122"/>
-              <a:cs typeface="Times New Roman" panose="02020603050405020304" pitchFamily="18" charset="0"/>
+              <a:latin typeface="Arial" panose="020B0604020202020204" pitchFamily="34" charset="0"/>
+              <a:cs typeface="Arial" panose="020B0604020202020204" pitchFamily="34" charset="0"/>
             </a:endParaRPr>
           </a:p>
           <a:p>
@@ -15761,14 +15761,14 @@
                 <a:solidFill>
                   <a:srgbClr val="000000"/>
                 </a:solidFill>
-                <a:latin typeface="仿宋" panose="02010609060101010101" pitchFamily="49" charset="-122"/>
-                <a:cs typeface="Times New Roman" panose="02020603050405020304" pitchFamily="18" charset="0"/>
+                <a:latin typeface="Arial" panose="020B0604020202020204" pitchFamily="34" charset="0"/>
+                <a:cs typeface="Arial" panose="020B0604020202020204" pitchFamily="34" charset="0"/>
               </a:rPr>
               <a:t>{</a:t>
             </a:r>
             <a:endParaRPr lang="zh-CN" altLang="zh-CN" sz="900" kern="100">
-              <a:latin typeface="等线" panose="02010600030101010101" pitchFamily="2" charset="-122"/>
-              <a:cs typeface="Times New Roman" panose="02020603050405020304" pitchFamily="18" charset="0"/>
+              <a:latin typeface="Arial" panose="020B0604020202020204" pitchFamily="34" charset="0"/>
+              <a:cs typeface="Arial" panose="020B0604020202020204" pitchFamily="34" charset="0"/>
             </a:endParaRPr>
           </a:p>
           <a:p>
@@ -15785,14 +15785,14 @@
                 <a:solidFill>
                   <a:srgbClr val="000000"/>
                 </a:solidFill>
-                <a:latin typeface="仿宋" panose="02010609060101010101" pitchFamily="49" charset="-122"/>
-                <a:cs typeface="Times New Roman" panose="02020603050405020304" pitchFamily="18" charset="0"/>
+                <a:latin typeface="Arial" panose="020B0604020202020204" pitchFamily="34" charset="0"/>
+                <a:cs typeface="Arial" panose="020B0604020202020204" pitchFamily="34" charset="0"/>
               </a:rPr>
               <a:t>    TRIGGER(CHANNEL.CD.?1)</a:t>
             </a:r>
             <a:endParaRPr lang="zh-CN" altLang="zh-CN" sz="900" kern="100">
-              <a:latin typeface="等线" panose="02010600030101010101" pitchFamily="2" charset="-122"/>
-              <a:cs typeface="Times New Roman" panose="02020603050405020304" pitchFamily="18" charset="0"/>
+              <a:latin typeface="Arial" panose="020B0604020202020204" pitchFamily="34" charset="0"/>
+              <a:cs typeface="Arial" panose="020B0604020202020204" pitchFamily="34" charset="0"/>
             </a:endParaRPr>
           </a:p>
           <a:p>
@@ -15809,14 +15809,14 @@
                 <a:solidFill>
                   <a:srgbClr val="000000"/>
                 </a:solidFill>
-                <a:latin typeface="仿宋" panose="02010609060101010101" pitchFamily="49" charset="-122"/>
-                <a:cs typeface="Times New Roman" panose="02020603050405020304" pitchFamily="18" charset="0"/>
+                <a:latin typeface="Arial" panose="020B0604020202020204" pitchFamily="34" charset="0"/>
+                <a:cs typeface="Arial" panose="020B0604020202020204" pitchFamily="34" charset="0"/>
               </a:rPr>
               <a:t>    {</a:t>
             </a:r>
             <a:endParaRPr lang="zh-CN" altLang="zh-CN" sz="900" kern="100">
-              <a:latin typeface="等线" panose="02010600030101010101" pitchFamily="2" charset="-122"/>
-              <a:cs typeface="Times New Roman" panose="02020603050405020304" pitchFamily="18" charset="0"/>
+              <a:latin typeface="Arial" panose="020B0604020202020204" pitchFamily="34" charset="0"/>
+              <a:cs typeface="Arial" panose="020B0604020202020204" pitchFamily="34" charset="0"/>
             </a:endParaRPr>
           </a:p>
           <a:p>
@@ -15833,14 +15833,14 @@
                 <a:solidFill>
                   <a:srgbClr val="000000"/>
                 </a:solidFill>
-                <a:latin typeface="仿宋" panose="02010609060101010101" pitchFamily="49" charset="-122"/>
-                <a:cs typeface="Times New Roman" panose="02020603050405020304" pitchFamily="18" charset="0"/>
+                <a:latin typeface="Arial" panose="020B0604020202020204" pitchFamily="34" charset="0"/>
+                <a:cs typeface="Arial" panose="020B0604020202020204" pitchFamily="34" charset="0"/>
               </a:rPr>
               <a:t>        varB:=b;</a:t>
             </a:r>
             <a:endParaRPr lang="zh-CN" altLang="zh-CN" sz="900" kern="100">
-              <a:latin typeface="等线" panose="02010600030101010101" pitchFamily="2" charset="-122"/>
-              <a:cs typeface="Times New Roman" panose="02020603050405020304" pitchFamily="18" charset="0"/>
+              <a:latin typeface="Arial" panose="020B0604020202020204" pitchFamily="34" charset="0"/>
+              <a:cs typeface="Arial" panose="020B0604020202020204" pitchFamily="34" charset="0"/>
             </a:endParaRPr>
           </a:p>
           <a:p>
@@ -15857,14 +15857,14 @@
                 <a:solidFill>
                   <a:srgbClr val="000000"/>
                 </a:solidFill>
-                <a:latin typeface="仿宋" panose="02010609060101010101" pitchFamily="49" charset="-122"/>
-                <a:cs typeface="Times New Roman" panose="02020603050405020304" pitchFamily="18" charset="0"/>
+                <a:latin typeface="Arial" panose="020B0604020202020204" pitchFamily="34" charset="0"/>
+                <a:cs typeface="Arial" panose="020B0604020202020204" pitchFamily="34" charset="0"/>
               </a:rPr>
               <a:t>        CHANNEL.DD.?2:result;</a:t>
             </a:r>
             <a:endParaRPr lang="zh-CN" altLang="zh-CN" sz="900" kern="100">
-              <a:latin typeface="等线" panose="02010600030101010101" pitchFamily="2" charset="-122"/>
-              <a:cs typeface="Times New Roman" panose="02020603050405020304" pitchFamily="18" charset="0"/>
+              <a:latin typeface="Arial" panose="020B0604020202020204" pitchFamily="34" charset="0"/>
+              <a:cs typeface="Arial" panose="020B0604020202020204" pitchFamily="34" charset="0"/>
             </a:endParaRPr>
           </a:p>
           <a:p>
@@ -15881,14 +15881,14 @@
                 <a:solidFill>
                   <a:srgbClr val="000000"/>
                 </a:solidFill>
-                <a:latin typeface="仿宋" panose="02010609060101010101" pitchFamily="49" charset="-122"/>
-                <a:cs typeface="Times New Roman" panose="02020603050405020304" pitchFamily="18" charset="0"/>
+                <a:latin typeface="Arial" panose="020B0604020202020204" pitchFamily="34" charset="0"/>
+                <a:cs typeface="Arial" panose="020B0604020202020204" pitchFamily="34" charset="0"/>
               </a:rPr>
               <a:t>        result:=result+varB;</a:t>
             </a:r>
             <a:endParaRPr lang="zh-CN" altLang="zh-CN" sz="900" kern="100">
-              <a:latin typeface="等线" panose="02010600030101010101" pitchFamily="2" charset="-122"/>
-              <a:cs typeface="Times New Roman" panose="02020603050405020304" pitchFamily="18" charset="0"/>
+              <a:latin typeface="Arial" panose="020B0604020202020204" pitchFamily="34" charset="0"/>
+              <a:cs typeface="Arial" panose="020B0604020202020204" pitchFamily="34" charset="0"/>
             </a:endParaRPr>
           </a:p>
           <a:p>
@@ -15905,14 +15905,14 @@
                 <a:solidFill>
                   <a:srgbClr val="000000"/>
                 </a:solidFill>
-                <a:latin typeface="仿宋" panose="02010609060101010101" pitchFamily="49" charset="-122"/>
-                <a:cs typeface="Times New Roman" panose="02020603050405020304" pitchFamily="18" charset="0"/>
+                <a:latin typeface="Arial" panose="020B0604020202020204" pitchFamily="34" charset="0"/>
+                <a:cs typeface="Arial" panose="020B0604020202020204" pitchFamily="34" charset="0"/>
               </a:rPr>
               <a:t>        CHANNEL.DD.!1:result;</a:t>
             </a:r>
             <a:endParaRPr lang="zh-CN" altLang="zh-CN" sz="900" kern="100">
-              <a:latin typeface="等线" panose="02010600030101010101" pitchFamily="2" charset="-122"/>
-              <a:cs typeface="Times New Roman" panose="02020603050405020304" pitchFamily="18" charset="0"/>
+              <a:latin typeface="Arial" panose="020B0604020202020204" pitchFamily="34" charset="0"/>
+              <a:cs typeface="Arial" panose="020B0604020202020204" pitchFamily="34" charset="0"/>
             </a:endParaRPr>
           </a:p>
           <a:p>
@@ -15929,14 +15929,14 @@
                 <a:solidFill>
                   <a:srgbClr val="000000"/>
                 </a:solidFill>
-                <a:latin typeface="仿宋" panose="02010609060101010101" pitchFamily="49" charset="-122"/>
-                <a:cs typeface="Times New Roman" panose="02020603050405020304" pitchFamily="18" charset="0"/>
+                <a:latin typeface="Arial" panose="020B0604020202020204" pitchFamily="34" charset="0"/>
+                <a:cs typeface="Arial" panose="020B0604020202020204" pitchFamily="34" charset="0"/>
               </a:rPr>
               <a:t>    }</a:t>
             </a:r>
             <a:endParaRPr lang="zh-CN" altLang="zh-CN" sz="900" kern="100">
-              <a:latin typeface="等线" panose="02010600030101010101" pitchFamily="2" charset="-122"/>
-              <a:cs typeface="Times New Roman" panose="02020603050405020304" pitchFamily="18" charset="0"/>
+              <a:latin typeface="Arial" panose="020B0604020202020204" pitchFamily="34" charset="0"/>
+              <a:cs typeface="Arial" panose="020B0604020202020204" pitchFamily="34" charset="0"/>
             </a:endParaRPr>
           </a:p>
           <a:p>
@@ -15953,14 +15953,14 @@
                 <a:solidFill>
                   <a:srgbClr val="000000"/>
                 </a:solidFill>
-                <a:latin typeface="仿宋" panose="02010609060101010101" pitchFamily="49" charset="-122"/>
-                <a:cs typeface="Times New Roman" panose="02020603050405020304" pitchFamily="18" charset="0"/>
+                <a:latin typeface="Arial" panose="020B0604020202020204" pitchFamily="34" charset="0"/>
+                <a:cs typeface="Arial" panose="020B0604020202020204" pitchFamily="34" charset="0"/>
               </a:rPr>
               <a:t>}</a:t>
             </a:r>
             <a:endParaRPr lang="zh-CN" altLang="zh-CN" sz="900" kern="100">
-              <a:latin typeface="等线" panose="02010600030101010101" pitchFamily="2" charset="-122"/>
-              <a:cs typeface="Times New Roman" panose="02020603050405020304" pitchFamily="18" charset="0"/>
+              <a:latin typeface="Arial" panose="020B0604020202020204" pitchFamily="34" charset="0"/>
+              <a:cs typeface="Arial" panose="020B0604020202020204" pitchFamily="34" charset="0"/>
             </a:endParaRPr>
           </a:p>
         </p:txBody>
@@ -15979,8 +15979,8 @@
         </p:nvSpPr>
         <p:spPr>
           <a:xfrm>
-            <a:off x="4828311" y="351892"/>
-            <a:ext cx="2255520" cy="1673728"/>
+            <a:off x="4398822" y="351892"/>
+            <a:ext cx="1981658" cy="1673728"/>
           </a:xfrm>
           <a:prstGeom prst="rect">
             <a:avLst/>
@@ -16005,14 +16005,14 @@
                 <a:solidFill>
                   <a:srgbClr val="000000"/>
                 </a:solidFill>
-                <a:latin typeface="仿宋" panose="02010609060101010101" pitchFamily="49" charset="-122"/>
-                <a:cs typeface="Times New Roman" panose="02020603050405020304" pitchFamily="18" charset="0"/>
+                <a:latin typeface="Arial" panose="020B0604020202020204" pitchFamily="34" charset="0"/>
+                <a:cs typeface="Arial" panose="020B0604020202020204" pitchFamily="34" charset="0"/>
               </a:rPr>
               <a:t>program:PC(..)[..]</a:t>
             </a:r>
             <a:endParaRPr lang="zh-CN" altLang="zh-CN" sz="900" kern="100">
-              <a:latin typeface="等线" panose="02010600030101010101" pitchFamily="2" charset="-122"/>
-              <a:cs typeface="Times New Roman" panose="02020603050405020304" pitchFamily="18" charset="0"/>
+              <a:latin typeface="Arial" panose="020B0604020202020204" pitchFamily="34" charset="0"/>
+              <a:cs typeface="Arial" panose="020B0604020202020204" pitchFamily="34" charset="0"/>
             </a:endParaRPr>
           </a:p>
           <a:p>
@@ -16029,14 +16029,14 @@
                 <a:solidFill>
                   <a:srgbClr val="000000"/>
                 </a:solidFill>
-                <a:latin typeface="仿宋" panose="02010609060101010101" pitchFamily="49" charset="-122"/>
-                <a:cs typeface="Times New Roman" panose="02020603050405020304" pitchFamily="18" charset="0"/>
+                <a:latin typeface="Arial" panose="020B0604020202020204" pitchFamily="34" charset="0"/>
+                <a:cs typeface="Arial" panose="020B0604020202020204" pitchFamily="34" charset="0"/>
               </a:rPr>
               <a:t>{</a:t>
             </a:r>
             <a:endParaRPr lang="zh-CN" altLang="zh-CN" sz="900" kern="100">
-              <a:latin typeface="等线" panose="02010600030101010101" pitchFamily="2" charset="-122"/>
-              <a:cs typeface="Times New Roman" panose="02020603050405020304" pitchFamily="18" charset="0"/>
+              <a:latin typeface="Arial" panose="020B0604020202020204" pitchFamily="34" charset="0"/>
+              <a:cs typeface="Arial" panose="020B0604020202020204" pitchFamily="34" charset="0"/>
             </a:endParaRPr>
           </a:p>
           <a:p>
@@ -16053,14 +16053,14 @@
                 <a:solidFill>
                   <a:srgbClr val="000000"/>
                 </a:solidFill>
-                <a:latin typeface="仿宋" panose="02010609060101010101" pitchFamily="49" charset="-122"/>
-                <a:cs typeface="Times New Roman" panose="02020603050405020304" pitchFamily="18" charset="0"/>
+                <a:latin typeface="Arial" panose="020B0604020202020204" pitchFamily="34" charset="0"/>
+                <a:cs typeface="Arial" panose="020B0604020202020204" pitchFamily="34" charset="0"/>
               </a:rPr>
               <a:t>    TRIGGER(CHANNEL.CD.?2)</a:t>
             </a:r>
             <a:endParaRPr lang="zh-CN" altLang="zh-CN" sz="900" kern="100">
-              <a:latin typeface="等线" panose="02010600030101010101" pitchFamily="2" charset="-122"/>
-              <a:cs typeface="Times New Roman" panose="02020603050405020304" pitchFamily="18" charset="0"/>
+              <a:latin typeface="Arial" panose="020B0604020202020204" pitchFamily="34" charset="0"/>
+              <a:cs typeface="Arial" panose="020B0604020202020204" pitchFamily="34" charset="0"/>
             </a:endParaRPr>
           </a:p>
           <a:p>
@@ -16077,14 +16077,14 @@
                 <a:solidFill>
                   <a:srgbClr val="000000"/>
                 </a:solidFill>
-                <a:latin typeface="仿宋" panose="02010609060101010101" pitchFamily="49" charset="-122"/>
-                <a:cs typeface="Times New Roman" panose="02020603050405020304" pitchFamily="18" charset="0"/>
+                <a:latin typeface="Arial" panose="020B0604020202020204" pitchFamily="34" charset="0"/>
+                <a:cs typeface="Arial" panose="020B0604020202020204" pitchFamily="34" charset="0"/>
               </a:rPr>
               <a:t>    {</a:t>
             </a:r>
             <a:endParaRPr lang="zh-CN" altLang="zh-CN" sz="900" kern="100">
-              <a:latin typeface="等线" panose="02010600030101010101" pitchFamily="2" charset="-122"/>
-              <a:cs typeface="Times New Roman" panose="02020603050405020304" pitchFamily="18" charset="0"/>
+              <a:latin typeface="Arial" panose="020B0604020202020204" pitchFamily="34" charset="0"/>
+              <a:cs typeface="Arial" panose="020B0604020202020204" pitchFamily="34" charset="0"/>
             </a:endParaRPr>
           </a:p>
           <a:p>
@@ -16101,14 +16101,14 @@
                 <a:solidFill>
                   <a:srgbClr val="000000"/>
                 </a:solidFill>
-                <a:latin typeface="仿宋" panose="02010609060101010101" pitchFamily="49" charset="-122"/>
-                <a:cs typeface="Times New Roman" panose="02020603050405020304" pitchFamily="18" charset="0"/>
+                <a:latin typeface="Arial" panose="020B0604020202020204" pitchFamily="34" charset="0"/>
+                <a:cs typeface="Arial" panose="020B0604020202020204" pitchFamily="34" charset="0"/>
               </a:rPr>
               <a:t>        varC:=c;</a:t>
             </a:r>
             <a:endParaRPr lang="zh-CN" altLang="zh-CN" sz="900" kern="100">
-              <a:latin typeface="等线" panose="02010600030101010101" pitchFamily="2" charset="-122"/>
-              <a:cs typeface="Times New Roman" panose="02020603050405020304" pitchFamily="18" charset="0"/>
+              <a:latin typeface="Arial" panose="020B0604020202020204" pitchFamily="34" charset="0"/>
+              <a:cs typeface="Arial" panose="020B0604020202020204" pitchFamily="34" charset="0"/>
             </a:endParaRPr>
           </a:p>
           <a:p>
@@ -16125,14 +16125,14 @@
                 <a:solidFill>
                   <a:srgbClr val="000000"/>
                 </a:solidFill>
-                <a:latin typeface="仿宋" panose="02010609060101010101" pitchFamily="49" charset="-122"/>
-                <a:cs typeface="Times New Roman" panose="02020603050405020304" pitchFamily="18" charset="0"/>
+                <a:latin typeface="Arial" panose="020B0604020202020204" pitchFamily="34" charset="0"/>
+                <a:cs typeface="Arial" panose="020B0604020202020204" pitchFamily="34" charset="0"/>
               </a:rPr>
               <a:t>        CHANNEL.DD.?3:result;</a:t>
             </a:r>
             <a:endParaRPr lang="zh-CN" altLang="zh-CN" sz="900" kern="100">
-              <a:latin typeface="等线" panose="02010600030101010101" pitchFamily="2" charset="-122"/>
-              <a:cs typeface="Times New Roman" panose="02020603050405020304" pitchFamily="18" charset="0"/>
+              <a:latin typeface="Arial" panose="020B0604020202020204" pitchFamily="34" charset="0"/>
+              <a:cs typeface="Arial" panose="020B0604020202020204" pitchFamily="34" charset="0"/>
             </a:endParaRPr>
           </a:p>
           <a:p>
@@ -16149,14 +16149,14 @@
                 <a:solidFill>
                   <a:srgbClr val="000000"/>
                 </a:solidFill>
-                <a:latin typeface="仿宋" panose="02010609060101010101" pitchFamily="49" charset="-122"/>
-                <a:cs typeface="Times New Roman" panose="02020603050405020304" pitchFamily="18" charset="0"/>
+                <a:latin typeface="Arial" panose="020B0604020202020204" pitchFamily="34" charset="0"/>
+                <a:cs typeface="Arial" panose="020B0604020202020204" pitchFamily="34" charset="0"/>
               </a:rPr>
               <a:t>        result:=result+varC;</a:t>
             </a:r>
             <a:endParaRPr lang="zh-CN" altLang="zh-CN" sz="900" kern="100">
-              <a:latin typeface="等线" panose="02010600030101010101" pitchFamily="2" charset="-122"/>
-              <a:cs typeface="Times New Roman" panose="02020603050405020304" pitchFamily="18" charset="0"/>
+              <a:latin typeface="Arial" panose="020B0604020202020204" pitchFamily="34" charset="0"/>
+              <a:cs typeface="Arial" panose="020B0604020202020204" pitchFamily="34" charset="0"/>
             </a:endParaRPr>
           </a:p>
           <a:p>
@@ -16173,14 +16173,14 @@
                 <a:solidFill>
                   <a:srgbClr val="000000"/>
                 </a:solidFill>
-                <a:latin typeface="仿宋" panose="02010609060101010101" pitchFamily="49" charset="-122"/>
-                <a:cs typeface="Times New Roman" panose="02020603050405020304" pitchFamily="18" charset="0"/>
+                <a:latin typeface="Arial" panose="020B0604020202020204" pitchFamily="34" charset="0"/>
+                <a:cs typeface="Arial" panose="020B0604020202020204" pitchFamily="34" charset="0"/>
               </a:rPr>
               <a:t>        result&gt;&gt;Scream;</a:t>
             </a:r>
             <a:endParaRPr lang="zh-CN" altLang="zh-CN" sz="900" kern="100">
-              <a:latin typeface="等线" panose="02010600030101010101" pitchFamily="2" charset="-122"/>
-              <a:cs typeface="Times New Roman" panose="02020603050405020304" pitchFamily="18" charset="0"/>
+              <a:latin typeface="Arial" panose="020B0604020202020204" pitchFamily="34" charset="0"/>
+              <a:cs typeface="Arial" panose="020B0604020202020204" pitchFamily="34" charset="0"/>
             </a:endParaRPr>
           </a:p>
           <a:p>
@@ -16197,14 +16197,14 @@
                 <a:solidFill>
                   <a:srgbClr val="000000"/>
                 </a:solidFill>
-                <a:latin typeface="仿宋" panose="02010609060101010101" pitchFamily="49" charset="-122"/>
-                <a:cs typeface="Times New Roman" panose="02020603050405020304" pitchFamily="18" charset="0"/>
+                <a:latin typeface="Arial" panose="020B0604020202020204" pitchFamily="34" charset="0"/>
+                <a:cs typeface="Arial" panose="020B0604020202020204" pitchFamily="34" charset="0"/>
               </a:rPr>
               <a:t>    }</a:t>
             </a:r>
             <a:endParaRPr lang="zh-CN" altLang="zh-CN" sz="900" kern="100">
-              <a:latin typeface="等线" panose="02010600030101010101" pitchFamily="2" charset="-122"/>
-              <a:cs typeface="Times New Roman" panose="02020603050405020304" pitchFamily="18" charset="0"/>
+              <a:latin typeface="Arial" panose="020B0604020202020204" pitchFamily="34" charset="0"/>
+              <a:cs typeface="Arial" panose="020B0604020202020204" pitchFamily="34" charset="0"/>
             </a:endParaRPr>
           </a:p>
           <a:p>
@@ -16221,14 +16221,14 @@
                 <a:solidFill>
                   <a:srgbClr val="000000"/>
                 </a:solidFill>
-                <a:latin typeface="仿宋" panose="02010609060101010101" pitchFamily="49" charset="-122"/>
-                <a:cs typeface="Times New Roman" panose="02020603050405020304" pitchFamily="18" charset="0"/>
+                <a:latin typeface="Arial" panose="020B0604020202020204" pitchFamily="34" charset="0"/>
+                <a:cs typeface="Arial" panose="020B0604020202020204" pitchFamily="34" charset="0"/>
               </a:rPr>
               <a:t>}</a:t>
             </a:r>
             <a:endParaRPr lang="zh-CN" altLang="zh-CN" sz="900" kern="100">
-              <a:latin typeface="等线" panose="02010600030101010101" pitchFamily="2" charset="-122"/>
-              <a:cs typeface="Times New Roman" panose="02020603050405020304" pitchFamily="18" charset="0"/>
+              <a:latin typeface="Arial" panose="020B0604020202020204" pitchFamily="34" charset="0"/>
+              <a:cs typeface="Arial" panose="020B0604020202020204" pitchFamily="34" charset="0"/>
             </a:endParaRPr>
           </a:p>
         </p:txBody>

--- a/代码生成图集.pptx
+++ b/代码生成图集.pptx
@@ -5,7 +5,7 @@
     <p:sldMasterId id="2147483648" r:id="rId1"/>
   </p:sldMasterIdLst>
   <p:notesMasterIdLst>
-    <p:notesMasterId r:id="rId18"/>
+    <p:notesMasterId r:id="rId19"/>
   </p:notesMasterIdLst>
   <p:sldIdLst>
     <p:sldId id="256" r:id="rId2"/>
@@ -24,6 +24,7 @@
     <p:sldId id="281" r:id="rId15"/>
     <p:sldId id="287" r:id="rId16"/>
     <p:sldId id="288" r:id="rId17"/>
+    <p:sldId id="289" r:id="rId18"/>
   </p:sldIdLst>
   <p:sldSz cx="12192000" cy="6858000"/>
   <p:notesSz cx="6858000" cy="9144000"/>
@@ -212,7 +213,7 @@
           <a:p>
             <a:fld id="{687CFD2B-D79F-4CCE-BAFE-DDCACA127A82}" type="datetimeFigureOut">
               <a:rPr lang="zh-CN" altLang="en-US" smtClean="0"/>
-              <a:t>2018/5/18</a:t>
+              <a:t>2018/5/21</a:t>
             </a:fld>
             <a:endParaRPr lang="zh-CN" altLang="en-US"/>
           </a:p>
@@ -792,7 +793,7 @@
           <a:p>
             <a:fld id="{E2CA65C4-BDD0-48CB-A392-6FBE1F864096}" type="datetimeFigureOut">
               <a:rPr lang="zh-CN" altLang="en-US" smtClean="0"/>
-              <a:t>2018/5/18</a:t>
+              <a:t>2018/5/21</a:t>
             </a:fld>
             <a:endParaRPr lang="zh-CN" altLang="en-US"/>
           </a:p>
@@ -957,7 +958,7 @@
           <a:p>
             <a:fld id="{E2CA65C4-BDD0-48CB-A392-6FBE1F864096}" type="datetimeFigureOut">
               <a:rPr lang="zh-CN" altLang="en-US" smtClean="0"/>
-              <a:t>2018/5/18</a:t>
+              <a:t>2018/5/21</a:t>
             </a:fld>
             <a:endParaRPr lang="zh-CN" altLang="en-US"/>
           </a:p>
@@ -1132,7 +1133,7 @@
           <a:p>
             <a:fld id="{E2CA65C4-BDD0-48CB-A392-6FBE1F864096}" type="datetimeFigureOut">
               <a:rPr lang="zh-CN" altLang="en-US" smtClean="0"/>
-              <a:t>2018/5/18</a:t>
+              <a:t>2018/5/21</a:t>
             </a:fld>
             <a:endParaRPr lang="zh-CN" altLang="en-US"/>
           </a:p>
@@ -1297,7 +1298,7 @@
           <a:p>
             <a:fld id="{E2CA65C4-BDD0-48CB-A392-6FBE1F864096}" type="datetimeFigureOut">
               <a:rPr lang="zh-CN" altLang="en-US" smtClean="0"/>
-              <a:t>2018/5/18</a:t>
+              <a:t>2018/5/21</a:t>
             </a:fld>
             <a:endParaRPr lang="zh-CN" altLang="en-US"/>
           </a:p>
@@ -1538,7 +1539,7 @@
           <a:p>
             <a:fld id="{E2CA65C4-BDD0-48CB-A392-6FBE1F864096}" type="datetimeFigureOut">
               <a:rPr lang="zh-CN" altLang="en-US" smtClean="0"/>
-              <a:t>2018/5/18</a:t>
+              <a:t>2018/5/21</a:t>
             </a:fld>
             <a:endParaRPr lang="zh-CN" altLang="en-US"/>
           </a:p>
@@ -1765,7 +1766,7 @@
           <a:p>
             <a:fld id="{E2CA65C4-BDD0-48CB-A392-6FBE1F864096}" type="datetimeFigureOut">
               <a:rPr lang="zh-CN" altLang="en-US" smtClean="0"/>
-              <a:t>2018/5/18</a:t>
+              <a:t>2018/5/21</a:t>
             </a:fld>
             <a:endParaRPr lang="zh-CN" altLang="en-US"/>
           </a:p>
@@ -2127,7 +2128,7 @@
           <a:p>
             <a:fld id="{E2CA65C4-BDD0-48CB-A392-6FBE1F864096}" type="datetimeFigureOut">
               <a:rPr lang="zh-CN" altLang="en-US" smtClean="0"/>
-              <a:t>2018/5/18</a:t>
+              <a:t>2018/5/21</a:t>
             </a:fld>
             <a:endParaRPr lang="zh-CN" altLang="en-US"/>
           </a:p>
@@ -2240,7 +2241,7 @@
           <a:p>
             <a:fld id="{E2CA65C4-BDD0-48CB-A392-6FBE1F864096}" type="datetimeFigureOut">
               <a:rPr lang="zh-CN" altLang="en-US" smtClean="0"/>
-              <a:t>2018/5/18</a:t>
+              <a:t>2018/5/21</a:t>
             </a:fld>
             <a:endParaRPr lang="zh-CN" altLang="en-US"/>
           </a:p>
@@ -2330,7 +2331,7 @@
           <a:p>
             <a:fld id="{E2CA65C4-BDD0-48CB-A392-6FBE1F864096}" type="datetimeFigureOut">
               <a:rPr lang="zh-CN" altLang="en-US" smtClean="0"/>
-              <a:t>2018/5/18</a:t>
+              <a:t>2018/5/21</a:t>
             </a:fld>
             <a:endParaRPr lang="zh-CN" altLang="en-US"/>
           </a:p>
@@ -2602,7 +2603,7 @@
           <a:p>
             <a:fld id="{E2CA65C4-BDD0-48CB-A392-6FBE1F864096}" type="datetimeFigureOut">
               <a:rPr lang="zh-CN" altLang="en-US" smtClean="0"/>
-              <a:t>2018/5/18</a:t>
+              <a:t>2018/5/21</a:t>
             </a:fld>
             <a:endParaRPr lang="zh-CN" altLang="en-US"/>
           </a:p>
@@ -2850,7 +2851,7 @@
           <a:p>
             <a:fld id="{E2CA65C4-BDD0-48CB-A392-6FBE1F864096}" type="datetimeFigureOut">
               <a:rPr lang="zh-CN" altLang="en-US" smtClean="0"/>
-              <a:t>2018/5/18</a:t>
+              <a:t>2018/5/21</a:t>
             </a:fld>
             <a:endParaRPr lang="zh-CN" altLang="en-US"/>
           </a:p>
@@ -3058,7 +3059,7 @@
           <a:p>
             <a:fld id="{E2CA65C4-BDD0-48CB-A392-6FBE1F864096}" type="datetimeFigureOut">
               <a:rPr lang="zh-CN" altLang="en-US" smtClean="0"/>
-              <a:t>2018/5/18</a:t>
+              <a:t>2018/5/21</a:t>
             </a:fld>
             <a:endParaRPr lang="zh-CN" altLang="en-US"/>
           </a:p>
@@ -14686,7 +14687,7 @@
                   <a:srgbClr val="00B050"/>
                 </a:solidFill>
               </a:rPr>
-              <a:t>{ varA, numA, result }</a:t>
+              <a:t>{ varA, result }</a:t>
             </a:r>
             <a:endParaRPr lang="zh-CN" altLang="en-US" sz="1600">
               <a:solidFill>
@@ -14739,7 +14740,7 @@
                   <a:srgbClr val="00B050"/>
                 </a:solidFill>
               </a:rPr>
-              <a:t>{ varC, result }</a:t>
+              <a:t>{ varC, res }</a:t>
             </a:r>
             <a:endParaRPr lang="zh-CN" altLang="en-US">
               <a:solidFill>
@@ -14792,7 +14793,7 @@
                   <a:srgbClr val="00B050"/>
                 </a:solidFill>
               </a:rPr>
-              <a:t>{ varB, result }</a:t>
+              <a:t>{ varB, res }</a:t>
             </a:r>
             <a:endParaRPr lang="zh-CN" altLang="en-US">
               <a:solidFill>
@@ -14945,7 +14946,7 @@
         </p:nvSpPr>
         <p:spPr>
           <a:xfrm>
-            <a:off x="3552501" y="2078340"/>
+            <a:off x="5752405" y="2301994"/>
             <a:ext cx="922543" cy="400110"/>
           </a:xfrm>
           <a:prstGeom prst="rect">
@@ -14981,7 +14982,7 @@
         </p:nvSpPr>
         <p:spPr>
           <a:xfrm>
-            <a:off x="5583049" y="2268013"/>
+            <a:off x="3365555" y="2045913"/>
             <a:ext cx="1025901" cy="400110"/>
           </a:xfrm>
           <a:prstGeom prst="rect">
@@ -15017,7 +15018,7 @@
         </p:nvSpPr>
         <p:spPr>
           <a:xfrm>
-            <a:off x="6213677" y="1948051"/>
+            <a:off x="6259306" y="1928050"/>
             <a:ext cx="2597846" cy="369332"/>
           </a:xfrm>
           <a:prstGeom prst="rect">
@@ -15039,7 +15040,7 @@
                   </a:schemeClr>
                 </a:solidFill>
               </a:rPr>
-              <a:t>&lt;channel.DD.2, result&gt;</a:t>
+              <a:t>&lt;channel.DD.2, res&gt;</a:t>
             </a:r>
             <a:endParaRPr lang="zh-CN" altLang="en-US">
               <a:solidFill>
@@ -15087,7 +15088,7 @@
                   </a:schemeClr>
                 </a:solidFill>
               </a:rPr>
-              <a:t>&lt;channel.DD.1, result&gt;</a:t>
+              <a:t>&lt;channel.DD.1, res&gt;</a:t>
             </a:r>
             <a:endParaRPr lang="zh-CN" altLang="en-US">
               <a:solidFill>
@@ -15113,7 +15114,7 @@
         </p:nvSpPr>
         <p:spPr>
           <a:xfrm>
-            <a:off x="1483357" y="2552821"/>
+            <a:off x="1631375" y="2581281"/>
             <a:ext cx="2597846" cy="369332"/>
           </a:xfrm>
           <a:prstGeom prst="rect">
@@ -15135,7 +15136,7 @@
                   </a:schemeClr>
                 </a:solidFill>
               </a:rPr>
-              <a:t>&lt;channel.DD.3, result&gt;</a:t>
+              <a:t>&lt;channel.DD.3, res&gt;</a:t>
             </a:r>
             <a:endParaRPr lang="zh-CN" altLang="en-US">
               <a:solidFill>
@@ -15323,8 +15324,8 @@
         </p:nvSpPr>
         <p:spPr>
           <a:xfrm>
-            <a:off x="684810" y="351892"/>
-            <a:ext cx="2105891" cy="2470100"/>
+            <a:off x="1426661" y="1249831"/>
+            <a:ext cx="1739658" cy="1994585"/>
           </a:xfrm>
           <a:prstGeom prst="rect">
             <a:avLst/>
@@ -15349,13 +15350,13 @@
                 <a:solidFill>
                   <a:srgbClr val="000000"/>
                 </a:solidFill>
-                <a:latin typeface="Arial" panose="020B0604020202020204" pitchFamily="34" charset="0"/>
+                <a:latin typeface="+mn-ea"/>
                 <a:cs typeface="Arial" panose="020B0604020202020204" pitchFamily="34" charset="0"/>
               </a:rPr>
-              <a:t>program:FPGA(..)[..]</a:t>
+              <a:t>program:FPGA(VAR: res, varA){</a:t>
             </a:r>
             <a:endParaRPr lang="zh-CN" altLang="zh-CN" sz="900" kern="100">
-              <a:latin typeface="Arial" panose="020B0604020202020204" pitchFamily="34" charset="0"/>
+              <a:latin typeface="+mn-ea"/>
               <a:cs typeface="Arial" panose="020B0604020202020204" pitchFamily="34" charset="0"/>
             </a:endParaRPr>
           </a:p>
@@ -15373,15 +15374,11 @@
                 <a:solidFill>
                   <a:srgbClr val="000000"/>
                 </a:solidFill>
-                <a:latin typeface="Arial" panose="020B0604020202020204" pitchFamily="34" charset="0"/>
+                <a:latin typeface="+mn-ea"/>
                 <a:cs typeface="Arial" panose="020B0604020202020204" pitchFamily="34" charset="0"/>
               </a:rPr>
-              <a:t>{</a:t>
-            </a:r>
-            <a:endParaRPr lang="zh-CN" altLang="zh-CN" sz="900" kern="100">
-              <a:latin typeface="Arial" panose="020B0604020202020204" pitchFamily="34" charset="0"/>
-              <a:cs typeface="Arial" panose="020B0604020202020204" pitchFamily="34" charset="0"/>
-            </a:endParaRPr>
+              <a:t>    TRIGGER(TRUE){</a:t>
+            </a:r>
           </a:p>
           <a:p>
             <a:pPr algn="just">
@@ -15397,13 +15394,13 @@
                 <a:solidFill>
                   <a:srgbClr val="000000"/>
                 </a:solidFill>
-                <a:latin typeface="Arial" panose="020B0604020202020204" pitchFamily="34" charset="0"/>
+                <a:latin typeface="+mn-ea"/>
                 <a:cs typeface="Arial" panose="020B0604020202020204" pitchFamily="34" charset="0"/>
               </a:rPr>
-              <a:t>    TRIGGER(TRUE)</a:t>
-            </a:r>
-            <a:endParaRPr lang="zh-CN" altLang="zh-CN" sz="900" kern="100">
-              <a:latin typeface="Arial" panose="020B0604020202020204" pitchFamily="34" charset="0"/>
+              <a:t>        res:=4;</a:t>
+            </a:r>
+            <a:endParaRPr lang="en-US" altLang="zh-CN" sz="900" kern="100">
+              <a:latin typeface="+mn-ea"/>
               <a:cs typeface="Arial" panose="020B0604020202020204" pitchFamily="34" charset="0"/>
             </a:endParaRPr>
           </a:p>
@@ -15421,13 +15418,13 @@
                 <a:solidFill>
                   <a:srgbClr val="000000"/>
                 </a:solidFill>
-                <a:latin typeface="Arial" panose="020B0604020202020204" pitchFamily="34" charset="0"/>
+                <a:latin typeface="+mn-ea"/>
                 <a:cs typeface="Arial" panose="020B0604020202020204" pitchFamily="34" charset="0"/>
               </a:rPr>
-              <a:t>    {</a:t>
+              <a:t>        CHANNEL.DD.!2:res;</a:t>
             </a:r>
             <a:endParaRPr lang="zh-CN" altLang="zh-CN" sz="900" kern="100">
-              <a:latin typeface="Arial" panose="020B0604020202020204" pitchFamily="34" charset="0"/>
+              <a:latin typeface="+mn-ea"/>
               <a:cs typeface="Arial" panose="020B0604020202020204" pitchFamily="34" charset="0"/>
             </a:endParaRPr>
           </a:p>
@@ -15445,13 +15442,13 @@
                 <a:solidFill>
                   <a:srgbClr val="000000"/>
                 </a:solidFill>
-                <a:latin typeface="Arial" panose="020B0604020202020204" pitchFamily="34" charset="0"/>
+                <a:latin typeface="+mn-ea"/>
                 <a:cs typeface="Arial" panose="020B0604020202020204" pitchFamily="34" charset="0"/>
               </a:rPr>
-              <a:t>        CHANNEL.CD.!2;</a:t>
+              <a:t>        CHANNEL.DD.?1:varA;</a:t>
             </a:r>
             <a:endParaRPr lang="zh-CN" altLang="zh-CN" sz="900" kern="100">
-              <a:latin typeface="Arial" panose="020B0604020202020204" pitchFamily="34" charset="0"/>
+              <a:latin typeface="+mn-ea"/>
               <a:cs typeface="Arial" panose="020B0604020202020204" pitchFamily="34" charset="0"/>
             </a:endParaRPr>
           </a:p>
@@ -15469,15 +15466,45 @@
                 <a:solidFill>
                   <a:srgbClr val="000000"/>
                 </a:solidFill>
-                <a:latin typeface="Arial" panose="020B0604020202020204" pitchFamily="34" charset="0"/>
+                <a:latin typeface="+mn-ea"/>
                 <a:cs typeface="Arial" panose="020B0604020202020204" pitchFamily="34" charset="0"/>
               </a:rPr>
-              <a:t>        CHANNEL.CD.!1;</a:t>
-            </a:r>
-            <a:endParaRPr lang="zh-CN" altLang="zh-CN" sz="900" kern="100">
-              <a:latin typeface="Arial" panose="020B0604020202020204" pitchFamily="34" charset="0"/>
-              <a:cs typeface="Arial" panose="020B0604020202020204" pitchFamily="34" charset="0"/>
-            </a:endParaRPr>
+              <a:t>        WHILE(varA &gt; 0){</a:t>
+            </a:r>
+          </a:p>
+          <a:p>
+            <a:pPr algn="just">
+              <a:lnSpc>
+                <a:spcPct val="115000"/>
+              </a:lnSpc>
+            </a:pPr>
+            <a:r>
+              <a:rPr lang="en-US" altLang="zh-CN" sz="900" kern="100">
+                <a:solidFill>
+                  <a:srgbClr val="000000"/>
+                </a:solidFill>
+                <a:latin typeface="+mn-ea"/>
+                <a:cs typeface="Arial" panose="020B0604020202020204" pitchFamily="34" charset="0"/>
+              </a:rPr>
+              <a:t>            res:=res+1;</a:t>
+            </a:r>
+          </a:p>
+          <a:p>
+            <a:pPr algn="just">
+              <a:lnSpc>
+                <a:spcPct val="115000"/>
+              </a:lnSpc>
+            </a:pPr>
+            <a:r>
+              <a:rPr lang="en-US" altLang="zh-CN" sz="900" kern="100">
+                <a:solidFill>
+                  <a:srgbClr val="000000"/>
+                </a:solidFill>
+                <a:latin typeface="+mn-ea"/>
+                <a:cs typeface="Arial" panose="020B0604020202020204" pitchFamily="34" charset="0"/>
+              </a:rPr>
+              <a:t>            varA:=varA-1;</a:t>
+            </a:r>
           </a:p>
           <a:p>
             <a:pPr algn="just">
@@ -15493,15 +15520,11 @@
                 <a:solidFill>
                   <a:srgbClr val="000000"/>
                 </a:solidFill>
-                <a:latin typeface="Arial" panose="020B0604020202020204" pitchFamily="34" charset="0"/>
+                <a:latin typeface="+mn-ea"/>
                 <a:cs typeface="Arial" panose="020B0604020202020204" pitchFamily="34" charset="0"/>
               </a:rPr>
-              <a:t>        varA:=a;</a:t>
-            </a:r>
-            <a:endParaRPr lang="zh-CN" altLang="zh-CN" sz="900" kern="100">
-              <a:latin typeface="Arial" panose="020B0604020202020204" pitchFamily="34" charset="0"/>
-              <a:cs typeface="Arial" panose="020B0604020202020204" pitchFamily="34" charset="0"/>
-            </a:endParaRPr>
+              <a:t>        } </a:t>
+            </a:r>
           </a:p>
           <a:p>
             <a:pPr algn="just">
@@ -15517,13 +15540,13 @@
                 <a:solidFill>
                   <a:srgbClr val="000000"/>
                 </a:solidFill>
-                <a:latin typeface="Arial" panose="020B0604020202020204" pitchFamily="34" charset="0"/>
+                <a:latin typeface="+mn-ea"/>
                 <a:cs typeface="Arial" panose="020B0604020202020204" pitchFamily="34" charset="0"/>
               </a:rPr>
-              <a:t>        numA:=aa;</a:t>
+              <a:t>        CHANNEL.DD.!3:res;</a:t>
             </a:r>
             <a:endParaRPr lang="zh-CN" altLang="zh-CN" sz="900" kern="100">
-              <a:latin typeface="Arial" panose="020B0604020202020204" pitchFamily="34" charset="0"/>
+              <a:latin typeface="+mn-ea"/>
               <a:cs typeface="Arial" panose="020B0604020202020204" pitchFamily="34" charset="0"/>
             </a:endParaRPr>
           </a:p>
@@ -15541,13 +15564,13 @@
                 <a:solidFill>
                   <a:srgbClr val="000000"/>
                 </a:solidFill>
-                <a:latin typeface="Arial" panose="020B0604020202020204" pitchFamily="34" charset="0"/>
+                <a:latin typeface="+mn-ea"/>
                 <a:cs typeface="Arial" panose="020B0604020202020204" pitchFamily="34" charset="0"/>
               </a:rPr>
-              <a:t>        result:=numA;</a:t>
+              <a:t>    }</a:t>
             </a:r>
             <a:endParaRPr lang="zh-CN" altLang="zh-CN" sz="900" kern="100">
-              <a:latin typeface="Arial" panose="020B0604020202020204" pitchFamily="34" charset="0"/>
+              <a:latin typeface="+mn-ea"/>
               <a:cs typeface="Arial" panose="020B0604020202020204" pitchFamily="34" charset="0"/>
             </a:endParaRPr>
           </a:p>
@@ -15565,16 +15588,44 @@
                 <a:solidFill>
                   <a:srgbClr val="000000"/>
                 </a:solidFill>
-                <a:latin typeface="Arial" panose="020B0604020202020204" pitchFamily="34" charset="0"/>
+                <a:latin typeface="+mn-ea"/>
                 <a:cs typeface="Arial" panose="020B0604020202020204" pitchFamily="34" charset="0"/>
               </a:rPr>
-              <a:t>        CHANNEL.DD.!2:result;</a:t>
+              <a:t>}</a:t>
             </a:r>
             <a:endParaRPr lang="zh-CN" altLang="zh-CN" sz="900" kern="100">
-              <a:latin typeface="Arial" panose="020B0604020202020204" pitchFamily="34" charset="0"/>
+              <a:latin typeface="+mn-ea"/>
               <a:cs typeface="Arial" panose="020B0604020202020204" pitchFamily="34" charset="0"/>
             </a:endParaRPr>
           </a:p>
+        </p:txBody>
+      </p:sp>
+      <p:sp>
+        <p:nvSpPr>
+          <p:cNvPr id="5" name="Rectangle 4">
+            <a:extLst>
+              <a:ext uri="{FF2B5EF4-FFF2-40B4-BE49-F238E27FC236}">
+                <a16:creationId xmlns:a16="http://schemas.microsoft.com/office/drawing/2014/main" id="{C2387430-F6B2-4BEB-B612-0ED0C36CC1E2}"/>
+              </a:ext>
+            </a:extLst>
+          </p:cNvPr>
+          <p:cNvSpPr/>
+          <p:nvPr/>
+        </p:nvSpPr>
+        <p:spPr>
+          <a:xfrm>
+            <a:off x="3183034" y="1245134"/>
+            <a:ext cx="1776312" cy="1671483"/>
+          </a:xfrm>
+          <a:prstGeom prst="rect">
+            <a:avLst/>
+          </a:prstGeom>
+        </p:spPr>
+        <p:txBody>
+          <a:bodyPr wrap="square">
+            <a:spAutoFit/>
+          </a:bodyPr>
+          <a:lstStyle/>
           <a:p>
             <a:pPr algn="just">
               <a:lnSpc>
@@ -15589,13 +15640,13 @@
                 <a:solidFill>
                   <a:srgbClr val="000000"/>
                 </a:solidFill>
-                <a:latin typeface="Arial" panose="020B0604020202020204" pitchFamily="34" charset="0"/>
+                <a:latin typeface="+mn-ea"/>
                 <a:cs typeface="Arial" panose="020B0604020202020204" pitchFamily="34" charset="0"/>
               </a:rPr>
-              <a:t>        CHANNEL.DD.?1:result;</a:t>
+              <a:t>program:PLC(VAR: res, varB){</a:t>
             </a:r>
             <a:endParaRPr lang="zh-CN" altLang="zh-CN" sz="900" kern="100">
-              <a:latin typeface="Arial" panose="020B0604020202020204" pitchFamily="34" charset="0"/>
+              <a:latin typeface="+mn-ea"/>
               <a:cs typeface="Arial" panose="020B0604020202020204" pitchFamily="34" charset="0"/>
             </a:endParaRPr>
           </a:p>
@@ -15613,13 +15664,13 @@
                 <a:solidFill>
                   <a:srgbClr val="000000"/>
                 </a:solidFill>
-                <a:latin typeface="Arial" panose="020B0604020202020204" pitchFamily="34" charset="0"/>
+                <a:latin typeface="+mn-ea"/>
                 <a:cs typeface="Arial" panose="020B0604020202020204" pitchFamily="34" charset="0"/>
               </a:rPr>
-              <a:t>        result:=result*varA;</a:t>
+              <a:t>    TRIGGER(TRUE){</a:t>
             </a:r>
             <a:endParaRPr lang="zh-CN" altLang="zh-CN" sz="900" kern="100">
-              <a:latin typeface="Arial" panose="020B0604020202020204" pitchFamily="34" charset="0"/>
+              <a:latin typeface="+mn-ea"/>
               <a:cs typeface="Arial" panose="020B0604020202020204" pitchFamily="34" charset="0"/>
             </a:endParaRPr>
           </a:p>
@@ -15637,13 +15688,13 @@
                 <a:solidFill>
                   <a:srgbClr val="000000"/>
                 </a:solidFill>
-                <a:latin typeface="Arial" panose="020B0604020202020204" pitchFamily="34" charset="0"/>
+                <a:latin typeface="+mn-ea"/>
                 <a:cs typeface="Arial" panose="020B0604020202020204" pitchFamily="34" charset="0"/>
               </a:rPr>
-              <a:t>        CHANNEL.DD.!3:result;</a:t>
+              <a:t>        varB:=10;</a:t>
             </a:r>
             <a:endParaRPr lang="zh-CN" altLang="zh-CN" sz="900" kern="100">
-              <a:latin typeface="Arial" panose="020B0604020202020204" pitchFamily="34" charset="0"/>
+              <a:latin typeface="+mn-ea"/>
               <a:cs typeface="Arial" panose="020B0604020202020204" pitchFamily="34" charset="0"/>
             </a:endParaRPr>
           </a:p>
@@ -15661,13 +15712,13 @@
                 <a:solidFill>
                   <a:srgbClr val="000000"/>
                 </a:solidFill>
-                <a:latin typeface="Arial" panose="020B0604020202020204" pitchFamily="34" charset="0"/>
+                <a:latin typeface="+mn-ea"/>
                 <a:cs typeface="Arial" panose="020B0604020202020204" pitchFamily="34" charset="0"/>
               </a:rPr>
-              <a:t>    }</a:t>
+              <a:t>        CHANNEL.DD.?2:res;</a:t>
             </a:r>
             <a:endParaRPr lang="zh-CN" altLang="zh-CN" sz="900" kern="100">
-              <a:latin typeface="Arial" panose="020B0604020202020204" pitchFamily="34" charset="0"/>
+              <a:latin typeface="+mn-ea"/>
               <a:cs typeface="Arial" panose="020B0604020202020204" pitchFamily="34" charset="0"/>
             </a:endParaRPr>
           </a:p>
@@ -15685,44 +15736,63 @@
                 <a:solidFill>
                   <a:srgbClr val="000000"/>
                 </a:solidFill>
-                <a:latin typeface="Arial" panose="020B0604020202020204" pitchFamily="34" charset="0"/>
+                <a:latin typeface="+mn-ea"/>
                 <a:cs typeface="Arial" panose="020B0604020202020204" pitchFamily="34" charset="0"/>
               </a:rPr>
-              <a:t>}</a:t>
-            </a:r>
-            <a:endParaRPr lang="zh-CN" altLang="zh-CN" sz="900" kern="100">
-              <a:latin typeface="Arial" panose="020B0604020202020204" pitchFamily="34" charset="0"/>
-              <a:cs typeface="Arial" panose="020B0604020202020204" pitchFamily="34" charset="0"/>
-            </a:endParaRPr>
-          </a:p>
-        </p:txBody>
-      </p:sp>
-      <p:sp>
-        <p:nvSpPr>
-          <p:cNvPr id="5" name="Rectangle 4">
-            <a:extLst>
-              <a:ext uri="{FF2B5EF4-FFF2-40B4-BE49-F238E27FC236}">
-                <a16:creationId xmlns:a16="http://schemas.microsoft.com/office/drawing/2014/main" id="{C2387430-F6B2-4BEB-B612-0ED0C36CC1E2}"/>
-              </a:ext>
-            </a:extLst>
-          </p:cNvPr>
-          <p:cNvSpPr/>
-          <p:nvPr/>
-        </p:nvSpPr>
-        <p:spPr>
-          <a:xfrm>
-            <a:off x="2510841" y="351892"/>
-            <a:ext cx="2317470" cy="1673728"/>
-          </a:xfrm>
-          <a:prstGeom prst="rect">
-            <a:avLst/>
-          </a:prstGeom>
-        </p:spPr>
-        <p:txBody>
-          <a:bodyPr wrap="square">
-            <a:spAutoFit/>
-          </a:bodyPr>
-          <a:lstStyle/>
+              <a:t>        IF(res % 2 == 1){</a:t>
+            </a:r>
+          </a:p>
+          <a:p>
+            <a:pPr algn="just">
+              <a:lnSpc>
+                <a:spcPct val="115000"/>
+              </a:lnSpc>
+            </a:pPr>
+            <a:r>
+              <a:rPr lang="en-US" altLang="zh-CN" sz="900" kern="100">
+                <a:solidFill>
+                  <a:srgbClr val="000000"/>
+                </a:solidFill>
+                <a:latin typeface="+mn-ea"/>
+                <a:cs typeface="Arial" panose="020B0604020202020204" pitchFamily="34" charset="0"/>
+              </a:rPr>
+              <a:t>                varB :=res+varB;</a:t>
+            </a:r>
+          </a:p>
+          <a:p>
+            <a:pPr algn="just">
+              <a:lnSpc>
+                <a:spcPct val="115000"/>
+              </a:lnSpc>
+            </a:pPr>
+            <a:r>
+              <a:rPr lang="en-US" altLang="zh-CN" sz="900" kern="100">
+                <a:solidFill>
+                  <a:srgbClr val="000000"/>
+                </a:solidFill>
+                <a:latin typeface="+mn-ea"/>
+                <a:cs typeface="Arial" panose="020B0604020202020204" pitchFamily="34" charset="0"/>
+              </a:rPr>
+              <a:t>        }</a:t>
+            </a:r>
+          </a:p>
+          <a:p>
+            <a:pPr algn="just">
+              <a:lnSpc>
+                <a:spcPct val="115000"/>
+              </a:lnSpc>
+            </a:pPr>
+            <a:r>
+              <a:rPr lang="en-US" altLang="zh-CN" sz="900" kern="100">
+                <a:solidFill>
+                  <a:srgbClr val="000000"/>
+                </a:solidFill>
+                <a:latin typeface="+mn-ea"/>
+                <a:cs typeface="Arial" panose="020B0604020202020204" pitchFamily="34" charset="0"/>
+              </a:rPr>
+              <a:t>        CHANNEL.DD.!1: varB;</a:t>
+            </a:r>
+          </a:p>
           <a:p>
             <a:pPr algn="just">
               <a:lnSpc>
@@ -15737,13 +15807,13 @@
                 <a:solidFill>
                   <a:srgbClr val="000000"/>
                 </a:solidFill>
-                <a:latin typeface="Arial" panose="020B0604020202020204" pitchFamily="34" charset="0"/>
+                <a:latin typeface="+mn-ea"/>
                 <a:cs typeface="Arial" panose="020B0604020202020204" pitchFamily="34" charset="0"/>
               </a:rPr>
-              <a:t>program:PLC(..)[..]</a:t>
+              <a:t>    }</a:t>
             </a:r>
             <a:endParaRPr lang="zh-CN" altLang="zh-CN" sz="900" kern="100">
-              <a:latin typeface="Arial" panose="020B0604020202020204" pitchFamily="34" charset="0"/>
+              <a:latin typeface="+mn-ea"/>
               <a:cs typeface="Arial" panose="020B0604020202020204" pitchFamily="34" charset="0"/>
             </a:endParaRPr>
           </a:p>
@@ -15761,16 +15831,44 @@
                 <a:solidFill>
                   <a:srgbClr val="000000"/>
                 </a:solidFill>
-                <a:latin typeface="Arial" panose="020B0604020202020204" pitchFamily="34" charset="0"/>
+                <a:latin typeface="+mn-ea"/>
                 <a:cs typeface="Arial" panose="020B0604020202020204" pitchFamily="34" charset="0"/>
               </a:rPr>
-              <a:t>{</a:t>
+              <a:t>}</a:t>
             </a:r>
             <a:endParaRPr lang="zh-CN" altLang="zh-CN" sz="900" kern="100">
-              <a:latin typeface="Arial" panose="020B0604020202020204" pitchFamily="34" charset="0"/>
+              <a:latin typeface="+mn-ea"/>
               <a:cs typeface="Arial" panose="020B0604020202020204" pitchFamily="34" charset="0"/>
             </a:endParaRPr>
           </a:p>
+        </p:txBody>
+      </p:sp>
+      <p:sp>
+        <p:nvSpPr>
+          <p:cNvPr id="6" name="Rectangle 5">
+            <a:extLst>
+              <a:ext uri="{FF2B5EF4-FFF2-40B4-BE49-F238E27FC236}">
+                <a16:creationId xmlns:a16="http://schemas.microsoft.com/office/drawing/2014/main" id="{2BE52E6B-0A64-4D1E-BB2F-37F8261622D2}"/>
+              </a:ext>
+            </a:extLst>
+          </p:cNvPr>
+          <p:cNvSpPr/>
+          <p:nvPr/>
+        </p:nvSpPr>
+        <p:spPr>
+          <a:xfrm>
+            <a:off x="5021354" y="1253151"/>
+            <a:ext cx="1615666" cy="1990032"/>
+          </a:xfrm>
+          <a:prstGeom prst="rect">
+            <a:avLst/>
+          </a:prstGeom>
+        </p:spPr>
+        <p:txBody>
+          <a:bodyPr wrap="square">
+            <a:spAutoFit/>
+          </a:bodyPr>
+          <a:lstStyle/>
           <a:p>
             <a:pPr algn="just">
               <a:lnSpc>
@@ -15785,13 +15883,13 @@
                 <a:solidFill>
                   <a:srgbClr val="000000"/>
                 </a:solidFill>
-                <a:latin typeface="Arial" panose="020B0604020202020204" pitchFamily="34" charset="0"/>
+                <a:latin typeface="+mn-ea"/>
                 <a:cs typeface="Arial" panose="020B0604020202020204" pitchFamily="34" charset="0"/>
               </a:rPr>
-              <a:t>    TRIGGER(CHANNEL.CD.?1)</a:t>
+              <a:t>program:PC(VAR:res, varC){</a:t>
             </a:r>
             <a:endParaRPr lang="zh-CN" altLang="zh-CN" sz="900" kern="100">
-              <a:latin typeface="Arial" panose="020B0604020202020204" pitchFamily="34" charset="0"/>
+              <a:latin typeface="+mn-ea"/>
               <a:cs typeface="Arial" panose="020B0604020202020204" pitchFamily="34" charset="0"/>
             </a:endParaRPr>
           </a:p>
@@ -15809,13 +15907,13 @@
                 <a:solidFill>
                   <a:srgbClr val="000000"/>
                 </a:solidFill>
-                <a:latin typeface="Arial" panose="020B0604020202020204" pitchFamily="34" charset="0"/>
+                <a:latin typeface="+mn-ea"/>
                 <a:cs typeface="Arial" panose="020B0604020202020204" pitchFamily="34" charset="0"/>
               </a:rPr>
-              <a:t>    {</a:t>
+              <a:t>    TRIGGER(TRUE){</a:t>
             </a:r>
             <a:endParaRPr lang="zh-CN" altLang="zh-CN" sz="900" kern="100">
-              <a:latin typeface="Arial" panose="020B0604020202020204" pitchFamily="34" charset="0"/>
+              <a:latin typeface="+mn-ea"/>
               <a:cs typeface="Arial" panose="020B0604020202020204" pitchFamily="34" charset="0"/>
             </a:endParaRPr>
           </a:p>
@@ -15833,13 +15931,13 @@
                 <a:solidFill>
                   <a:srgbClr val="000000"/>
                 </a:solidFill>
-                <a:latin typeface="Arial" panose="020B0604020202020204" pitchFamily="34" charset="0"/>
+                <a:latin typeface="+mn-ea"/>
                 <a:cs typeface="Arial" panose="020B0604020202020204" pitchFamily="34" charset="0"/>
               </a:rPr>
-              <a:t>        varB:=b;</a:t>
+              <a:t>        CHANNEL.DD.?3:res;</a:t>
             </a:r>
             <a:endParaRPr lang="zh-CN" altLang="zh-CN" sz="900" kern="100">
-              <a:latin typeface="Arial" panose="020B0604020202020204" pitchFamily="34" charset="0"/>
+              <a:latin typeface="+mn-ea"/>
               <a:cs typeface="Arial" panose="020B0604020202020204" pitchFamily="34" charset="0"/>
             </a:endParaRPr>
           </a:p>
@@ -15857,13 +15955,13 @@
                 <a:solidFill>
                   <a:srgbClr val="000000"/>
                 </a:solidFill>
-                <a:latin typeface="Arial" panose="020B0604020202020204" pitchFamily="34" charset="0"/>
+                <a:latin typeface="+mn-ea"/>
                 <a:cs typeface="Arial" panose="020B0604020202020204" pitchFamily="34" charset="0"/>
               </a:rPr>
-              <a:t>        CHANNEL.DD.?2:result;</a:t>
+              <a:t>        varC :=res+varC;</a:t>
             </a:r>
             <a:endParaRPr lang="zh-CN" altLang="zh-CN" sz="900" kern="100">
-              <a:latin typeface="Arial" panose="020B0604020202020204" pitchFamily="34" charset="0"/>
+              <a:latin typeface="+mn-ea"/>
               <a:cs typeface="Arial" panose="020B0604020202020204" pitchFamily="34" charset="0"/>
             </a:endParaRPr>
           </a:p>
@@ -15881,13 +15979,13 @@
                 <a:solidFill>
                   <a:srgbClr val="000000"/>
                 </a:solidFill>
-                <a:latin typeface="Arial" panose="020B0604020202020204" pitchFamily="34" charset="0"/>
+                <a:latin typeface="+mn-ea"/>
                 <a:cs typeface="Arial" panose="020B0604020202020204" pitchFamily="34" charset="0"/>
               </a:rPr>
-              <a:t>        result:=result+varB;</a:t>
+              <a:t>        varC&gt;&gt;Screen;</a:t>
             </a:r>
             <a:endParaRPr lang="zh-CN" altLang="zh-CN" sz="900" kern="100">
-              <a:latin typeface="Arial" panose="020B0604020202020204" pitchFamily="34" charset="0"/>
+              <a:latin typeface="+mn-ea"/>
               <a:cs typeface="Arial" panose="020B0604020202020204" pitchFamily="34" charset="0"/>
             </a:endParaRPr>
           </a:p>
@@ -15905,15 +16003,11 @@
                 <a:solidFill>
                   <a:srgbClr val="000000"/>
                 </a:solidFill>
-                <a:latin typeface="Arial" panose="020B0604020202020204" pitchFamily="34" charset="0"/>
+                <a:latin typeface="+mn-ea"/>
                 <a:cs typeface="Arial" panose="020B0604020202020204" pitchFamily="34" charset="0"/>
               </a:rPr>
-              <a:t>        CHANNEL.DD.!1:result;</a:t>
-            </a:r>
-            <a:endParaRPr lang="zh-CN" altLang="zh-CN" sz="900" kern="100">
-              <a:latin typeface="Arial" panose="020B0604020202020204" pitchFamily="34" charset="0"/>
-              <a:cs typeface="Arial" panose="020B0604020202020204" pitchFamily="34" charset="0"/>
-            </a:endParaRPr>
+              <a:t>    }</a:t>
+            </a:r>
           </a:p>
           <a:p>
             <a:pPr algn="just">
@@ -15929,13 +16023,13 @@
                 <a:solidFill>
                   <a:srgbClr val="000000"/>
                 </a:solidFill>
-                <a:latin typeface="Arial" panose="020B0604020202020204" pitchFamily="34" charset="0"/>
+                <a:latin typeface="+mn-ea"/>
                 <a:cs typeface="Arial" panose="020B0604020202020204" pitchFamily="34" charset="0"/>
               </a:rPr>
-              <a:t>    }</a:t>
+              <a:t>    TRIGGER(TRUE){</a:t>
             </a:r>
             <a:endParaRPr lang="zh-CN" altLang="zh-CN" sz="900" kern="100">
-              <a:latin typeface="Arial" panose="020B0604020202020204" pitchFamily="34" charset="0"/>
+              <a:latin typeface="+mn-ea"/>
               <a:cs typeface="Arial" panose="020B0604020202020204" pitchFamily="34" charset="0"/>
             </a:endParaRPr>
           </a:p>
@@ -15953,44 +16047,12 @@
                 <a:solidFill>
                   <a:srgbClr val="000000"/>
                 </a:solidFill>
-                <a:latin typeface="Arial" panose="020B0604020202020204" pitchFamily="34" charset="0"/>
+                <a:latin typeface="+mn-ea"/>
                 <a:cs typeface="Arial" panose="020B0604020202020204" pitchFamily="34" charset="0"/>
               </a:rPr>
-              <a:t>}</a:t>
-            </a:r>
-            <a:endParaRPr lang="zh-CN" altLang="zh-CN" sz="900" kern="100">
-              <a:latin typeface="Arial" panose="020B0604020202020204" pitchFamily="34" charset="0"/>
-              <a:cs typeface="Arial" panose="020B0604020202020204" pitchFamily="34" charset="0"/>
-            </a:endParaRPr>
-          </a:p>
-        </p:txBody>
-      </p:sp>
-      <p:sp>
-        <p:nvSpPr>
-          <p:cNvPr id="6" name="Rectangle 5">
-            <a:extLst>
-              <a:ext uri="{FF2B5EF4-FFF2-40B4-BE49-F238E27FC236}">
-                <a16:creationId xmlns:a16="http://schemas.microsoft.com/office/drawing/2014/main" id="{2BE52E6B-0A64-4D1E-BB2F-37F8261622D2}"/>
-              </a:ext>
-            </a:extLst>
-          </p:cNvPr>
-          <p:cNvSpPr/>
-          <p:nvPr/>
-        </p:nvSpPr>
-        <p:spPr>
-          <a:xfrm>
-            <a:off x="4398822" y="351892"/>
-            <a:ext cx="1981658" cy="1673728"/>
-          </a:xfrm>
-          <a:prstGeom prst="rect">
-            <a:avLst/>
-          </a:prstGeom>
-        </p:spPr>
-        <p:txBody>
-          <a:bodyPr wrap="square">
-            <a:spAutoFit/>
-          </a:bodyPr>
-          <a:lstStyle/>
+              <a:t>        if (varC &gt; 100){</a:t>
+            </a:r>
+          </a:p>
           <a:p>
             <a:pPr algn="just">
               <a:lnSpc>
@@ -16005,15 +16067,11 @@
                 <a:solidFill>
                   <a:srgbClr val="000000"/>
                 </a:solidFill>
-                <a:latin typeface="Arial" panose="020B0604020202020204" pitchFamily="34" charset="0"/>
+                <a:latin typeface="+mn-ea"/>
                 <a:cs typeface="Arial" panose="020B0604020202020204" pitchFamily="34" charset="0"/>
               </a:rPr>
-              <a:t>program:PC(..)[..]</a:t>
-            </a:r>
-            <a:endParaRPr lang="zh-CN" altLang="zh-CN" sz="900" kern="100">
-              <a:latin typeface="Arial" panose="020B0604020202020204" pitchFamily="34" charset="0"/>
-              <a:cs typeface="Arial" panose="020B0604020202020204" pitchFamily="34" charset="0"/>
-            </a:endParaRPr>
+              <a:t>            “Waring” &gt;&gt; Screen;</a:t>
+            </a:r>
           </a:p>
           <a:p>
             <a:pPr algn="just">
@@ -16029,13 +16087,13 @@
                 <a:solidFill>
                   <a:srgbClr val="000000"/>
                 </a:solidFill>
-                <a:latin typeface="Arial" panose="020B0604020202020204" pitchFamily="34" charset="0"/>
+                <a:latin typeface="+mn-ea"/>
                 <a:cs typeface="Arial" panose="020B0604020202020204" pitchFamily="34" charset="0"/>
               </a:rPr>
-              <a:t>{</a:t>
+              <a:t>        }</a:t>
             </a:r>
             <a:endParaRPr lang="zh-CN" altLang="zh-CN" sz="900" kern="100">
-              <a:latin typeface="Arial" panose="020B0604020202020204" pitchFamily="34" charset="0"/>
+              <a:latin typeface="+mn-ea"/>
               <a:cs typeface="Arial" panose="020B0604020202020204" pitchFamily="34" charset="0"/>
             </a:endParaRPr>
           </a:p>
@@ -16053,13 +16111,13 @@
                 <a:solidFill>
                   <a:srgbClr val="000000"/>
                 </a:solidFill>
-                <a:latin typeface="Arial" panose="020B0604020202020204" pitchFamily="34" charset="0"/>
+                <a:latin typeface="+mn-ea"/>
                 <a:cs typeface="Arial" panose="020B0604020202020204" pitchFamily="34" charset="0"/>
               </a:rPr>
-              <a:t>    TRIGGER(CHANNEL.CD.?2)</a:t>
+              <a:t>    }</a:t>
             </a:r>
             <a:endParaRPr lang="zh-CN" altLang="zh-CN" sz="900" kern="100">
-              <a:latin typeface="Arial" panose="020B0604020202020204" pitchFamily="34" charset="0"/>
+              <a:latin typeface="+mn-ea"/>
               <a:cs typeface="Arial" panose="020B0604020202020204" pitchFamily="34" charset="0"/>
             </a:endParaRPr>
           </a:p>
@@ -16077,158 +16135,224 @@
                 <a:solidFill>
                   <a:srgbClr val="000000"/>
                 </a:solidFill>
-                <a:latin typeface="Arial" panose="020B0604020202020204" pitchFamily="34" charset="0"/>
+                <a:latin typeface="+mn-ea"/>
                 <a:cs typeface="Arial" panose="020B0604020202020204" pitchFamily="34" charset="0"/>
               </a:rPr>
-              <a:t>    {</a:t>
+              <a:t>}</a:t>
             </a:r>
             <a:endParaRPr lang="zh-CN" altLang="zh-CN" sz="900" kern="100">
-              <a:latin typeface="Arial" panose="020B0604020202020204" pitchFamily="34" charset="0"/>
+              <a:latin typeface="+mn-ea"/>
               <a:cs typeface="Arial" panose="020B0604020202020204" pitchFamily="34" charset="0"/>
             </a:endParaRPr>
           </a:p>
-          <a:p>
-            <a:pPr algn="just">
-              <a:lnSpc>
-                <a:spcPct val="115000"/>
-              </a:lnSpc>
-              <a:spcAft>
-                <a:spcPts val="0"/>
-              </a:spcAft>
-            </a:pPr>
-            <a:r>
-              <a:rPr lang="en-US" altLang="zh-CN" sz="900" kern="100">
+        </p:txBody>
+      </p:sp>
+      <p:cxnSp>
+        <p:nvCxnSpPr>
+          <p:cNvPr id="3" name="Straight Connector 2">
+            <a:extLst>
+              <a:ext uri="{FF2B5EF4-FFF2-40B4-BE49-F238E27FC236}">
+                <a16:creationId xmlns:a16="http://schemas.microsoft.com/office/drawing/2014/main" id="{A800AADD-6902-47DF-B6EA-3B29B3F7F07D}"/>
+              </a:ext>
+            </a:extLst>
+          </p:cNvPr>
+          <p:cNvCxnSpPr/>
+          <p:nvPr/>
+        </p:nvCxnSpPr>
+        <p:spPr>
+          <a:xfrm>
+            <a:off x="3149603" y="1231085"/>
+            <a:ext cx="0" cy="2032079"/>
+          </a:xfrm>
+          <a:prstGeom prst="line">
+            <a:avLst/>
+          </a:prstGeom>
+          <a:ln>
+            <a:prstDash val="dashDot"/>
+          </a:ln>
+        </p:spPr>
+        <p:style>
+          <a:lnRef idx="1">
+            <a:schemeClr val="accent1"/>
+          </a:lnRef>
+          <a:fillRef idx="0">
+            <a:schemeClr val="accent1"/>
+          </a:fillRef>
+          <a:effectRef idx="0">
+            <a:schemeClr val="accent1"/>
+          </a:effectRef>
+          <a:fontRef idx="minor">
+            <a:schemeClr val="tx1"/>
+          </a:fontRef>
+        </p:style>
+      </p:cxnSp>
+      <p:cxnSp>
+        <p:nvCxnSpPr>
+          <p:cNvPr id="7" name="Straight Connector 6">
+            <a:extLst>
+              <a:ext uri="{FF2B5EF4-FFF2-40B4-BE49-F238E27FC236}">
+                <a16:creationId xmlns:a16="http://schemas.microsoft.com/office/drawing/2014/main" id="{DFC0C180-654F-4C0A-80D3-B2D3A6A1BA31}"/>
+              </a:ext>
+            </a:extLst>
+          </p:cNvPr>
+          <p:cNvCxnSpPr>
+            <a:cxnSpLocks/>
+          </p:cNvCxnSpPr>
+          <p:nvPr/>
+        </p:nvCxnSpPr>
+        <p:spPr>
+          <a:xfrm>
+            <a:off x="4987932" y="1200071"/>
+            <a:ext cx="0" cy="2032079"/>
+          </a:xfrm>
+          <a:prstGeom prst="line">
+            <a:avLst/>
+          </a:prstGeom>
+          <a:ln>
+            <a:prstDash val="dashDot"/>
+          </a:ln>
+        </p:spPr>
+        <p:style>
+          <a:lnRef idx="1">
+            <a:schemeClr val="accent1"/>
+          </a:lnRef>
+          <a:fillRef idx="0">
+            <a:schemeClr val="accent1"/>
+          </a:fillRef>
+          <a:effectRef idx="0">
+            <a:schemeClr val="accent1"/>
+          </a:effectRef>
+          <a:fontRef idx="minor">
+            <a:schemeClr val="tx1"/>
+          </a:fontRef>
+        </p:style>
+      </p:cxnSp>
+      <p:sp>
+        <p:nvSpPr>
+          <p:cNvPr id="10" name="TextBox 9">
+            <a:extLst>
+              <a:ext uri="{FF2B5EF4-FFF2-40B4-BE49-F238E27FC236}">
+                <a16:creationId xmlns:a16="http://schemas.microsoft.com/office/drawing/2014/main" id="{E69147AB-408C-46A8-B728-DDAE013551FD}"/>
+              </a:ext>
+            </a:extLst>
+          </p:cNvPr>
+          <p:cNvSpPr txBox="1"/>
+          <p:nvPr/>
+        </p:nvSpPr>
+        <p:spPr>
+          <a:xfrm>
+            <a:off x="1426565" y="1061569"/>
+            <a:ext cx="1089658" cy="276999"/>
+          </a:xfrm>
+          <a:prstGeom prst="rect">
+            <a:avLst/>
+          </a:prstGeom>
+          <a:noFill/>
+        </p:spPr>
+        <p:txBody>
+          <a:bodyPr wrap="square" rtlCol="0">
+            <a:spAutoFit/>
+          </a:bodyPr>
+          <a:lstStyle/>
+          <a:p>
+            <a:r>
+              <a:rPr lang="en-US" altLang="zh-CN" sz="1200" b="1">
                 <a:solidFill>
-                  <a:srgbClr val="000000"/>
+                  <a:schemeClr val="accent1"/>
                 </a:solidFill>
-                <a:latin typeface="Arial" panose="020B0604020202020204" pitchFamily="34" charset="0"/>
-                <a:cs typeface="Arial" panose="020B0604020202020204" pitchFamily="34" charset="0"/>
-              </a:rPr>
-              <a:t>        varC:=c;</a:t>
-            </a:r>
-            <a:endParaRPr lang="zh-CN" altLang="zh-CN" sz="900" kern="100">
-              <a:latin typeface="Arial" panose="020B0604020202020204" pitchFamily="34" charset="0"/>
-              <a:cs typeface="Arial" panose="020B0604020202020204" pitchFamily="34" charset="0"/>
+              </a:rPr>
+              <a:t>FPGA Model </a:t>
+            </a:r>
+            <a:endParaRPr lang="zh-CN" altLang="en-US" sz="1200" b="1">
+              <a:solidFill>
+                <a:schemeClr val="accent1"/>
+              </a:solidFill>
             </a:endParaRPr>
           </a:p>
-          <a:p>
-            <a:pPr algn="just">
-              <a:lnSpc>
-                <a:spcPct val="115000"/>
-              </a:lnSpc>
-              <a:spcAft>
-                <a:spcPts val="0"/>
-              </a:spcAft>
-            </a:pPr>
-            <a:r>
-              <a:rPr lang="en-US" altLang="zh-CN" sz="900" kern="100">
+        </p:txBody>
+      </p:sp>
+      <p:sp>
+        <p:nvSpPr>
+          <p:cNvPr id="11" name="Rectangle 10">
+            <a:extLst>
+              <a:ext uri="{FF2B5EF4-FFF2-40B4-BE49-F238E27FC236}">
+                <a16:creationId xmlns:a16="http://schemas.microsoft.com/office/drawing/2014/main" id="{4718B2A6-0520-4B62-AA37-45FA0531AFB3}"/>
+              </a:ext>
+            </a:extLst>
+          </p:cNvPr>
+          <p:cNvSpPr/>
+          <p:nvPr/>
+        </p:nvSpPr>
+        <p:spPr>
+          <a:xfrm>
+            <a:off x="3178190" y="1061569"/>
+            <a:ext cx="936475" cy="276999"/>
+          </a:xfrm>
+          <a:prstGeom prst="rect">
+            <a:avLst/>
+          </a:prstGeom>
+        </p:spPr>
+        <p:txBody>
+          <a:bodyPr wrap="none">
+            <a:spAutoFit/>
+          </a:bodyPr>
+          <a:lstStyle/>
+          <a:p>
+            <a:r>
+              <a:rPr lang="en-US" altLang="zh-CN" sz="1200" b="1">
                 <a:solidFill>
-                  <a:srgbClr val="000000"/>
+                  <a:schemeClr val="accent1"/>
                 </a:solidFill>
-                <a:latin typeface="Arial" panose="020B0604020202020204" pitchFamily="34" charset="0"/>
-                <a:cs typeface="Arial" panose="020B0604020202020204" pitchFamily="34" charset="0"/>
-              </a:rPr>
-              <a:t>        CHANNEL.DD.?3:result;</a:t>
-            </a:r>
-            <a:endParaRPr lang="zh-CN" altLang="zh-CN" sz="900" kern="100">
-              <a:latin typeface="Arial" panose="020B0604020202020204" pitchFamily="34" charset="0"/>
-              <a:cs typeface="Arial" panose="020B0604020202020204" pitchFamily="34" charset="0"/>
+              </a:rPr>
+              <a:t>PLC Model</a:t>
+            </a:r>
+            <a:endParaRPr lang="zh-CN" altLang="en-US" sz="1200" b="1">
+              <a:solidFill>
+                <a:schemeClr val="accent1"/>
+              </a:solidFill>
             </a:endParaRPr>
           </a:p>
-          <a:p>
-            <a:pPr algn="just">
-              <a:lnSpc>
-                <a:spcPct val="115000"/>
-              </a:lnSpc>
-              <a:spcAft>
-                <a:spcPts val="0"/>
-              </a:spcAft>
-            </a:pPr>
-            <a:r>
-              <a:rPr lang="en-US" altLang="zh-CN" sz="900" kern="100">
+        </p:txBody>
+      </p:sp>
+      <p:sp>
+        <p:nvSpPr>
+          <p:cNvPr id="12" name="Rectangle 11">
+            <a:extLst>
+              <a:ext uri="{FF2B5EF4-FFF2-40B4-BE49-F238E27FC236}">
+                <a16:creationId xmlns:a16="http://schemas.microsoft.com/office/drawing/2014/main" id="{E27DC9D3-CD8C-4D0D-909C-9BDCB035BC32}"/>
+              </a:ext>
+            </a:extLst>
+          </p:cNvPr>
+          <p:cNvSpPr/>
+          <p:nvPr/>
+        </p:nvSpPr>
+        <p:spPr>
+          <a:xfrm>
+            <a:off x="5034125" y="1061570"/>
+            <a:ext cx="861133" cy="276999"/>
+          </a:xfrm>
+          <a:prstGeom prst="rect">
+            <a:avLst/>
+          </a:prstGeom>
+        </p:spPr>
+        <p:txBody>
+          <a:bodyPr wrap="none">
+            <a:spAutoFit/>
+          </a:bodyPr>
+          <a:lstStyle/>
+          <a:p>
+            <a:r>
+              <a:rPr lang="en-US" altLang="zh-CN" sz="1200" b="1">
                 <a:solidFill>
-                  <a:srgbClr val="000000"/>
+                  <a:schemeClr val="accent1"/>
                 </a:solidFill>
-                <a:latin typeface="Arial" panose="020B0604020202020204" pitchFamily="34" charset="0"/>
-                <a:cs typeface="Arial" panose="020B0604020202020204" pitchFamily="34" charset="0"/>
-              </a:rPr>
-              <a:t>        result:=result+varC;</a:t>
-            </a:r>
-            <a:endParaRPr lang="zh-CN" altLang="zh-CN" sz="900" kern="100">
-              <a:latin typeface="Arial" panose="020B0604020202020204" pitchFamily="34" charset="0"/>
-              <a:cs typeface="Arial" panose="020B0604020202020204" pitchFamily="34" charset="0"/>
-            </a:endParaRPr>
-          </a:p>
-          <a:p>
-            <a:pPr algn="just">
-              <a:lnSpc>
-                <a:spcPct val="115000"/>
-              </a:lnSpc>
-              <a:spcAft>
-                <a:spcPts val="0"/>
-              </a:spcAft>
-            </a:pPr>
-            <a:r>
-              <a:rPr lang="en-US" altLang="zh-CN" sz="900" kern="100">
-                <a:solidFill>
-                  <a:srgbClr val="000000"/>
-                </a:solidFill>
-                <a:latin typeface="Arial" panose="020B0604020202020204" pitchFamily="34" charset="0"/>
-                <a:cs typeface="Arial" panose="020B0604020202020204" pitchFamily="34" charset="0"/>
-              </a:rPr>
-              <a:t>        result&gt;&gt;Scream;</a:t>
-            </a:r>
-            <a:endParaRPr lang="zh-CN" altLang="zh-CN" sz="900" kern="100">
-              <a:latin typeface="Arial" panose="020B0604020202020204" pitchFamily="34" charset="0"/>
-              <a:cs typeface="Arial" panose="020B0604020202020204" pitchFamily="34" charset="0"/>
-            </a:endParaRPr>
-          </a:p>
-          <a:p>
-            <a:pPr algn="just">
-              <a:lnSpc>
-                <a:spcPct val="115000"/>
-              </a:lnSpc>
-              <a:spcAft>
-                <a:spcPts val="0"/>
-              </a:spcAft>
-            </a:pPr>
-            <a:r>
-              <a:rPr lang="en-US" altLang="zh-CN" sz="900" kern="100">
-                <a:solidFill>
-                  <a:srgbClr val="000000"/>
-                </a:solidFill>
-                <a:latin typeface="Arial" panose="020B0604020202020204" pitchFamily="34" charset="0"/>
-                <a:cs typeface="Arial" panose="020B0604020202020204" pitchFamily="34" charset="0"/>
-              </a:rPr>
-              <a:t>    }</a:t>
-            </a:r>
-            <a:endParaRPr lang="zh-CN" altLang="zh-CN" sz="900" kern="100">
-              <a:latin typeface="Arial" panose="020B0604020202020204" pitchFamily="34" charset="0"/>
-              <a:cs typeface="Arial" panose="020B0604020202020204" pitchFamily="34" charset="0"/>
-            </a:endParaRPr>
-          </a:p>
-          <a:p>
-            <a:pPr algn="just">
-              <a:lnSpc>
-                <a:spcPct val="115000"/>
-              </a:lnSpc>
-              <a:spcAft>
-                <a:spcPts val="0"/>
-              </a:spcAft>
-            </a:pPr>
-            <a:r>
-              <a:rPr lang="en-US" altLang="zh-CN" sz="900" kern="100">
-                <a:solidFill>
-                  <a:srgbClr val="000000"/>
-                </a:solidFill>
-                <a:latin typeface="Arial" panose="020B0604020202020204" pitchFamily="34" charset="0"/>
-                <a:cs typeface="Arial" panose="020B0604020202020204" pitchFamily="34" charset="0"/>
-              </a:rPr>
-              <a:t>}</a:t>
-            </a:r>
-            <a:endParaRPr lang="zh-CN" altLang="zh-CN" sz="900" kern="100">
-              <a:latin typeface="Arial" panose="020B0604020202020204" pitchFamily="34" charset="0"/>
-              <a:cs typeface="Arial" panose="020B0604020202020204" pitchFamily="34" charset="0"/>
+              </a:rPr>
+              <a:t>PC Model</a:t>
+            </a:r>
+            <a:endParaRPr lang="zh-CN" altLang="en-US" sz="1200" b="1">
+              <a:solidFill>
+                <a:schemeClr val="accent1"/>
+              </a:solidFill>
             </a:endParaRPr>
           </a:p>
         </p:txBody>
@@ -16237,6 +16361,857 @@
     <p:extLst>
       <p:ext uri="{BB962C8B-B14F-4D97-AF65-F5344CB8AC3E}">
         <p14:creationId xmlns:p14="http://schemas.microsoft.com/office/powerpoint/2010/main" val="3357201632"/>
+      </p:ext>
+    </p:extLst>
+  </p:cSld>
+  <p:clrMapOvr>
+    <a:masterClrMapping/>
+  </p:clrMapOvr>
+</p:sld>
+</file>
+
+<file path=ppt/slides/slide17.xml><?xml version="1.0" encoding="utf-8"?>
+<p:sld xmlns:a="http://schemas.openxmlformats.org/drawingml/2006/main" xmlns:r="http://schemas.openxmlformats.org/officeDocument/2006/relationships" xmlns:p="http://schemas.openxmlformats.org/presentationml/2006/main">
+  <p:cSld>
+    <p:spTree>
+      <p:nvGrpSpPr>
+        <p:cNvPr id="1" name=""/>
+        <p:cNvGrpSpPr/>
+        <p:nvPr/>
+      </p:nvGrpSpPr>
+      <p:grpSpPr>
+        <a:xfrm>
+          <a:off x="0" y="0"/>
+          <a:ext cx="0" cy="0"/>
+          <a:chOff x="0" y="0"/>
+          <a:chExt cx="0" cy="0"/>
+        </a:xfrm>
+      </p:grpSpPr>
+      <p:sp>
+        <p:nvSpPr>
+          <p:cNvPr id="4" name="Rectangle 3">
+            <a:extLst>
+              <a:ext uri="{FF2B5EF4-FFF2-40B4-BE49-F238E27FC236}">
+                <a16:creationId xmlns:a16="http://schemas.microsoft.com/office/drawing/2014/main" id="{84CB3469-68C6-4A3D-BD6C-97BFD9306D7C}"/>
+              </a:ext>
+            </a:extLst>
+          </p:cNvPr>
+          <p:cNvSpPr/>
+          <p:nvPr/>
+        </p:nvSpPr>
+        <p:spPr>
+          <a:xfrm>
+            <a:off x="922970" y="690325"/>
+            <a:ext cx="2566036" cy="4862870"/>
+          </a:xfrm>
+          <a:prstGeom prst="rect">
+            <a:avLst/>
+          </a:prstGeom>
+        </p:spPr>
+        <p:txBody>
+          <a:bodyPr wrap="square">
+            <a:spAutoFit/>
+          </a:bodyPr>
+          <a:lstStyle/>
+          <a:p>
+            <a:r>
+              <a:rPr lang="en-US" altLang="zh-CN" sz="1000"/>
+              <a:t>library IEEE;</a:t>
+            </a:r>
+          </a:p>
+          <a:p>
+            <a:r>
+              <a:rPr lang="en-US" altLang="zh-CN" sz="1000"/>
+              <a:t>use IEEE.STD_LOGIC_1164.ALL;</a:t>
+            </a:r>
+          </a:p>
+          <a:p>
+            <a:r>
+              <a:rPr lang="en-US" altLang="zh-CN" sz="1000"/>
+              <a:t>use IEEE.STD_LOGIC_ARITH.ALL;</a:t>
+            </a:r>
+          </a:p>
+          <a:p>
+            <a:r>
+              <a:rPr lang="en-US" altLang="zh-CN" sz="1000"/>
+              <a:t>use IEEE.STD_LOGIC_UNSIGNED.ALL;</a:t>
+            </a:r>
+          </a:p>
+          <a:p>
+            <a:endParaRPr lang="en-US" altLang="zh-CN" sz="1000"/>
+          </a:p>
+          <a:p>
+            <a:r>
+              <a:rPr lang="en-US" altLang="zh-CN" sz="1000"/>
+              <a:t>entity UART is                   </a:t>
+            </a:r>
+          </a:p>
+          <a:p>
+            <a:r>
+              <a:rPr lang="en-US" altLang="zh-CN" sz="1000"/>
+              <a:t>    Port (varA : out_uart : out  INTEGER;</a:t>
+            </a:r>
+          </a:p>
+          <a:p>
+            <a:r>
+              <a:rPr lang="en-US" altLang="zh-CN" sz="1000"/>
+              <a:t>        clock : in STD_LOGIC);</a:t>
+            </a:r>
+          </a:p>
+          <a:p>
+            <a:r>
+              <a:rPr lang="en-US" altLang="zh-CN" sz="1000"/>
+              <a:t>end UART;</a:t>
+            </a:r>
+          </a:p>
+          <a:p>
+            <a:endParaRPr lang="en-US" altLang="zh-CN" sz="1000"/>
+          </a:p>
+          <a:p>
+            <a:r>
+              <a:rPr lang="en-US" altLang="zh-CN" sz="1000"/>
+              <a:t>entity SPI is                   </a:t>
+            </a:r>
+          </a:p>
+          <a:p>
+            <a:r>
+              <a:rPr lang="en-US" altLang="zh-CN" sz="1000"/>
+              <a:t>    Port (varA : in_spi : out  INTEGER;</a:t>
+            </a:r>
+          </a:p>
+          <a:p>
+            <a:r>
+              <a:rPr lang="en-US" altLang="zh-CN" sz="1000"/>
+              <a:t>        out_spi : out  INTEGER;</a:t>
+            </a:r>
+          </a:p>
+          <a:p>
+            <a:r>
+              <a:rPr lang="en-US" altLang="zh-CN" sz="1000"/>
+              <a:t>        clock : in STD_LOGIC);</a:t>
+            </a:r>
+          </a:p>
+          <a:p>
+            <a:r>
+              <a:rPr lang="en-US" altLang="zh-CN" sz="1000"/>
+              <a:t>end SPI;</a:t>
+            </a:r>
+          </a:p>
+          <a:p>
+            <a:endParaRPr lang="en-US" altLang="zh-CN" sz="1000"/>
+          </a:p>
+          <a:p>
+            <a:r>
+              <a:rPr lang="en-US" altLang="zh-CN" sz="1000"/>
+              <a:t>architecture Behavioral of FPGA_MAIN is</a:t>
+            </a:r>
+          </a:p>
+          <a:p>
+            <a:r>
+              <a:rPr lang="en-US" altLang="zh-CN" sz="1000"/>
+              <a:t>Variable varA, res: INTEGER;</a:t>
+            </a:r>
+          </a:p>
+          <a:p>
+            <a:r>
+              <a:rPr lang="en-US" altLang="zh-CN" sz="1000"/>
+              <a:t>begin</a:t>
+            </a:r>
+          </a:p>
+          <a:p>
+            <a:r>
+              <a:rPr lang="en-US" altLang="zh-CN" sz="1000"/>
+              <a:t>FPGA: process(clock)</a:t>
+            </a:r>
+          </a:p>
+          <a:p>
+            <a:r>
+              <a:rPr lang="en-US" altLang="zh-CN" sz="1000"/>
+              <a:t>    begin</a:t>
+            </a:r>
+          </a:p>
+          <a:p>
+            <a:r>
+              <a:rPr lang="en-US" altLang="zh-CN" sz="1000"/>
+              <a:t>        res:=4;</a:t>
+            </a:r>
+          </a:p>
+          <a:p>
+            <a:r>
+              <a:rPr lang="en-US" altLang="zh-CN" sz="1000"/>
+              <a:t>        out_uart &lt;= res;     --// sent res</a:t>
+            </a:r>
+          </a:p>
+          <a:p>
+            <a:r>
+              <a:rPr lang="en-US" altLang="zh-CN" sz="1000"/>
+              <a:t>        varA &lt;= in_uart;     --// receive varA</a:t>
+            </a:r>
+          </a:p>
+          <a:p>
+            <a:r>
+              <a:rPr lang="en-US" altLang="zh-CN" sz="1000"/>
+              <a:t>        While varA &gt; 0 Loop</a:t>
+            </a:r>
+          </a:p>
+          <a:p>
+            <a:r>
+              <a:rPr lang="en-US" altLang="zh-CN" sz="1000"/>
+              <a:t>            res:=res+1;</a:t>
+            </a:r>
+          </a:p>
+          <a:p>
+            <a:r>
+              <a:rPr lang="en-US" altLang="zh-CN" sz="1000"/>
+              <a:t>            varA:=varA-1;</a:t>
+            </a:r>
+          </a:p>
+          <a:p>
+            <a:r>
+              <a:rPr lang="en-US" altLang="zh-CN" sz="1000"/>
+              <a:t>        End Loop;</a:t>
+            </a:r>
+          </a:p>
+          <a:p>
+            <a:r>
+              <a:rPr lang="en-US" altLang="zh-CN" sz="1000"/>
+              <a:t>        out_spi &lt;= res;</a:t>
+            </a:r>
+          </a:p>
+          <a:p>
+            <a:r>
+              <a:rPr lang="en-US" altLang="zh-CN" sz="1000"/>
+              <a:t>    end process FPGA;</a:t>
+            </a:r>
+          </a:p>
+          <a:p>
+            <a:r>
+              <a:rPr lang="en-US" altLang="zh-CN" sz="1000"/>
+              <a:t>end Behavioral;</a:t>
+            </a:r>
+            <a:endParaRPr lang="zh-CN" altLang="en-US" sz="1000"/>
+          </a:p>
+        </p:txBody>
+      </p:sp>
+      <p:sp>
+        <p:nvSpPr>
+          <p:cNvPr id="5" name="Rectangle 4">
+            <a:extLst>
+              <a:ext uri="{FF2B5EF4-FFF2-40B4-BE49-F238E27FC236}">
+                <a16:creationId xmlns:a16="http://schemas.microsoft.com/office/drawing/2014/main" id="{D91A6D92-B22F-4698-801B-44457B8CE55B}"/>
+              </a:ext>
+            </a:extLst>
+          </p:cNvPr>
+          <p:cNvSpPr/>
+          <p:nvPr/>
+        </p:nvSpPr>
+        <p:spPr>
+          <a:xfrm>
+            <a:off x="3529964" y="690325"/>
+            <a:ext cx="2484120" cy="4247317"/>
+          </a:xfrm>
+          <a:prstGeom prst="rect">
+            <a:avLst/>
+          </a:prstGeom>
+        </p:spPr>
+        <p:txBody>
+          <a:bodyPr wrap="square">
+            <a:spAutoFit/>
+          </a:bodyPr>
+          <a:lstStyle/>
+          <a:p>
+            <a:r>
+              <a:rPr lang="zh-CN" altLang="en-US" sz="1000"/>
+              <a:t>(* Function receive_SPI *)</a:t>
+            </a:r>
+          </a:p>
+          <a:p>
+            <a:r>
+              <a:rPr lang="zh-CN" altLang="en-US" sz="1000"/>
+              <a:t>FUNCTION receive_SPI : REAL</a:t>
+            </a:r>
+          </a:p>
+          <a:p>
+            <a:r>
+              <a:rPr lang="zh-CN" altLang="en-US" sz="1000"/>
+              <a:t>VAR_INPUT</a:t>
+            </a:r>
+          </a:p>
+          <a:p>
+            <a:r>
+              <a:rPr lang="zh-CN" altLang="en-US" sz="1000"/>
+              <a:t>        from</a:t>
+            </a:r>
+            <a:r>
+              <a:rPr lang="en-US" altLang="zh-CN" sz="1000"/>
+              <a:t>Id</a:t>
+            </a:r>
+            <a:r>
+              <a:rPr lang="zh-CN" altLang="en-US" sz="1000"/>
+              <a:t>: REAL;</a:t>
+            </a:r>
+          </a:p>
+          <a:p>
+            <a:r>
+              <a:rPr lang="zh-CN" altLang="en-US" sz="1000"/>
+              <a:t>END_VAR</a:t>
+            </a:r>
+          </a:p>
+          <a:p>
+            <a:r>
+              <a:rPr lang="zh-CN" altLang="en-US" sz="1000"/>
+              <a:t>(* detail of the SPI that receive message*)</a:t>
+            </a:r>
+          </a:p>
+          <a:p>
+            <a:endParaRPr lang="en-US" altLang="zh-CN" sz="1000"/>
+          </a:p>
+          <a:p>
+            <a:endParaRPr lang="zh-CN" altLang="en-US" sz="1000"/>
+          </a:p>
+          <a:p>
+            <a:r>
+              <a:rPr lang="zh-CN" altLang="en-US" sz="1000"/>
+              <a:t>(* Function sen</a:t>
+            </a:r>
+            <a:r>
+              <a:rPr lang="en-US" altLang="zh-CN" sz="1000"/>
+              <a:t>d</a:t>
+            </a:r>
+            <a:r>
+              <a:rPr lang="zh-CN" altLang="en-US" sz="1000"/>
+              <a:t>_SPI *)</a:t>
+            </a:r>
+          </a:p>
+          <a:p>
+            <a:r>
+              <a:rPr lang="zh-CN" altLang="en-US" sz="1000"/>
+              <a:t>FUNCTION sen</a:t>
+            </a:r>
+            <a:r>
+              <a:rPr lang="en-US" altLang="zh-CN" sz="1000"/>
+              <a:t>d</a:t>
+            </a:r>
+            <a:r>
+              <a:rPr lang="zh-CN" altLang="en-US" sz="1000"/>
+              <a:t>_SPI : REAL</a:t>
+            </a:r>
+          </a:p>
+          <a:p>
+            <a:r>
+              <a:rPr lang="zh-CN" altLang="en-US" sz="1000"/>
+              <a:t>VAR_INPUT</a:t>
+            </a:r>
+          </a:p>
+          <a:p>
+            <a:r>
+              <a:rPr lang="zh-CN" altLang="en-US" sz="1000"/>
+              <a:t>        to: REAL;</a:t>
+            </a:r>
+          </a:p>
+          <a:p>
+            <a:r>
+              <a:rPr lang="zh-CN" altLang="en-US" sz="1000"/>
+              <a:t>END_VAR</a:t>
+            </a:r>
+          </a:p>
+          <a:p>
+            <a:r>
+              <a:rPr lang="zh-CN" altLang="en-US" sz="1000"/>
+              <a:t>(* detail of the SPI that sent message*)</a:t>
+            </a:r>
+          </a:p>
+          <a:p>
+            <a:endParaRPr lang="en-US" altLang="zh-CN" sz="1000"/>
+          </a:p>
+          <a:p>
+            <a:endParaRPr lang="zh-CN" altLang="en-US" sz="1000"/>
+          </a:p>
+          <a:p>
+            <a:r>
+              <a:rPr lang="zh-CN" altLang="en-US" sz="1000"/>
+              <a:t>(* Main body of program*)</a:t>
+            </a:r>
+          </a:p>
+          <a:p>
+            <a:r>
+              <a:rPr lang="zh-CN" altLang="en-US" sz="1000"/>
+              <a:t>VAR</a:t>
+            </a:r>
+          </a:p>
+          <a:p>
+            <a:r>
+              <a:rPr lang="zh-CN" altLang="en-US" sz="1000"/>
+              <a:t>        res, varB: REAL;</a:t>
+            </a:r>
+          </a:p>
+          <a:p>
+            <a:r>
+              <a:rPr lang="zh-CN" altLang="en-US" sz="1000"/>
+              <a:t>END_VAR</a:t>
+            </a:r>
+          </a:p>
+          <a:p>
+            <a:endParaRPr lang="zh-CN" altLang="en-US" sz="1000"/>
+          </a:p>
+          <a:p>
+            <a:r>
+              <a:rPr lang="zh-CN" altLang="en-US" sz="1000"/>
+              <a:t>varB:=10;</a:t>
+            </a:r>
+          </a:p>
+          <a:p>
+            <a:r>
+              <a:rPr lang="zh-CN" altLang="en-US" sz="1000"/>
+              <a:t>res:= receive_SPI(</a:t>
+            </a:r>
+            <a:r>
+              <a:rPr lang="en-US" altLang="zh-CN" sz="1000"/>
+              <a:t>2</a:t>
+            </a:r>
+            <a:r>
+              <a:rPr lang="zh-CN" altLang="en-US" sz="1000"/>
+              <a:t>);</a:t>
+            </a:r>
+          </a:p>
+          <a:p>
+            <a:r>
+              <a:rPr lang="zh-CN" altLang="en-US" sz="1000"/>
+              <a:t>IF(res % 2 = 1) THEN</a:t>
+            </a:r>
+          </a:p>
+          <a:p>
+            <a:r>
+              <a:rPr lang="zh-CN" altLang="en-US" sz="1000"/>
+              <a:t>    varB := res+vaarB;</a:t>
+            </a:r>
+          </a:p>
+          <a:p>
+            <a:r>
+              <a:rPr lang="zh-CN" altLang="en-US" sz="1000"/>
+              <a:t>END_IF</a:t>
+            </a:r>
+          </a:p>
+          <a:p>
+            <a:r>
+              <a:rPr lang="zh-CN" altLang="en-US" sz="1000"/>
+              <a:t>sen</a:t>
+            </a:r>
+            <a:r>
+              <a:rPr lang="en-US" altLang="zh-CN" sz="1000"/>
+              <a:t>d</a:t>
+            </a:r>
+            <a:r>
+              <a:rPr lang="zh-CN" altLang="en-US" sz="1000"/>
+              <a:t>_SPI(</a:t>
+            </a:r>
+            <a:r>
+              <a:rPr lang="en-US" altLang="zh-CN" sz="1000"/>
+              <a:t>varB</a:t>
+            </a:r>
+            <a:r>
+              <a:rPr lang="zh-CN" altLang="en-US" sz="1000"/>
+              <a:t>)</a:t>
+            </a:r>
+          </a:p>
+        </p:txBody>
+      </p:sp>
+      <p:sp>
+        <p:nvSpPr>
+          <p:cNvPr id="6" name="Rectangle 5">
+            <a:extLst>
+              <a:ext uri="{FF2B5EF4-FFF2-40B4-BE49-F238E27FC236}">
+                <a16:creationId xmlns:a16="http://schemas.microsoft.com/office/drawing/2014/main" id="{D63AEA6F-4E06-4BE6-8E3C-FF8A9E614EBE}"/>
+              </a:ext>
+            </a:extLst>
+          </p:cNvPr>
+          <p:cNvSpPr/>
+          <p:nvPr/>
+        </p:nvSpPr>
+        <p:spPr>
+          <a:xfrm>
+            <a:off x="6014084" y="690325"/>
+            <a:ext cx="2766060" cy="4401205"/>
+          </a:xfrm>
+          <a:prstGeom prst="rect">
+            <a:avLst/>
+          </a:prstGeom>
+        </p:spPr>
+        <p:txBody>
+          <a:bodyPr wrap="square">
+            <a:spAutoFit/>
+          </a:bodyPr>
+          <a:lstStyle/>
+          <a:p>
+            <a:r>
+              <a:rPr lang="zh-CN" altLang="en-US" sz="1000"/>
+              <a:t>#include &lt;pthread.h&gt;</a:t>
+            </a:r>
+          </a:p>
+          <a:p>
+            <a:r>
+              <a:rPr lang="zh-CN" altLang="en-US" sz="1000"/>
+              <a:t>...</a:t>
+            </a:r>
+          </a:p>
+          <a:p>
+            <a:endParaRPr lang="zh-CN" altLang="en-US" sz="1000"/>
+          </a:p>
+          <a:p>
+            <a:r>
+              <a:rPr lang="zh-CN" altLang="en-US" sz="1000"/>
+              <a:t>extern void receive_Uart(string &amp;fromId);</a:t>
+            </a:r>
+          </a:p>
+          <a:p>
+            <a:r>
+              <a:rPr lang="zh-CN" altLang="en-US" sz="1000"/>
+              <a:t>extern void driver_Screen(Data &amp;data);</a:t>
+            </a:r>
+          </a:p>
+          <a:p>
+            <a:endParaRPr lang="zh-CN" altLang="en-US" sz="1000"/>
+          </a:p>
+          <a:p>
+            <a:r>
+              <a:rPr lang="zh-CN" altLang="en-US" sz="1000"/>
+              <a:t>void trigger1() {</a:t>
+            </a:r>
+          </a:p>
+          <a:p>
+            <a:r>
+              <a:rPr lang="zh-CN" altLang="en-US" sz="1000"/>
+              <a:t>    res = receive_Uart(2);</a:t>
+            </a:r>
+          </a:p>
+          <a:p>
+            <a:r>
+              <a:rPr lang="zh-CN" altLang="en-US" sz="1000"/>
+              <a:t>    varC = res + varc;</a:t>
+            </a:r>
+          </a:p>
+          <a:p>
+            <a:r>
+              <a:rPr lang="zh-CN" altLang="en-US" sz="1000"/>
+              <a:t>    driver_Screen(varC);</a:t>
+            </a:r>
+          </a:p>
+          <a:p>
+            <a:r>
+              <a:rPr lang="zh-CN" altLang="en-US" sz="1000"/>
+              <a:t>}</a:t>
+            </a:r>
+          </a:p>
+          <a:p>
+            <a:endParaRPr lang="zh-CN" altLang="en-US" sz="1000"/>
+          </a:p>
+          <a:p>
+            <a:r>
+              <a:rPr lang="zh-CN" altLang="en-US" sz="1000"/>
+              <a:t>void trigger2() {</a:t>
+            </a:r>
+          </a:p>
+          <a:p>
+            <a:r>
+              <a:rPr lang="zh-CN" altLang="en-US" sz="1000"/>
+              <a:t>    if (varC &gt; 100)  {</a:t>
+            </a:r>
+          </a:p>
+          <a:p>
+            <a:r>
+              <a:rPr lang="zh-CN" altLang="en-US" sz="1000"/>
+              <a:t>        driver_Screen("Warning");</a:t>
+            </a:r>
+          </a:p>
+          <a:p>
+            <a:r>
+              <a:rPr lang="zh-CN" altLang="en-US" sz="1000"/>
+              <a:t>    }</a:t>
+            </a:r>
+          </a:p>
+          <a:p>
+            <a:r>
+              <a:rPr lang="zh-CN" altLang="en-US" sz="1000"/>
+              <a:t>}</a:t>
+            </a:r>
+          </a:p>
+          <a:p>
+            <a:endParaRPr lang="zh-CN" altLang="en-US" sz="1000"/>
+          </a:p>
+          <a:p>
+            <a:r>
+              <a:rPr lang="zh-CN" altLang="en-US" sz="1000"/>
+              <a:t>int main(){</a:t>
+            </a:r>
+          </a:p>
+          <a:p>
+            <a:r>
+              <a:rPr lang="zh-CN" altLang="en-US" sz="1000"/>
+              <a:t>    pthread_t t1, t2;</a:t>
+            </a:r>
+          </a:p>
+          <a:p>
+            <a:r>
+              <a:rPr lang="zh-CN" altLang="en-US" sz="1000"/>
+              <a:t>    pthread_create(&amp;t1, NULL, trigger1, NULL);</a:t>
+            </a:r>
+          </a:p>
+          <a:p>
+            <a:r>
+              <a:rPr lang="zh-CN" altLang="en-US" sz="1000"/>
+              <a:t>    pthread_create(&amp;t2, NULL, trigger2, NULL);</a:t>
+            </a:r>
+          </a:p>
+          <a:p>
+            <a:r>
+              <a:rPr lang="zh-CN" altLang="en-US" sz="1000"/>
+              <a:t>    pthread_join(t1,NULL);</a:t>
+            </a:r>
+          </a:p>
+          <a:p>
+            <a:r>
+              <a:rPr lang="zh-CN" altLang="en-US" sz="1000"/>
+              <a:t>    pthread_join(t2,NULL);</a:t>
+            </a:r>
+          </a:p>
+          <a:p>
+            <a:r>
+              <a:rPr lang="zh-CN" altLang="en-US" sz="1000"/>
+              <a:t>    // ...</a:t>
+            </a:r>
+          </a:p>
+          <a:p>
+            <a:r>
+              <a:rPr lang="zh-CN" altLang="en-US" sz="1000"/>
+              <a:t>    return 0;</a:t>
+            </a:r>
+          </a:p>
+          <a:p>
+            <a:r>
+              <a:rPr lang="zh-CN" altLang="en-US" sz="1000"/>
+              <a:t>}</a:t>
+            </a:r>
+          </a:p>
+        </p:txBody>
+      </p:sp>
+      <p:cxnSp>
+        <p:nvCxnSpPr>
+          <p:cNvPr id="7" name="Straight Connector 6">
+            <a:extLst>
+              <a:ext uri="{FF2B5EF4-FFF2-40B4-BE49-F238E27FC236}">
+                <a16:creationId xmlns:a16="http://schemas.microsoft.com/office/drawing/2014/main" id="{AAF09DAB-66D6-4147-B680-D186F80A20F7}"/>
+              </a:ext>
+            </a:extLst>
+          </p:cNvPr>
+          <p:cNvCxnSpPr>
+            <a:cxnSpLocks/>
+          </p:cNvCxnSpPr>
+          <p:nvPr/>
+        </p:nvCxnSpPr>
+        <p:spPr>
+          <a:xfrm>
+            <a:off x="3476309" y="690325"/>
+            <a:ext cx="0" cy="4300775"/>
+          </a:xfrm>
+          <a:prstGeom prst="line">
+            <a:avLst/>
+          </a:prstGeom>
+          <a:ln>
+            <a:prstDash val="dashDot"/>
+          </a:ln>
+        </p:spPr>
+        <p:style>
+          <a:lnRef idx="1">
+            <a:schemeClr val="accent1"/>
+          </a:lnRef>
+          <a:fillRef idx="0">
+            <a:schemeClr val="accent1"/>
+          </a:fillRef>
+          <a:effectRef idx="0">
+            <a:schemeClr val="accent1"/>
+          </a:effectRef>
+          <a:fontRef idx="minor">
+            <a:schemeClr val="tx1"/>
+          </a:fontRef>
+        </p:style>
+      </p:cxnSp>
+      <p:cxnSp>
+        <p:nvCxnSpPr>
+          <p:cNvPr id="9" name="Straight Connector 8">
+            <a:extLst>
+              <a:ext uri="{FF2B5EF4-FFF2-40B4-BE49-F238E27FC236}">
+                <a16:creationId xmlns:a16="http://schemas.microsoft.com/office/drawing/2014/main" id="{9E7AA917-DDFD-4CA8-ADC3-E6D096E2F748}"/>
+              </a:ext>
+            </a:extLst>
+          </p:cNvPr>
+          <p:cNvCxnSpPr>
+            <a:cxnSpLocks/>
+          </p:cNvCxnSpPr>
+          <p:nvPr/>
+        </p:nvCxnSpPr>
+        <p:spPr>
+          <a:xfrm>
+            <a:off x="5937569" y="560785"/>
+            <a:ext cx="0" cy="4636055"/>
+          </a:xfrm>
+          <a:prstGeom prst="line">
+            <a:avLst/>
+          </a:prstGeom>
+          <a:ln>
+            <a:prstDash val="dashDot"/>
+          </a:ln>
+        </p:spPr>
+        <p:style>
+          <a:lnRef idx="1">
+            <a:schemeClr val="accent1"/>
+          </a:lnRef>
+          <a:fillRef idx="0">
+            <a:schemeClr val="accent1"/>
+          </a:fillRef>
+          <a:effectRef idx="0">
+            <a:schemeClr val="accent1"/>
+          </a:effectRef>
+          <a:fontRef idx="minor">
+            <a:schemeClr val="tx1"/>
+          </a:fontRef>
+        </p:style>
+      </p:cxnSp>
+      <p:sp>
+        <p:nvSpPr>
+          <p:cNvPr id="11" name="TextBox 10">
+            <a:extLst>
+              <a:ext uri="{FF2B5EF4-FFF2-40B4-BE49-F238E27FC236}">
+                <a16:creationId xmlns:a16="http://schemas.microsoft.com/office/drawing/2014/main" id="{7E50566F-7E69-4A9B-90CD-3AFE854E2279}"/>
+              </a:ext>
+            </a:extLst>
+          </p:cNvPr>
+          <p:cNvSpPr txBox="1"/>
+          <p:nvPr/>
+        </p:nvSpPr>
+        <p:spPr>
+          <a:xfrm>
+            <a:off x="922970" y="484793"/>
+            <a:ext cx="1089658" cy="276999"/>
+          </a:xfrm>
+          <a:prstGeom prst="rect">
+            <a:avLst/>
+          </a:prstGeom>
+          <a:noFill/>
+        </p:spPr>
+        <p:txBody>
+          <a:bodyPr wrap="square" rtlCol="0">
+            <a:spAutoFit/>
+          </a:bodyPr>
+          <a:lstStyle/>
+          <a:p>
+            <a:r>
+              <a:rPr lang="en-US" altLang="zh-CN" sz="1200" b="1">
+                <a:solidFill>
+                  <a:schemeClr val="accent1"/>
+                </a:solidFill>
+              </a:rPr>
+              <a:t>VHDL </a:t>
+            </a:r>
+            <a:endParaRPr lang="zh-CN" altLang="en-US" sz="1200" b="1">
+              <a:solidFill>
+                <a:schemeClr val="accent1"/>
+              </a:solidFill>
+            </a:endParaRPr>
+          </a:p>
+        </p:txBody>
+      </p:sp>
+      <p:sp>
+        <p:nvSpPr>
+          <p:cNvPr id="12" name="TextBox 11">
+            <a:extLst>
+              <a:ext uri="{FF2B5EF4-FFF2-40B4-BE49-F238E27FC236}">
+                <a16:creationId xmlns:a16="http://schemas.microsoft.com/office/drawing/2014/main" id="{3B84E25B-E2E1-46B8-A00D-0794803AC316}"/>
+              </a:ext>
+            </a:extLst>
+          </p:cNvPr>
+          <p:cNvSpPr txBox="1"/>
+          <p:nvPr/>
+        </p:nvSpPr>
+        <p:spPr>
+          <a:xfrm>
+            <a:off x="3534099" y="484793"/>
+            <a:ext cx="1089658" cy="276999"/>
+          </a:xfrm>
+          <a:prstGeom prst="rect">
+            <a:avLst/>
+          </a:prstGeom>
+          <a:noFill/>
+        </p:spPr>
+        <p:txBody>
+          <a:bodyPr wrap="square" rtlCol="0">
+            <a:spAutoFit/>
+          </a:bodyPr>
+          <a:lstStyle/>
+          <a:p>
+            <a:r>
+              <a:rPr lang="en-US" altLang="zh-CN" sz="1200" b="1">
+                <a:solidFill>
+                  <a:schemeClr val="accent1"/>
+                </a:solidFill>
+              </a:rPr>
+              <a:t>61131-3</a:t>
+            </a:r>
+            <a:endParaRPr lang="zh-CN" altLang="en-US" sz="1200" b="1">
+              <a:solidFill>
+                <a:schemeClr val="accent1"/>
+              </a:solidFill>
+            </a:endParaRPr>
+          </a:p>
+        </p:txBody>
+      </p:sp>
+      <p:sp>
+        <p:nvSpPr>
+          <p:cNvPr id="13" name="TextBox 12">
+            <a:extLst>
+              <a:ext uri="{FF2B5EF4-FFF2-40B4-BE49-F238E27FC236}">
+                <a16:creationId xmlns:a16="http://schemas.microsoft.com/office/drawing/2014/main" id="{EF7F6753-7445-4F6E-90DA-D1A24C6C110C}"/>
+              </a:ext>
+            </a:extLst>
+          </p:cNvPr>
+          <p:cNvSpPr txBox="1"/>
+          <p:nvPr/>
+        </p:nvSpPr>
+        <p:spPr>
+          <a:xfrm>
+            <a:off x="6012813" y="484792"/>
+            <a:ext cx="1089658" cy="276999"/>
+          </a:xfrm>
+          <a:prstGeom prst="rect">
+            <a:avLst/>
+          </a:prstGeom>
+          <a:noFill/>
+        </p:spPr>
+        <p:txBody>
+          <a:bodyPr wrap="square" rtlCol="0">
+            <a:spAutoFit/>
+          </a:bodyPr>
+          <a:lstStyle/>
+          <a:p>
+            <a:r>
+              <a:rPr lang="en-US" altLang="zh-CN" sz="1200" b="1">
+                <a:solidFill>
+                  <a:schemeClr val="accent1"/>
+                </a:solidFill>
+              </a:rPr>
+              <a:t>C</a:t>
+            </a:r>
+            <a:endParaRPr lang="zh-CN" altLang="en-US" sz="1200" b="1">
+              <a:solidFill>
+                <a:schemeClr val="accent1"/>
+              </a:solidFill>
+            </a:endParaRPr>
+          </a:p>
+        </p:txBody>
+      </p:sp>
+    </p:spTree>
+    <p:extLst>
+      <p:ext uri="{BB962C8B-B14F-4D97-AF65-F5344CB8AC3E}">
+        <p14:creationId xmlns:p14="http://schemas.microsoft.com/office/powerpoint/2010/main" val="1027781736"/>
       </p:ext>
     </p:extLst>
   </p:cSld>
